--- a/divers/structure du site.pptx
+++ b/divers/structure du site.pptx
@@ -2,18 +2,20 @@
 <file path=ppt/presentation.xml><?xml version="1.0" encoding="utf-8"?>
 <p:presentation xmlns:a="http://schemas.openxmlformats.org/drawingml/2006/main" xmlns:r="http://schemas.openxmlformats.org/officeDocument/2006/relationships" xmlns:p="http://schemas.openxmlformats.org/presentationml/2006/main" saveSubsetFonts="1">
   <p:sldMasterIdLst>
-    <p:sldMasterId id="2147483648" r:id="rId1"/>
+    <p:sldMasterId id="2147483660" r:id="rId1"/>
   </p:sldMasterIdLst>
   <p:sldIdLst>
     <p:sldId id="256" r:id="rId2"/>
+    <p:sldId id="257" r:id="rId3"/>
+    <p:sldId id="258" r:id="rId4"/>
   </p:sldIdLst>
-  <p:sldSz cx="12192000" cy="6858000"/>
+  <p:sldSz cx="6858000" cy="12192000"/>
   <p:notesSz cx="6858000" cy="9144000"/>
   <p:defaultTextStyle>
     <a:defPPr>
-      <a:defRPr lang="fr-FR"/>
+      <a:defRPr lang="en-US"/>
     </a:defPPr>
-    <a:lvl1pPr marL="0" algn="l" defTabSz="914400" rtl="0" eaLnBrk="1" latinLnBrk="0" hangingPunct="1">
+    <a:lvl1pPr marL="0" algn="l" defTabSz="457200" rtl="0" eaLnBrk="1" latinLnBrk="0" hangingPunct="1">
       <a:defRPr sz="1800" kern="1200">
         <a:solidFill>
           <a:schemeClr val="tx1"/>
@@ -23,7 +25,7 @@
         <a:cs typeface="+mn-cs"/>
       </a:defRPr>
     </a:lvl1pPr>
-    <a:lvl2pPr marL="457200" algn="l" defTabSz="914400" rtl="0" eaLnBrk="1" latinLnBrk="0" hangingPunct="1">
+    <a:lvl2pPr marL="457200" algn="l" defTabSz="457200" rtl="0" eaLnBrk="1" latinLnBrk="0" hangingPunct="1">
       <a:defRPr sz="1800" kern="1200">
         <a:solidFill>
           <a:schemeClr val="tx1"/>
@@ -33,7 +35,7 @@
         <a:cs typeface="+mn-cs"/>
       </a:defRPr>
     </a:lvl2pPr>
-    <a:lvl3pPr marL="914400" algn="l" defTabSz="914400" rtl="0" eaLnBrk="1" latinLnBrk="0" hangingPunct="1">
+    <a:lvl3pPr marL="914400" algn="l" defTabSz="457200" rtl="0" eaLnBrk="1" latinLnBrk="0" hangingPunct="1">
       <a:defRPr sz="1800" kern="1200">
         <a:solidFill>
           <a:schemeClr val="tx1"/>
@@ -43,7 +45,7 @@
         <a:cs typeface="+mn-cs"/>
       </a:defRPr>
     </a:lvl3pPr>
-    <a:lvl4pPr marL="1371600" algn="l" defTabSz="914400" rtl="0" eaLnBrk="1" latinLnBrk="0" hangingPunct="1">
+    <a:lvl4pPr marL="1371600" algn="l" defTabSz="457200" rtl="0" eaLnBrk="1" latinLnBrk="0" hangingPunct="1">
       <a:defRPr sz="1800" kern="1200">
         <a:solidFill>
           <a:schemeClr val="tx1"/>
@@ -53,7 +55,7 @@
         <a:cs typeface="+mn-cs"/>
       </a:defRPr>
     </a:lvl4pPr>
-    <a:lvl5pPr marL="1828800" algn="l" defTabSz="914400" rtl="0" eaLnBrk="1" latinLnBrk="0" hangingPunct="1">
+    <a:lvl5pPr marL="1828800" algn="l" defTabSz="457200" rtl="0" eaLnBrk="1" latinLnBrk="0" hangingPunct="1">
       <a:defRPr sz="1800" kern="1200">
         <a:solidFill>
           <a:schemeClr val="tx1"/>
@@ -63,7 +65,7 @@
         <a:cs typeface="+mn-cs"/>
       </a:defRPr>
     </a:lvl5pPr>
-    <a:lvl6pPr marL="2286000" algn="l" defTabSz="914400" rtl="0" eaLnBrk="1" latinLnBrk="0" hangingPunct="1">
+    <a:lvl6pPr marL="2286000" algn="l" defTabSz="457200" rtl="0" eaLnBrk="1" latinLnBrk="0" hangingPunct="1">
       <a:defRPr sz="1800" kern="1200">
         <a:solidFill>
           <a:schemeClr val="tx1"/>
@@ -73,7 +75,7 @@
         <a:cs typeface="+mn-cs"/>
       </a:defRPr>
     </a:lvl6pPr>
-    <a:lvl7pPr marL="2743200" algn="l" defTabSz="914400" rtl="0" eaLnBrk="1" latinLnBrk="0" hangingPunct="1">
+    <a:lvl7pPr marL="2743200" algn="l" defTabSz="457200" rtl="0" eaLnBrk="1" latinLnBrk="0" hangingPunct="1">
       <a:defRPr sz="1800" kern="1200">
         <a:solidFill>
           <a:schemeClr val="tx1"/>
@@ -83,7 +85,7 @@
         <a:cs typeface="+mn-cs"/>
       </a:defRPr>
     </a:lvl7pPr>
-    <a:lvl8pPr marL="3200400" algn="l" defTabSz="914400" rtl="0" eaLnBrk="1" latinLnBrk="0" hangingPunct="1">
+    <a:lvl8pPr marL="3200400" algn="l" defTabSz="457200" rtl="0" eaLnBrk="1" latinLnBrk="0" hangingPunct="1">
       <a:defRPr sz="1800" kern="1200">
         <a:solidFill>
           <a:schemeClr val="tx1"/>
@@ -93,7 +95,7 @@
         <a:cs typeface="+mn-cs"/>
       </a:defRPr>
     </a:lvl8pPr>
-    <a:lvl9pPr marL="3657600" algn="l" defTabSz="914400" rtl="0" eaLnBrk="1" latinLnBrk="0" hangingPunct="1">
+    <a:lvl9pPr marL="3657600" algn="l" defTabSz="457200" rtl="0" eaLnBrk="1" latinLnBrk="0" hangingPunct="1">
       <a:defRPr sz="1800" kern="1200">
         <a:solidFill>
           <a:schemeClr val="tx1"/>
@@ -107,12 +109,12 @@
   <p:extLst>
     <p:ext uri="{EFAFB233-063F-42B5-8137-9DF3F51BA10A}">
       <p15:sldGuideLst xmlns:p15="http://schemas.microsoft.com/office/powerpoint/2012/main">
-        <p15:guide id="1" orient="horz" pos="2160" userDrawn="1">
+        <p15:guide id="1" orient="horz" pos="3863" userDrawn="1">
           <p15:clr>
             <a:srgbClr val="A4A3A4"/>
           </p15:clr>
         </p15:guide>
-        <p15:guide id="2" pos="3840" userDrawn="1">
+        <p15:guide id="2" pos="2160" userDrawn="1">
           <p15:clr>
             <a:srgbClr val="A4A3A4"/>
           </p15:clr>
@@ -121,6 +123,497 @@
     </p:ext>
   </p:extLst>
 </p:presentation>
+</file>
+
+<file path=ppt/changesInfos/changesInfo1.xml><?xml version="1.0" encoding="utf-8"?>
+<pc:chgInfo xmlns:a="http://schemas.openxmlformats.org/drawingml/2006/main" xmlns:r="http://schemas.openxmlformats.org/officeDocument/2006/relationships" xmlns:ac="http://schemas.microsoft.com/office/drawing/2013/main/command" xmlns:pc="http://schemas.microsoft.com/office/powerpoint/2013/main/command">
+  <pc:docChgLst>
+    <pc:chgData name="Fabien Cazalet" userId="91ee7e16483ceb3d" providerId="LiveId" clId="{0B8897AA-30F3-48D8-8F9B-5105B9B2055E}"/>
+    <pc:docChg chg="undo custSel addSld modSld">
+      <pc:chgData name="Fabien Cazalet" userId="91ee7e16483ceb3d" providerId="LiveId" clId="{0B8897AA-30F3-48D8-8F9B-5105B9B2055E}" dt="2018-10-02T09:44:57.551" v="298" actId="6549"/>
+      <pc:docMkLst>
+        <pc:docMk/>
+      </pc:docMkLst>
+      <pc:sldChg chg="addSp delSp modSp">
+        <pc:chgData name="Fabien Cazalet" userId="91ee7e16483ceb3d" providerId="LiveId" clId="{0B8897AA-30F3-48D8-8F9B-5105B9B2055E}" dt="2018-10-02T08:57:15.916" v="3" actId="478"/>
+        <pc:sldMkLst>
+          <pc:docMk/>
+          <pc:sldMk cId="2407177992" sldId="256"/>
+        </pc:sldMkLst>
+        <pc:spChg chg="add del mod">
+          <ac:chgData name="Fabien Cazalet" userId="91ee7e16483ceb3d" providerId="LiveId" clId="{0B8897AA-30F3-48D8-8F9B-5105B9B2055E}" dt="2018-10-02T08:57:15.916" v="3" actId="478"/>
+          <ac:spMkLst>
+            <pc:docMk/>
+            <pc:sldMk cId="2407177992" sldId="256"/>
+            <ac:spMk id="2" creationId="{EC7925FB-2387-4D2F-93E0-61E87EC11A42}"/>
+          </ac:spMkLst>
+        </pc:spChg>
+      </pc:sldChg>
+      <pc:sldChg chg="addSp delSp modSp add">
+        <pc:chgData name="Fabien Cazalet" userId="91ee7e16483ceb3d" providerId="LiveId" clId="{0B8897AA-30F3-48D8-8F9B-5105B9B2055E}" dt="2018-10-02T09:44:57.551" v="298" actId="6549"/>
+        <pc:sldMkLst>
+          <pc:docMk/>
+          <pc:sldMk cId="1011502979" sldId="257"/>
+        </pc:sldMkLst>
+        <pc:spChg chg="add mod">
+          <ac:chgData name="Fabien Cazalet" userId="91ee7e16483ceb3d" providerId="LiveId" clId="{0B8897AA-30F3-48D8-8F9B-5105B9B2055E}" dt="2018-10-02T09:01:52.963" v="5" actId="11529"/>
+          <ac:spMkLst>
+            <pc:docMk/>
+            <pc:sldMk cId="1011502979" sldId="257"/>
+            <ac:spMk id="2" creationId="{6999C0C1-79D9-46CE-9F8E-E3D5DDAAD615}"/>
+          </ac:spMkLst>
+        </pc:spChg>
+        <pc:spChg chg="add mod">
+          <ac:chgData name="Fabien Cazalet" userId="91ee7e16483ceb3d" providerId="LiveId" clId="{0B8897AA-30F3-48D8-8F9B-5105B9B2055E}" dt="2018-10-02T09:05:54.273" v="46" actId="1076"/>
+          <ac:spMkLst>
+            <pc:docMk/>
+            <pc:sldMk cId="1011502979" sldId="257"/>
+            <ac:spMk id="3" creationId="{835E582D-6CEB-43B2-94C5-E3210F8C965A}"/>
+          </ac:spMkLst>
+        </pc:spChg>
+        <pc:spChg chg="add mod">
+          <ac:chgData name="Fabien Cazalet" userId="91ee7e16483ceb3d" providerId="LiveId" clId="{0B8897AA-30F3-48D8-8F9B-5105B9B2055E}" dt="2018-10-02T09:04:10.031" v="35" actId="20577"/>
+          <ac:spMkLst>
+            <pc:docMk/>
+            <pc:sldMk cId="1011502979" sldId="257"/>
+            <ac:spMk id="4" creationId="{886C3EFA-5117-4FF6-A83F-54CAAE85576E}"/>
+          </ac:spMkLst>
+        </pc:spChg>
+        <pc:spChg chg="add mod">
+          <ac:chgData name="Fabien Cazalet" userId="91ee7e16483ceb3d" providerId="LiveId" clId="{0B8897AA-30F3-48D8-8F9B-5105B9B2055E}" dt="2018-10-02T09:23:40.041" v="77" actId="1076"/>
+          <ac:spMkLst>
+            <pc:docMk/>
+            <pc:sldMk cId="1011502979" sldId="257"/>
+            <ac:spMk id="5" creationId="{B9E12587-40D3-4AA2-AB76-6897411C62C6}"/>
+          </ac:spMkLst>
+        </pc:spChg>
+        <pc:spChg chg="add mod">
+          <ac:chgData name="Fabien Cazalet" userId="91ee7e16483ceb3d" providerId="LiveId" clId="{0B8897AA-30F3-48D8-8F9B-5105B9B2055E}" dt="2018-10-02T09:23:30.749" v="74" actId="1076"/>
+          <ac:spMkLst>
+            <pc:docMk/>
+            <pc:sldMk cId="1011502979" sldId="257"/>
+            <ac:spMk id="6" creationId="{76B83386-4BF8-474E-840E-206D25C33BF9}"/>
+          </ac:spMkLst>
+        </pc:spChg>
+        <pc:spChg chg="add mod">
+          <ac:chgData name="Fabien Cazalet" userId="91ee7e16483ceb3d" providerId="LiveId" clId="{0B8897AA-30F3-48D8-8F9B-5105B9B2055E}" dt="2018-10-02T09:44:45.611" v="291" actId="20577"/>
+          <ac:spMkLst>
+            <pc:docMk/>
+            <pc:sldMk cId="1011502979" sldId="257"/>
+            <ac:spMk id="7" creationId="{5A5AB0F5-BF8E-4880-AF9A-2B4979406366}"/>
+          </ac:spMkLst>
+        </pc:spChg>
+        <pc:spChg chg="add mod">
+          <ac:chgData name="Fabien Cazalet" userId="91ee7e16483ceb3d" providerId="LiveId" clId="{0B8897AA-30F3-48D8-8F9B-5105B9B2055E}" dt="2018-10-02T09:44:53.438" v="295" actId="20577"/>
+          <ac:spMkLst>
+            <pc:docMk/>
+            <pc:sldMk cId="1011502979" sldId="257"/>
+            <ac:spMk id="8" creationId="{BA688D65-A3C2-4F9B-A333-D0D8F27CF0EF}"/>
+          </ac:spMkLst>
+        </pc:spChg>
+        <pc:spChg chg="add mod">
+          <ac:chgData name="Fabien Cazalet" userId="91ee7e16483ceb3d" providerId="LiveId" clId="{0B8897AA-30F3-48D8-8F9B-5105B9B2055E}" dt="2018-10-02T09:44:57.551" v="298" actId="6549"/>
+          <ac:spMkLst>
+            <pc:docMk/>
+            <pc:sldMk cId="1011502979" sldId="257"/>
+            <ac:spMk id="9" creationId="{CAAC2F99-7CD3-43FF-A51E-41D497843474}"/>
+          </ac:spMkLst>
+        </pc:spChg>
+        <pc:spChg chg="add del mod">
+          <ac:chgData name="Fabien Cazalet" userId="91ee7e16483ceb3d" providerId="LiveId" clId="{0B8897AA-30F3-48D8-8F9B-5105B9B2055E}" dt="2018-10-02T09:09:39.734" v="59" actId="767"/>
+          <ac:spMkLst>
+            <pc:docMk/>
+            <pc:sldMk cId="1011502979" sldId="257"/>
+            <ac:spMk id="10" creationId="{FFC17115-F2AC-40DD-98DF-DA43C21D18D8}"/>
+          </ac:spMkLst>
+        </pc:spChg>
+        <pc:spChg chg="add mod ord">
+          <ac:chgData name="Fabien Cazalet" userId="91ee7e16483ceb3d" providerId="LiveId" clId="{0B8897AA-30F3-48D8-8F9B-5105B9B2055E}" dt="2018-10-02T09:33:34.631" v="168" actId="167"/>
+          <ac:spMkLst>
+            <pc:docMk/>
+            <pc:sldMk cId="1011502979" sldId="257"/>
+            <ac:spMk id="11" creationId="{612DCE03-7458-41FD-B762-A354C04AD6CC}"/>
+          </ac:spMkLst>
+        </pc:spChg>
+        <pc:spChg chg="add mod">
+          <ac:chgData name="Fabien Cazalet" userId="91ee7e16483ceb3d" providerId="LiveId" clId="{0B8897AA-30F3-48D8-8F9B-5105B9B2055E}" dt="2018-10-02T09:24:50.858" v="120" actId="20577"/>
+          <ac:spMkLst>
+            <pc:docMk/>
+            <pc:sldMk cId="1011502979" sldId="257"/>
+            <ac:spMk id="12" creationId="{3595159F-E7AB-42A5-B765-C4D2614E61D9}"/>
+          </ac:spMkLst>
+        </pc:spChg>
+        <pc:spChg chg="add mod">
+          <ac:chgData name="Fabien Cazalet" userId="91ee7e16483ceb3d" providerId="LiveId" clId="{0B8897AA-30F3-48D8-8F9B-5105B9B2055E}" dt="2018-10-02T09:28:54.794" v="129" actId="2085"/>
+          <ac:spMkLst>
+            <pc:docMk/>
+            <pc:sldMk cId="1011502979" sldId="257"/>
+            <ac:spMk id="13" creationId="{71ED8705-CA07-497C-8B4A-FD2D8E622111}"/>
+          </ac:spMkLst>
+        </pc:spChg>
+        <pc:spChg chg="add mod">
+          <ac:chgData name="Fabien Cazalet" userId="91ee7e16483ceb3d" providerId="LiveId" clId="{0B8897AA-30F3-48D8-8F9B-5105B9B2055E}" dt="2018-10-02T09:28:48.438" v="127" actId="2085"/>
+          <ac:spMkLst>
+            <pc:docMk/>
+            <pc:sldMk cId="1011502979" sldId="257"/>
+            <ac:spMk id="14" creationId="{864E1A8F-6962-4F4D-AD66-2CC718A16D48}"/>
+          </ac:spMkLst>
+        </pc:spChg>
+        <pc:spChg chg="add mod">
+          <ac:chgData name="Fabien Cazalet" userId="91ee7e16483ceb3d" providerId="LiveId" clId="{0B8897AA-30F3-48D8-8F9B-5105B9B2055E}" dt="2018-10-02T09:29:02.849" v="131" actId="1076"/>
+          <ac:spMkLst>
+            <pc:docMk/>
+            <pc:sldMk cId="1011502979" sldId="257"/>
+            <ac:spMk id="15" creationId="{D37F25B8-443F-4A78-A2AB-2ABC778A2471}"/>
+          </ac:spMkLst>
+        </pc:spChg>
+        <pc:spChg chg="add mod">
+          <ac:chgData name="Fabien Cazalet" userId="91ee7e16483ceb3d" providerId="LiveId" clId="{0B8897AA-30F3-48D8-8F9B-5105B9B2055E}" dt="2018-10-02T09:29:49.245" v="136" actId="1076"/>
+          <ac:spMkLst>
+            <pc:docMk/>
+            <pc:sldMk cId="1011502979" sldId="257"/>
+            <ac:spMk id="16" creationId="{665BA638-577E-4904-AA01-0C571B4D7269}"/>
+          </ac:spMkLst>
+        </pc:spChg>
+        <pc:spChg chg="add mod">
+          <ac:chgData name="Fabien Cazalet" userId="91ee7e16483ceb3d" providerId="LiveId" clId="{0B8897AA-30F3-48D8-8F9B-5105B9B2055E}" dt="2018-10-02T09:29:45.771" v="135" actId="1076"/>
+          <ac:spMkLst>
+            <pc:docMk/>
+            <pc:sldMk cId="1011502979" sldId="257"/>
+            <ac:spMk id="17" creationId="{5F3BFAE6-1FFE-44FF-8ED3-2744838A8FBA}"/>
+          </ac:spMkLst>
+        </pc:spChg>
+        <pc:spChg chg="add mod">
+          <ac:chgData name="Fabien Cazalet" userId="91ee7e16483ceb3d" providerId="LiveId" clId="{0B8897AA-30F3-48D8-8F9B-5105B9B2055E}" dt="2018-10-02T09:30:09.747" v="145" actId="1076"/>
+          <ac:spMkLst>
+            <pc:docMk/>
+            <pc:sldMk cId="1011502979" sldId="257"/>
+            <ac:spMk id="18" creationId="{2FF0B8DE-3D60-4E1C-8CB6-F62F2E393A81}"/>
+          </ac:spMkLst>
+        </pc:spChg>
+        <pc:spChg chg="add mod ord">
+          <ac:chgData name="Fabien Cazalet" userId="91ee7e16483ceb3d" providerId="LiveId" clId="{0B8897AA-30F3-48D8-8F9B-5105B9B2055E}" dt="2018-10-02T09:33:30.875" v="167" actId="167"/>
+          <ac:spMkLst>
+            <pc:docMk/>
+            <pc:sldMk cId="1011502979" sldId="257"/>
+            <ac:spMk id="19" creationId="{ECE4CA7B-0F11-4296-AA3A-F8A99CCE5141}"/>
+          </ac:spMkLst>
+        </pc:spChg>
+        <pc:spChg chg="add mod">
+          <ac:chgData name="Fabien Cazalet" userId="91ee7e16483ceb3d" providerId="LiveId" clId="{0B8897AA-30F3-48D8-8F9B-5105B9B2055E}" dt="2018-10-02T09:32:43.719" v="160" actId="14100"/>
+          <ac:spMkLst>
+            <pc:docMk/>
+            <pc:sldMk cId="1011502979" sldId="257"/>
+            <ac:spMk id="20" creationId="{FD775D33-7E7D-4EE9-B058-C252B6D1548C}"/>
+          </ac:spMkLst>
+        </pc:spChg>
+        <pc:spChg chg="add mod">
+          <ac:chgData name="Fabien Cazalet" userId="91ee7e16483ceb3d" providerId="LiveId" clId="{0B8897AA-30F3-48D8-8F9B-5105B9B2055E}" dt="2018-10-02T09:32:40.612" v="159" actId="14100"/>
+          <ac:spMkLst>
+            <pc:docMk/>
+            <pc:sldMk cId="1011502979" sldId="257"/>
+            <ac:spMk id="21" creationId="{90666136-FDF0-4FBE-A4D7-21DE534BCC90}"/>
+          </ac:spMkLst>
+        </pc:spChg>
+        <pc:spChg chg="add mod">
+          <ac:chgData name="Fabien Cazalet" userId="91ee7e16483ceb3d" providerId="LiveId" clId="{0B8897AA-30F3-48D8-8F9B-5105B9B2055E}" dt="2018-10-02T09:36:04.254" v="196" actId="14100"/>
+          <ac:spMkLst>
+            <pc:docMk/>
+            <pc:sldMk cId="1011502979" sldId="257"/>
+            <ac:spMk id="22" creationId="{A0C6E26E-09B1-4303-963D-B313714865C9}"/>
+          </ac:spMkLst>
+        </pc:spChg>
+        <pc:spChg chg="add mod ord">
+          <ac:chgData name="Fabien Cazalet" userId="91ee7e16483ceb3d" providerId="LiveId" clId="{0B8897AA-30F3-48D8-8F9B-5105B9B2055E}" dt="2018-10-02T09:35:53.769" v="193" actId="14100"/>
+          <ac:spMkLst>
+            <pc:docMk/>
+            <pc:sldMk cId="1011502979" sldId="257"/>
+            <ac:spMk id="23" creationId="{C1F07AB0-0FD0-466B-9872-CF4CFAE90F1F}"/>
+          </ac:spMkLst>
+        </pc:spChg>
+        <pc:spChg chg="add mod">
+          <ac:chgData name="Fabien Cazalet" userId="91ee7e16483ceb3d" providerId="LiveId" clId="{0B8897AA-30F3-48D8-8F9B-5105B9B2055E}" dt="2018-10-02T09:36:00.449" v="195" actId="1076"/>
+          <ac:spMkLst>
+            <pc:docMk/>
+            <pc:sldMk cId="1011502979" sldId="257"/>
+            <ac:spMk id="24" creationId="{20FE545C-57A1-452D-AB89-1F13AB88F663}"/>
+          </ac:spMkLst>
+        </pc:spChg>
+        <pc:spChg chg="add mod">
+          <ac:chgData name="Fabien Cazalet" userId="91ee7e16483ceb3d" providerId="LiveId" clId="{0B8897AA-30F3-48D8-8F9B-5105B9B2055E}" dt="2018-10-02T09:35:58.711" v="194" actId="1076"/>
+          <ac:spMkLst>
+            <pc:docMk/>
+            <pc:sldMk cId="1011502979" sldId="257"/>
+            <ac:spMk id="25" creationId="{B4D7F32E-A247-4EF5-A38A-A839FC8E6229}"/>
+          </ac:spMkLst>
+        </pc:spChg>
+        <pc:spChg chg="add mod">
+          <ac:chgData name="Fabien Cazalet" userId="91ee7e16483ceb3d" providerId="LiveId" clId="{0B8897AA-30F3-48D8-8F9B-5105B9B2055E}" dt="2018-10-02T09:36:18.427" v="200" actId="14100"/>
+          <ac:spMkLst>
+            <pc:docMk/>
+            <pc:sldMk cId="1011502979" sldId="257"/>
+            <ac:spMk id="26" creationId="{1E3664AF-E95F-427C-B4BB-B0F82721B8EA}"/>
+          </ac:spMkLst>
+        </pc:spChg>
+        <pc:spChg chg="add mod">
+          <ac:chgData name="Fabien Cazalet" userId="91ee7e16483ceb3d" providerId="LiveId" clId="{0B8897AA-30F3-48D8-8F9B-5105B9B2055E}" dt="2018-10-02T09:36:15.148" v="199" actId="1076"/>
+          <ac:spMkLst>
+            <pc:docMk/>
+            <pc:sldMk cId="1011502979" sldId="257"/>
+            <ac:spMk id="27" creationId="{FEFA8810-1214-4C5B-BF1F-0FB12847E06E}"/>
+          </ac:spMkLst>
+        </pc:spChg>
+        <pc:spChg chg="add mod">
+          <ac:chgData name="Fabien Cazalet" userId="91ee7e16483ceb3d" providerId="LiveId" clId="{0B8897AA-30F3-48D8-8F9B-5105B9B2055E}" dt="2018-10-02T09:36:11.074" v="198" actId="1076"/>
+          <ac:spMkLst>
+            <pc:docMk/>
+            <pc:sldMk cId="1011502979" sldId="257"/>
+            <ac:spMk id="28" creationId="{3188A091-2EDB-4BD1-8331-CED25E614D0F}"/>
+          </ac:spMkLst>
+        </pc:spChg>
+        <pc:spChg chg="add mod">
+          <ac:chgData name="Fabien Cazalet" userId="91ee7e16483ceb3d" providerId="LiveId" clId="{0B8897AA-30F3-48D8-8F9B-5105B9B2055E}" dt="2018-10-02T09:36:08.942" v="197" actId="1076"/>
+          <ac:spMkLst>
+            <pc:docMk/>
+            <pc:sldMk cId="1011502979" sldId="257"/>
+            <ac:spMk id="29" creationId="{283F5C1A-3577-4D6A-B70E-63DA1D681350}"/>
+          </ac:spMkLst>
+        </pc:spChg>
+        <pc:spChg chg="add mod">
+          <ac:chgData name="Fabien Cazalet" userId="91ee7e16483ceb3d" providerId="LiveId" clId="{0B8897AA-30F3-48D8-8F9B-5105B9B2055E}" dt="2018-10-02T09:36:29.259" v="204" actId="1076"/>
+          <ac:spMkLst>
+            <pc:docMk/>
+            <pc:sldMk cId="1011502979" sldId="257"/>
+            <ac:spMk id="30" creationId="{E4B5FD9F-D59A-42C8-B5B0-6B34899E77D3}"/>
+          </ac:spMkLst>
+        </pc:spChg>
+        <pc:spChg chg="add mod">
+          <ac:chgData name="Fabien Cazalet" userId="91ee7e16483ceb3d" providerId="LiveId" clId="{0B8897AA-30F3-48D8-8F9B-5105B9B2055E}" dt="2018-10-02T09:36:31.380" v="205" actId="1076"/>
+          <ac:spMkLst>
+            <pc:docMk/>
+            <pc:sldMk cId="1011502979" sldId="257"/>
+            <ac:spMk id="31" creationId="{65FA6CF7-87A6-48F1-B252-4C44E3E26D29}"/>
+          </ac:spMkLst>
+        </pc:spChg>
+        <pc:spChg chg="add mod">
+          <ac:chgData name="Fabien Cazalet" userId="91ee7e16483ceb3d" providerId="LiveId" clId="{0B8897AA-30F3-48D8-8F9B-5105B9B2055E}" dt="2018-10-02T09:36:25.874" v="202" actId="1076"/>
+          <ac:spMkLst>
+            <pc:docMk/>
+            <pc:sldMk cId="1011502979" sldId="257"/>
+            <ac:spMk id="32" creationId="{8BB7639F-5E64-40DF-B22A-715EBDB7ABCC}"/>
+          </ac:spMkLst>
+        </pc:spChg>
+        <pc:spChg chg="add mod">
+          <ac:chgData name="Fabien Cazalet" userId="91ee7e16483ceb3d" providerId="LiveId" clId="{0B8897AA-30F3-48D8-8F9B-5105B9B2055E}" dt="2018-10-02T09:36:39.057" v="208" actId="1076"/>
+          <ac:spMkLst>
+            <pc:docMk/>
+            <pc:sldMk cId="1011502979" sldId="257"/>
+            <ac:spMk id="33" creationId="{AF1CDE7D-E8C7-448E-AEA3-CF488F01E740}"/>
+          </ac:spMkLst>
+        </pc:spChg>
+        <pc:spChg chg="add del mod">
+          <ac:chgData name="Fabien Cazalet" userId="91ee7e16483ceb3d" providerId="LiveId" clId="{0B8897AA-30F3-48D8-8F9B-5105B9B2055E}" dt="2018-10-02T09:39:35.919" v="218" actId="478"/>
+          <ac:spMkLst>
+            <pc:docMk/>
+            <pc:sldMk cId="1011502979" sldId="257"/>
+            <ac:spMk id="34" creationId="{BFD5D2A1-266F-44F2-8950-E5E9B9F5B5EA}"/>
+          </ac:spMkLst>
+        </pc:spChg>
+        <pc:spChg chg="add mod">
+          <ac:chgData name="Fabien Cazalet" userId="91ee7e16483ceb3d" providerId="LiveId" clId="{0B8897AA-30F3-48D8-8F9B-5105B9B2055E}" dt="2018-10-02T09:39:34.423" v="217" actId="1076"/>
+          <ac:spMkLst>
+            <pc:docMk/>
+            <pc:sldMk cId="1011502979" sldId="257"/>
+            <ac:spMk id="35" creationId="{EFD6A836-58D6-4B29-915D-363175DAEA9A}"/>
+          </ac:spMkLst>
+        </pc:spChg>
+        <pc:spChg chg="add mod">
+          <ac:chgData name="Fabien Cazalet" userId="91ee7e16483ceb3d" providerId="LiveId" clId="{0B8897AA-30F3-48D8-8F9B-5105B9B2055E}" dt="2018-10-02T09:39:46.177" v="220" actId="1076"/>
+          <ac:spMkLst>
+            <pc:docMk/>
+            <pc:sldMk cId="1011502979" sldId="257"/>
+            <ac:spMk id="36" creationId="{B80878D4-7555-4C72-8C30-22B8B261BAE0}"/>
+          </ac:spMkLst>
+        </pc:spChg>
+        <pc:spChg chg="add mod">
+          <ac:chgData name="Fabien Cazalet" userId="91ee7e16483ceb3d" providerId="LiveId" clId="{0B8897AA-30F3-48D8-8F9B-5105B9B2055E}" dt="2018-10-02T09:39:54.660" v="223" actId="1076"/>
+          <ac:spMkLst>
+            <pc:docMk/>
+            <pc:sldMk cId="1011502979" sldId="257"/>
+            <ac:spMk id="37" creationId="{E1E42F13-F99F-4E62-B2B4-9FF9AE0D0561}"/>
+          </ac:spMkLst>
+        </pc:spChg>
+        <pc:spChg chg="add mod">
+          <ac:chgData name="Fabien Cazalet" userId="91ee7e16483ceb3d" providerId="LiveId" clId="{0B8897AA-30F3-48D8-8F9B-5105B9B2055E}" dt="2018-10-02T09:40:00.099" v="225" actId="1076"/>
+          <ac:spMkLst>
+            <pc:docMk/>
+            <pc:sldMk cId="1011502979" sldId="257"/>
+            <ac:spMk id="38" creationId="{306E2893-9325-4ED2-8159-FD0829676F5B}"/>
+          </ac:spMkLst>
+        </pc:spChg>
+        <pc:spChg chg="add mod">
+          <ac:chgData name="Fabien Cazalet" userId="91ee7e16483ceb3d" providerId="LiveId" clId="{0B8897AA-30F3-48D8-8F9B-5105B9B2055E}" dt="2018-10-02T09:40:03.591" v="227" actId="1076"/>
+          <ac:spMkLst>
+            <pc:docMk/>
+            <pc:sldMk cId="1011502979" sldId="257"/>
+            <ac:spMk id="39" creationId="{0C21381C-498B-4480-8DE9-A6C3C90176C4}"/>
+          </ac:spMkLst>
+        </pc:spChg>
+        <pc:spChg chg="add mod">
+          <ac:chgData name="Fabien Cazalet" userId="91ee7e16483ceb3d" providerId="LiveId" clId="{0B8897AA-30F3-48D8-8F9B-5105B9B2055E}" dt="2018-10-02T09:40:48.120" v="231" actId="1076"/>
+          <ac:spMkLst>
+            <pc:docMk/>
+            <pc:sldMk cId="1011502979" sldId="257"/>
+            <ac:spMk id="40" creationId="{732B4A0A-097F-4ABF-AE19-4C818FB47270}"/>
+          </ac:spMkLst>
+        </pc:spChg>
+        <pc:spChg chg="add mod">
+          <ac:chgData name="Fabien Cazalet" userId="91ee7e16483ceb3d" providerId="LiveId" clId="{0B8897AA-30F3-48D8-8F9B-5105B9B2055E}" dt="2018-10-02T09:40:59.994" v="234" actId="1076"/>
+          <ac:spMkLst>
+            <pc:docMk/>
+            <pc:sldMk cId="1011502979" sldId="257"/>
+            <ac:spMk id="41" creationId="{A22FDFB7-B644-4F3A-A164-2CB07D9AD3E8}"/>
+          </ac:spMkLst>
+        </pc:spChg>
+        <pc:spChg chg="add mod">
+          <ac:chgData name="Fabien Cazalet" userId="91ee7e16483ceb3d" providerId="LiveId" clId="{0B8897AA-30F3-48D8-8F9B-5105B9B2055E}" dt="2018-10-02T09:41:02.287" v="235" actId="1076"/>
+          <ac:spMkLst>
+            <pc:docMk/>
+            <pc:sldMk cId="1011502979" sldId="257"/>
+            <ac:spMk id="42" creationId="{F7E502C2-AB15-4289-87D5-7CCDAFE1D752}"/>
+          </ac:spMkLst>
+        </pc:spChg>
+        <pc:spChg chg="add mod">
+          <ac:chgData name="Fabien Cazalet" userId="91ee7e16483ceb3d" providerId="LiveId" clId="{0B8897AA-30F3-48D8-8F9B-5105B9B2055E}" dt="2018-10-02T09:41:07.035" v="237" actId="1076"/>
+          <ac:spMkLst>
+            <pc:docMk/>
+            <pc:sldMk cId="1011502979" sldId="257"/>
+            <ac:spMk id="43" creationId="{A7BB9800-CF52-4D30-B6E1-845E8ADAE6E7}"/>
+          </ac:spMkLst>
+        </pc:spChg>
+        <pc:spChg chg="add mod">
+          <ac:chgData name="Fabien Cazalet" userId="91ee7e16483ceb3d" providerId="LiveId" clId="{0B8897AA-30F3-48D8-8F9B-5105B9B2055E}" dt="2018-10-02T09:41:11.445" v="239" actId="1076"/>
+          <ac:spMkLst>
+            <pc:docMk/>
+            <pc:sldMk cId="1011502979" sldId="257"/>
+            <ac:spMk id="44" creationId="{16DD6C11-8126-4FC3-AD78-B3D8EDA323FB}"/>
+          </ac:spMkLst>
+        </pc:spChg>
+        <pc:spChg chg="add mod">
+          <ac:chgData name="Fabien Cazalet" userId="91ee7e16483ceb3d" providerId="LiveId" clId="{0B8897AA-30F3-48D8-8F9B-5105B9B2055E}" dt="2018-10-02T09:41:41.189" v="246" actId="20577"/>
+          <ac:spMkLst>
+            <pc:docMk/>
+            <pc:sldMk cId="1011502979" sldId="257"/>
+            <ac:spMk id="45" creationId="{BE21641C-6AE9-49EE-8767-48863855BFBA}"/>
+          </ac:spMkLst>
+        </pc:spChg>
+        <pc:spChg chg="add mod">
+          <ac:chgData name="Fabien Cazalet" userId="91ee7e16483ceb3d" providerId="LiveId" clId="{0B8897AA-30F3-48D8-8F9B-5105B9B2055E}" dt="2018-10-02T09:41:55.691" v="248" actId="1076"/>
+          <ac:spMkLst>
+            <pc:docMk/>
+            <pc:sldMk cId="1011502979" sldId="257"/>
+            <ac:spMk id="46" creationId="{0C0CDF12-7845-4F62-82B1-19A250E836C8}"/>
+          </ac:spMkLst>
+        </pc:spChg>
+        <pc:spChg chg="add mod">
+          <ac:chgData name="Fabien Cazalet" userId="91ee7e16483ceb3d" providerId="LiveId" clId="{0B8897AA-30F3-48D8-8F9B-5105B9B2055E}" dt="2018-10-02T09:42:01.891" v="251" actId="20577"/>
+          <ac:spMkLst>
+            <pc:docMk/>
+            <pc:sldMk cId="1011502979" sldId="257"/>
+            <ac:spMk id="47" creationId="{DD2A2F2A-142A-460A-A486-BAE6065915CF}"/>
+          </ac:spMkLst>
+        </pc:spChg>
+        <pc:spChg chg="add mod">
+          <ac:chgData name="Fabien Cazalet" userId="91ee7e16483ceb3d" providerId="LiveId" clId="{0B8897AA-30F3-48D8-8F9B-5105B9B2055E}" dt="2018-10-02T09:42:17.411" v="255" actId="1076"/>
+          <ac:spMkLst>
+            <pc:docMk/>
+            <pc:sldMk cId="1011502979" sldId="257"/>
+            <ac:spMk id="48" creationId="{4AEFE44A-C5D4-493D-8A6D-B56C81CC570B}"/>
+          </ac:spMkLst>
+        </pc:spChg>
+        <pc:spChg chg="add mod">
+          <ac:chgData name="Fabien Cazalet" userId="91ee7e16483ceb3d" providerId="LiveId" clId="{0B8897AA-30F3-48D8-8F9B-5105B9B2055E}" dt="2018-10-02T09:42:22.737" v="257" actId="1076"/>
+          <ac:spMkLst>
+            <pc:docMk/>
+            <pc:sldMk cId="1011502979" sldId="257"/>
+            <ac:spMk id="49" creationId="{72AA7F6A-EF9F-4A55-9F98-251789E6A5DA}"/>
+          </ac:spMkLst>
+        </pc:spChg>
+        <pc:spChg chg="add mod">
+          <ac:chgData name="Fabien Cazalet" userId="91ee7e16483ceb3d" providerId="LiveId" clId="{0B8897AA-30F3-48D8-8F9B-5105B9B2055E}" dt="2018-10-02T09:42:27.230" v="259" actId="1076"/>
+          <ac:spMkLst>
+            <pc:docMk/>
+            <pc:sldMk cId="1011502979" sldId="257"/>
+            <ac:spMk id="50" creationId="{61450DBD-C49D-452B-8094-1C6D6FF61FDB}"/>
+          </ac:spMkLst>
+        </pc:spChg>
+        <pc:spChg chg="add mod">
+          <ac:chgData name="Fabien Cazalet" userId="91ee7e16483ceb3d" providerId="LiveId" clId="{0B8897AA-30F3-48D8-8F9B-5105B9B2055E}" dt="2018-10-02T09:42:57.137" v="264" actId="1076"/>
+          <ac:spMkLst>
+            <pc:docMk/>
+            <pc:sldMk cId="1011502979" sldId="257"/>
+            <ac:spMk id="51" creationId="{B94AACE6-81F5-4186-9609-2187AFA0694C}"/>
+          </ac:spMkLst>
+        </pc:spChg>
+        <pc:spChg chg="add mod">
+          <ac:chgData name="Fabien Cazalet" userId="91ee7e16483ceb3d" providerId="LiveId" clId="{0B8897AA-30F3-48D8-8F9B-5105B9B2055E}" dt="2018-10-02T09:43:04.283" v="266" actId="1076"/>
+          <ac:spMkLst>
+            <pc:docMk/>
+            <pc:sldMk cId="1011502979" sldId="257"/>
+            <ac:spMk id="52" creationId="{490A4352-0373-4992-9E9E-E6449DC091DB}"/>
+          </ac:spMkLst>
+        </pc:spChg>
+        <pc:spChg chg="add mod">
+          <ac:chgData name="Fabien Cazalet" userId="91ee7e16483ceb3d" providerId="LiveId" clId="{0B8897AA-30F3-48D8-8F9B-5105B9B2055E}" dt="2018-10-02T09:43:22.757" v="270" actId="1076"/>
+          <ac:spMkLst>
+            <pc:docMk/>
+            <pc:sldMk cId="1011502979" sldId="257"/>
+            <ac:spMk id="53" creationId="{5718EA12-6EBA-43E2-855A-FE9CFF6ADDD2}"/>
+          </ac:spMkLst>
+        </pc:spChg>
+        <pc:spChg chg="add mod">
+          <ac:chgData name="Fabien Cazalet" userId="91ee7e16483ceb3d" providerId="LiveId" clId="{0B8897AA-30F3-48D8-8F9B-5105B9B2055E}" dt="2018-10-02T09:43:45.798" v="275" actId="20577"/>
+          <ac:spMkLst>
+            <pc:docMk/>
+            <pc:sldMk cId="1011502979" sldId="257"/>
+            <ac:spMk id="54" creationId="{079F51D6-0297-4DAD-9719-3AA4C2B6AA05}"/>
+          </ac:spMkLst>
+        </pc:spChg>
+        <pc:spChg chg="add mod">
+          <ac:chgData name="Fabien Cazalet" userId="91ee7e16483ceb3d" providerId="LiveId" clId="{0B8897AA-30F3-48D8-8F9B-5105B9B2055E}" dt="2018-10-02T09:44:04.576" v="283" actId="1076"/>
+          <ac:spMkLst>
+            <pc:docMk/>
+            <pc:sldMk cId="1011502979" sldId="257"/>
+            <ac:spMk id="55" creationId="{E55BC5D1-75DF-428E-9078-603E9E79DFF4}"/>
+          </ac:spMkLst>
+        </pc:spChg>
+        <pc:spChg chg="add mod">
+          <ac:chgData name="Fabien Cazalet" userId="91ee7e16483ceb3d" providerId="LiveId" clId="{0B8897AA-30F3-48D8-8F9B-5105B9B2055E}" dt="2018-10-02T09:44:16.433" v="285" actId="1076"/>
+          <ac:spMkLst>
+            <pc:docMk/>
+            <pc:sldMk cId="1011502979" sldId="257"/>
+            <ac:spMk id="56" creationId="{173EEB6D-E397-4D56-9301-30E0E21106D2}"/>
+          </ac:spMkLst>
+        </pc:spChg>
+        <pc:spChg chg="add mod">
+          <ac:chgData name="Fabien Cazalet" userId="91ee7e16483ceb3d" providerId="LiveId" clId="{0B8897AA-30F3-48D8-8F9B-5105B9B2055E}" dt="2018-10-02T09:44:31.599" v="288" actId="1076"/>
+          <ac:spMkLst>
+            <pc:docMk/>
+            <pc:sldMk cId="1011502979" sldId="257"/>
+            <ac:spMk id="57" creationId="{3F28DD31-6A40-4A7A-8F92-0072D8F5C19C}"/>
+          </ac:spMkLst>
+        </pc:spChg>
+      </pc:sldChg>
+      <pc:sldChg chg="add">
+        <pc:chgData name="Fabien Cazalet" userId="91ee7e16483ceb3d" providerId="LiveId" clId="{0B8897AA-30F3-48D8-8F9B-5105B9B2055E}" dt="2018-10-02T09:30:23.553" v="146"/>
+        <pc:sldMkLst>
+          <pc:docMk/>
+          <pc:sldMk cId="2317916621" sldId="258"/>
+        </pc:sldMkLst>
+      </pc:sldChg>
+    </pc:docChg>
+  </pc:docChgLst>
+</pc:chgInfo>
 </file>
 
 <file path=ppt/slideLayouts/slideLayout1.xml><?xml version="1.0" encoding="utf-8"?>
@@ -142,13 +635,7 @@
       </p:grpSpPr>
       <p:sp>
         <p:nvSpPr>
-          <p:cNvPr id="2" name="Titre 1">
-            <a:extLst>
-              <a:ext uri="{FF2B5EF4-FFF2-40B4-BE49-F238E27FC236}">
-                <a16:creationId xmlns:a16="http://schemas.microsoft.com/office/drawing/2014/main" id="{BD90768A-539E-4B20-B28E-413EEF221CCB}"/>
-              </a:ext>
-            </a:extLst>
-          </p:cNvPr>
+          <p:cNvPr id="2" name="Title 1"/>
           <p:cNvSpPr>
             <a:spLocks noGrp="1"/>
           </p:cNvSpPr>
@@ -158,15 +645,15 @@
         </p:nvSpPr>
         <p:spPr>
           <a:xfrm>
-            <a:off x="1524000" y="1122363"/>
-            <a:ext cx="9144000" cy="2387600"/>
+            <a:off x="514350" y="1995312"/>
+            <a:ext cx="5829300" cy="4244622"/>
           </a:xfrm>
         </p:spPr>
         <p:txBody>
           <a:bodyPr anchor="b"/>
           <a:lstStyle>
             <a:lvl1pPr algn="ctr">
-              <a:defRPr sz="6000"/>
+              <a:defRPr sz="4500"/>
             </a:lvl1pPr>
           </a:lstStyle>
           <a:p>
@@ -174,18 +661,13 @@
               <a:rPr lang="fr-FR"/>
               <a:t>Modifiez le style du titre</a:t>
             </a:r>
-          </a:p>
-        </p:txBody>
-      </p:sp>
-      <p:sp>
-        <p:nvSpPr>
-          <p:cNvPr id="3" name="Sous-titre 2">
-            <a:extLst>
-              <a:ext uri="{FF2B5EF4-FFF2-40B4-BE49-F238E27FC236}">
-                <a16:creationId xmlns:a16="http://schemas.microsoft.com/office/drawing/2014/main" id="{897F5648-8DF6-44AB-8A05-07820A704AB2}"/>
-              </a:ext>
-            </a:extLst>
-          </p:cNvPr>
+            <a:endParaRPr lang="en-US" dirty="0"/>
+          </a:p>
+        </p:txBody>
+      </p:sp>
+      <p:sp>
+        <p:nvSpPr>
+          <p:cNvPr id="3" name="Subtitle 2"/>
           <p:cNvSpPr>
             <a:spLocks noGrp="1"/>
           </p:cNvSpPr>
@@ -195,8 +677,8 @@
         </p:nvSpPr>
         <p:spPr>
           <a:xfrm>
-            <a:off x="1524000" y="3602038"/>
-            <a:ext cx="9144000" cy="1655762"/>
+            <a:off x="857250" y="6403623"/>
+            <a:ext cx="5143500" cy="2943577"/>
           </a:xfrm>
         </p:spPr>
         <p:txBody>
@@ -204,39 +686,39 @@
           <a:lstStyle>
             <a:lvl1pPr marL="0" indent="0" algn="ctr">
               <a:buNone/>
-              <a:defRPr sz="2400"/>
+              <a:defRPr sz="1800"/>
             </a:lvl1pPr>
-            <a:lvl2pPr marL="457200" indent="0" algn="ctr">
+            <a:lvl2pPr marL="342900" indent="0" algn="ctr">
               <a:buNone/>
-              <a:defRPr sz="2000"/>
+              <a:defRPr sz="1500"/>
             </a:lvl2pPr>
-            <a:lvl3pPr marL="914400" indent="0" algn="ctr">
+            <a:lvl3pPr marL="685800" indent="0" algn="ctr">
               <a:buNone/>
-              <a:defRPr sz="1800"/>
+              <a:defRPr sz="1350"/>
             </a:lvl3pPr>
-            <a:lvl4pPr marL="1371600" indent="0" algn="ctr">
+            <a:lvl4pPr marL="1028700" indent="0" algn="ctr">
               <a:buNone/>
-              <a:defRPr sz="1600"/>
+              <a:defRPr sz="1200"/>
             </a:lvl4pPr>
-            <a:lvl5pPr marL="1828800" indent="0" algn="ctr">
+            <a:lvl5pPr marL="1371600" indent="0" algn="ctr">
               <a:buNone/>
-              <a:defRPr sz="1600"/>
+              <a:defRPr sz="1200"/>
             </a:lvl5pPr>
-            <a:lvl6pPr marL="2286000" indent="0" algn="ctr">
+            <a:lvl6pPr marL="1714500" indent="0" algn="ctr">
               <a:buNone/>
-              <a:defRPr sz="1600"/>
+              <a:defRPr sz="1200"/>
             </a:lvl6pPr>
-            <a:lvl7pPr marL="2743200" indent="0" algn="ctr">
+            <a:lvl7pPr marL="2057400" indent="0" algn="ctr">
               <a:buNone/>
-              <a:defRPr sz="1600"/>
+              <a:defRPr sz="1200"/>
             </a:lvl7pPr>
-            <a:lvl8pPr marL="3200400" indent="0" algn="ctr">
+            <a:lvl8pPr marL="2400300" indent="0" algn="ctr">
               <a:buNone/>
-              <a:defRPr sz="1600"/>
+              <a:defRPr sz="1200"/>
             </a:lvl8pPr>
-            <a:lvl9pPr marL="3657600" indent="0" algn="ctr">
+            <a:lvl9pPr marL="2743200" indent="0" algn="ctr">
               <a:buNone/>
-              <a:defRPr sz="1600"/>
+              <a:defRPr sz="1200"/>
             </a:lvl9pPr>
           </a:lstStyle>
           <a:p>
@@ -244,18 +726,13 @@
               <a:rPr lang="fr-FR"/>
               <a:t>Modifiez le style des sous-titres du masque</a:t>
             </a:r>
-          </a:p>
-        </p:txBody>
-      </p:sp>
-      <p:sp>
-        <p:nvSpPr>
-          <p:cNvPr id="4" name="Espace réservé de la date 3">
-            <a:extLst>
-              <a:ext uri="{FF2B5EF4-FFF2-40B4-BE49-F238E27FC236}">
-                <a16:creationId xmlns:a16="http://schemas.microsoft.com/office/drawing/2014/main" id="{FADF4CB6-52E1-4684-A9CB-2CB1CE2BB101}"/>
-              </a:ext>
-            </a:extLst>
-          </p:cNvPr>
+            <a:endParaRPr lang="en-US" dirty="0"/>
+          </a:p>
+        </p:txBody>
+      </p:sp>
+      <p:sp>
+        <p:nvSpPr>
+          <p:cNvPr id="4" name="Date Placeholder 3"/>
           <p:cNvSpPr>
             <a:spLocks noGrp="1"/>
           </p:cNvSpPr>
@@ -278,13 +755,7 @@
       </p:sp>
       <p:sp>
         <p:nvSpPr>
-          <p:cNvPr id="5" name="Espace réservé du pied de page 4">
-            <a:extLst>
-              <a:ext uri="{FF2B5EF4-FFF2-40B4-BE49-F238E27FC236}">
-                <a16:creationId xmlns:a16="http://schemas.microsoft.com/office/drawing/2014/main" id="{75BC76CB-82D6-4E4D-801F-90975AFC7441}"/>
-              </a:ext>
-            </a:extLst>
-          </p:cNvPr>
+          <p:cNvPr id="5" name="Footer Placeholder 4"/>
           <p:cNvSpPr>
             <a:spLocks noGrp="1"/>
           </p:cNvSpPr>
@@ -303,13 +774,7 @@
       </p:sp>
       <p:sp>
         <p:nvSpPr>
-          <p:cNvPr id="6" name="Espace réservé du numéro de diapositive 5">
-            <a:extLst>
-              <a:ext uri="{FF2B5EF4-FFF2-40B4-BE49-F238E27FC236}">
-                <a16:creationId xmlns:a16="http://schemas.microsoft.com/office/drawing/2014/main" id="{7560D754-FCE3-430B-8B90-232ABEFCADC9}"/>
-              </a:ext>
-            </a:extLst>
-          </p:cNvPr>
+          <p:cNvPr id="6" name="Slide Number Placeholder 5"/>
           <p:cNvSpPr>
             <a:spLocks noGrp="1"/>
           </p:cNvSpPr>
@@ -333,7 +798,7 @@
     </p:spTree>
     <p:extLst>
       <p:ext uri="{BB962C8B-B14F-4D97-AF65-F5344CB8AC3E}">
-        <p14:creationId xmlns:p14="http://schemas.microsoft.com/office/powerpoint/2010/main" val="2295033768"/>
+        <p14:creationId xmlns:p14="http://schemas.microsoft.com/office/powerpoint/2010/main" val="435537491"/>
       </p:ext>
     </p:extLst>
   </p:cSld>
@@ -362,13 +827,7 @@
       </p:grpSpPr>
       <p:sp>
         <p:nvSpPr>
-          <p:cNvPr id="2" name="Titre 1">
-            <a:extLst>
-              <a:ext uri="{FF2B5EF4-FFF2-40B4-BE49-F238E27FC236}">
-                <a16:creationId xmlns:a16="http://schemas.microsoft.com/office/drawing/2014/main" id="{7B7F1A5D-AADA-4A1C-934F-9A306D1F8D2B}"/>
-              </a:ext>
-            </a:extLst>
-          </p:cNvPr>
+          <p:cNvPr id="2" name="Title 1"/>
           <p:cNvSpPr>
             <a:spLocks noGrp="1"/>
           </p:cNvSpPr>
@@ -385,18 +844,13 @@
               <a:rPr lang="fr-FR"/>
               <a:t>Modifiez le style du titre</a:t>
             </a:r>
-          </a:p>
-        </p:txBody>
-      </p:sp>
-      <p:sp>
-        <p:nvSpPr>
-          <p:cNvPr id="3" name="Espace réservé du texte vertical 2">
-            <a:extLst>
-              <a:ext uri="{FF2B5EF4-FFF2-40B4-BE49-F238E27FC236}">
-                <a16:creationId xmlns:a16="http://schemas.microsoft.com/office/drawing/2014/main" id="{46FA1401-CD47-4D10-8F81-8AC983556D9D}"/>
-              </a:ext>
-            </a:extLst>
-          </p:cNvPr>
+            <a:endParaRPr lang="en-US" dirty="0"/>
+          </a:p>
+        </p:txBody>
+      </p:sp>
+      <p:sp>
+        <p:nvSpPr>
+          <p:cNvPr id="3" name="Vertical Text Placeholder 2"/>
           <p:cNvSpPr>
             <a:spLocks noGrp="1"/>
           </p:cNvSpPr>
@@ -442,18 +896,13 @@
               <a:rPr lang="fr-FR"/>
               <a:t>Cinquième niveau</a:t>
             </a:r>
-          </a:p>
-        </p:txBody>
-      </p:sp>
-      <p:sp>
-        <p:nvSpPr>
-          <p:cNvPr id="4" name="Espace réservé de la date 3">
-            <a:extLst>
-              <a:ext uri="{FF2B5EF4-FFF2-40B4-BE49-F238E27FC236}">
-                <a16:creationId xmlns:a16="http://schemas.microsoft.com/office/drawing/2014/main" id="{574F252D-3810-4590-82DB-C6F5D491135E}"/>
-              </a:ext>
-            </a:extLst>
-          </p:cNvPr>
+            <a:endParaRPr lang="en-US" dirty="0"/>
+          </a:p>
+        </p:txBody>
+      </p:sp>
+      <p:sp>
+        <p:nvSpPr>
+          <p:cNvPr id="4" name="Date Placeholder 3"/>
           <p:cNvSpPr>
             <a:spLocks noGrp="1"/>
           </p:cNvSpPr>
@@ -476,13 +925,7 @@
       </p:sp>
       <p:sp>
         <p:nvSpPr>
-          <p:cNvPr id="5" name="Espace réservé du pied de page 4">
-            <a:extLst>
-              <a:ext uri="{FF2B5EF4-FFF2-40B4-BE49-F238E27FC236}">
-                <a16:creationId xmlns:a16="http://schemas.microsoft.com/office/drawing/2014/main" id="{C7703C9E-BDED-4D29-9592-921421424E62}"/>
-              </a:ext>
-            </a:extLst>
-          </p:cNvPr>
+          <p:cNvPr id="5" name="Footer Placeholder 4"/>
           <p:cNvSpPr>
             <a:spLocks noGrp="1"/>
           </p:cNvSpPr>
@@ -501,13 +944,7 @@
       </p:sp>
       <p:sp>
         <p:nvSpPr>
-          <p:cNvPr id="6" name="Espace réservé du numéro de diapositive 5">
-            <a:extLst>
-              <a:ext uri="{FF2B5EF4-FFF2-40B4-BE49-F238E27FC236}">
-                <a16:creationId xmlns:a16="http://schemas.microsoft.com/office/drawing/2014/main" id="{2112DBB9-1AAD-4848-A35C-CC6EA751BF00}"/>
-              </a:ext>
-            </a:extLst>
-          </p:cNvPr>
+          <p:cNvPr id="6" name="Slide Number Placeholder 5"/>
           <p:cNvSpPr>
             <a:spLocks noGrp="1"/>
           </p:cNvSpPr>
@@ -531,7 +968,7 @@
     </p:spTree>
     <p:extLst>
       <p:ext uri="{BB962C8B-B14F-4D97-AF65-F5344CB8AC3E}">
-        <p14:creationId xmlns:p14="http://schemas.microsoft.com/office/powerpoint/2010/main" val="2207234212"/>
+        <p14:creationId xmlns:p14="http://schemas.microsoft.com/office/powerpoint/2010/main" val="2740644257"/>
       </p:ext>
     </p:extLst>
   </p:cSld>
@@ -560,13 +997,7 @@
       </p:grpSpPr>
       <p:sp>
         <p:nvSpPr>
-          <p:cNvPr id="2" name="Titre vertical 1">
-            <a:extLst>
-              <a:ext uri="{FF2B5EF4-FFF2-40B4-BE49-F238E27FC236}">
-                <a16:creationId xmlns:a16="http://schemas.microsoft.com/office/drawing/2014/main" id="{CE47DDB1-FDB3-4455-BF10-147E8095482B}"/>
-              </a:ext>
-            </a:extLst>
-          </p:cNvPr>
+          <p:cNvPr id="2" name="Vertical Title 1"/>
           <p:cNvSpPr>
             <a:spLocks noGrp="1"/>
           </p:cNvSpPr>
@@ -576,8 +1007,8 @@
         </p:nvSpPr>
         <p:spPr>
           <a:xfrm>
-            <a:off x="8724900" y="365125"/>
-            <a:ext cx="2628900" cy="5811838"/>
+            <a:off x="4907757" y="649111"/>
+            <a:ext cx="1478756" cy="10332156"/>
           </a:xfrm>
         </p:spPr>
         <p:txBody>
@@ -588,18 +1019,13 @@
               <a:rPr lang="fr-FR"/>
               <a:t>Modifiez le style du titre</a:t>
             </a:r>
-          </a:p>
-        </p:txBody>
-      </p:sp>
-      <p:sp>
-        <p:nvSpPr>
-          <p:cNvPr id="3" name="Espace réservé du texte vertical 2">
-            <a:extLst>
-              <a:ext uri="{FF2B5EF4-FFF2-40B4-BE49-F238E27FC236}">
-                <a16:creationId xmlns:a16="http://schemas.microsoft.com/office/drawing/2014/main" id="{7D9C00BE-657C-4A50-BCF7-2CFD4769F594}"/>
-              </a:ext>
-            </a:extLst>
-          </p:cNvPr>
+            <a:endParaRPr lang="en-US" dirty="0"/>
+          </a:p>
+        </p:txBody>
+      </p:sp>
+      <p:sp>
+        <p:nvSpPr>
+          <p:cNvPr id="3" name="Vertical Text Placeholder 2"/>
           <p:cNvSpPr>
             <a:spLocks noGrp="1"/>
           </p:cNvSpPr>
@@ -609,8 +1035,8 @@
         </p:nvSpPr>
         <p:spPr>
           <a:xfrm>
-            <a:off x="838200" y="365125"/>
-            <a:ext cx="7734300" cy="5811838"/>
+            <a:off x="471488" y="649111"/>
+            <a:ext cx="4350544" cy="10332156"/>
           </a:xfrm>
         </p:spPr>
         <p:txBody>
@@ -650,18 +1076,13 @@
               <a:rPr lang="fr-FR"/>
               <a:t>Cinquième niveau</a:t>
             </a:r>
-          </a:p>
-        </p:txBody>
-      </p:sp>
-      <p:sp>
-        <p:nvSpPr>
-          <p:cNvPr id="4" name="Espace réservé de la date 3">
-            <a:extLst>
-              <a:ext uri="{FF2B5EF4-FFF2-40B4-BE49-F238E27FC236}">
-                <a16:creationId xmlns:a16="http://schemas.microsoft.com/office/drawing/2014/main" id="{95D06190-8015-40C9-8643-C90AB23026AD}"/>
-              </a:ext>
-            </a:extLst>
-          </p:cNvPr>
+            <a:endParaRPr lang="en-US" dirty="0"/>
+          </a:p>
+        </p:txBody>
+      </p:sp>
+      <p:sp>
+        <p:nvSpPr>
+          <p:cNvPr id="4" name="Date Placeholder 3"/>
           <p:cNvSpPr>
             <a:spLocks noGrp="1"/>
           </p:cNvSpPr>
@@ -684,13 +1105,7 @@
       </p:sp>
       <p:sp>
         <p:nvSpPr>
-          <p:cNvPr id="5" name="Espace réservé du pied de page 4">
-            <a:extLst>
-              <a:ext uri="{FF2B5EF4-FFF2-40B4-BE49-F238E27FC236}">
-                <a16:creationId xmlns:a16="http://schemas.microsoft.com/office/drawing/2014/main" id="{91024412-D550-4AED-9C7F-1DD77EC9D6D0}"/>
-              </a:ext>
-            </a:extLst>
-          </p:cNvPr>
+          <p:cNvPr id="5" name="Footer Placeholder 4"/>
           <p:cNvSpPr>
             <a:spLocks noGrp="1"/>
           </p:cNvSpPr>
@@ -709,13 +1124,7 @@
       </p:sp>
       <p:sp>
         <p:nvSpPr>
-          <p:cNvPr id="6" name="Espace réservé du numéro de diapositive 5">
-            <a:extLst>
-              <a:ext uri="{FF2B5EF4-FFF2-40B4-BE49-F238E27FC236}">
-                <a16:creationId xmlns:a16="http://schemas.microsoft.com/office/drawing/2014/main" id="{CE67B2D8-5C7F-4C64-81B3-79742ECAD801}"/>
-              </a:ext>
-            </a:extLst>
-          </p:cNvPr>
+          <p:cNvPr id="6" name="Slide Number Placeholder 5"/>
           <p:cNvSpPr>
             <a:spLocks noGrp="1"/>
           </p:cNvSpPr>
@@ -739,7 +1148,7 @@
     </p:spTree>
     <p:extLst>
       <p:ext uri="{BB962C8B-B14F-4D97-AF65-F5344CB8AC3E}">
-        <p14:creationId xmlns:p14="http://schemas.microsoft.com/office/powerpoint/2010/main" val="1734154517"/>
+        <p14:creationId xmlns:p14="http://schemas.microsoft.com/office/powerpoint/2010/main" val="168109993"/>
       </p:ext>
     </p:extLst>
   </p:cSld>
@@ -768,13 +1177,7 @@
       </p:grpSpPr>
       <p:sp>
         <p:nvSpPr>
-          <p:cNvPr id="2" name="Titre 1">
-            <a:extLst>
-              <a:ext uri="{FF2B5EF4-FFF2-40B4-BE49-F238E27FC236}">
-                <a16:creationId xmlns:a16="http://schemas.microsoft.com/office/drawing/2014/main" id="{D36CC200-F8D0-42B0-B79C-B786577FA8F8}"/>
-              </a:ext>
-            </a:extLst>
-          </p:cNvPr>
+          <p:cNvPr id="2" name="Title 1"/>
           <p:cNvSpPr>
             <a:spLocks noGrp="1"/>
           </p:cNvSpPr>
@@ -791,18 +1194,13 @@
               <a:rPr lang="fr-FR"/>
               <a:t>Modifiez le style du titre</a:t>
             </a:r>
-          </a:p>
-        </p:txBody>
-      </p:sp>
-      <p:sp>
-        <p:nvSpPr>
-          <p:cNvPr id="3" name="Espace réservé du contenu 2">
-            <a:extLst>
-              <a:ext uri="{FF2B5EF4-FFF2-40B4-BE49-F238E27FC236}">
-                <a16:creationId xmlns:a16="http://schemas.microsoft.com/office/drawing/2014/main" id="{7A71E0DB-76E9-453B-8E62-C145A37BFFA4}"/>
-              </a:ext>
-            </a:extLst>
-          </p:cNvPr>
+            <a:endParaRPr lang="en-US" dirty="0"/>
+          </a:p>
+        </p:txBody>
+      </p:sp>
+      <p:sp>
+        <p:nvSpPr>
+          <p:cNvPr id="3" name="Content Placeholder 2"/>
           <p:cNvSpPr>
             <a:spLocks noGrp="1"/>
           </p:cNvSpPr>
@@ -848,18 +1246,13 @@
               <a:rPr lang="fr-FR"/>
               <a:t>Cinquième niveau</a:t>
             </a:r>
-          </a:p>
-        </p:txBody>
-      </p:sp>
-      <p:sp>
-        <p:nvSpPr>
-          <p:cNvPr id="4" name="Espace réservé de la date 3">
-            <a:extLst>
-              <a:ext uri="{FF2B5EF4-FFF2-40B4-BE49-F238E27FC236}">
-                <a16:creationId xmlns:a16="http://schemas.microsoft.com/office/drawing/2014/main" id="{55FC313D-220C-4F38-B918-2FEDD35DDB85}"/>
-              </a:ext>
-            </a:extLst>
-          </p:cNvPr>
+            <a:endParaRPr lang="en-US" dirty="0"/>
+          </a:p>
+        </p:txBody>
+      </p:sp>
+      <p:sp>
+        <p:nvSpPr>
+          <p:cNvPr id="4" name="Date Placeholder 3"/>
           <p:cNvSpPr>
             <a:spLocks noGrp="1"/>
           </p:cNvSpPr>
@@ -882,13 +1275,7 @@
       </p:sp>
       <p:sp>
         <p:nvSpPr>
-          <p:cNvPr id="5" name="Espace réservé du pied de page 4">
-            <a:extLst>
-              <a:ext uri="{FF2B5EF4-FFF2-40B4-BE49-F238E27FC236}">
-                <a16:creationId xmlns:a16="http://schemas.microsoft.com/office/drawing/2014/main" id="{5462F116-BF91-4E60-BB3D-9B2A286A127C}"/>
-              </a:ext>
-            </a:extLst>
-          </p:cNvPr>
+          <p:cNvPr id="5" name="Footer Placeholder 4"/>
           <p:cNvSpPr>
             <a:spLocks noGrp="1"/>
           </p:cNvSpPr>
@@ -907,13 +1294,7 @@
       </p:sp>
       <p:sp>
         <p:nvSpPr>
-          <p:cNvPr id="6" name="Espace réservé du numéro de diapositive 5">
-            <a:extLst>
-              <a:ext uri="{FF2B5EF4-FFF2-40B4-BE49-F238E27FC236}">
-                <a16:creationId xmlns:a16="http://schemas.microsoft.com/office/drawing/2014/main" id="{C5F119B9-667C-4148-8AAF-0A8DE3C914A3}"/>
-              </a:ext>
-            </a:extLst>
-          </p:cNvPr>
+          <p:cNvPr id="6" name="Slide Number Placeholder 5"/>
           <p:cNvSpPr>
             <a:spLocks noGrp="1"/>
           </p:cNvSpPr>
@@ -937,7 +1318,7 @@
     </p:spTree>
     <p:extLst>
       <p:ext uri="{BB962C8B-B14F-4D97-AF65-F5344CB8AC3E}">
-        <p14:creationId xmlns:p14="http://schemas.microsoft.com/office/powerpoint/2010/main" val="2589974057"/>
+        <p14:creationId xmlns:p14="http://schemas.microsoft.com/office/powerpoint/2010/main" val="960591394"/>
       </p:ext>
     </p:extLst>
   </p:cSld>
@@ -966,13 +1347,7 @@
       </p:grpSpPr>
       <p:sp>
         <p:nvSpPr>
-          <p:cNvPr id="2" name="Titre 1">
-            <a:extLst>
-              <a:ext uri="{FF2B5EF4-FFF2-40B4-BE49-F238E27FC236}">
-                <a16:creationId xmlns:a16="http://schemas.microsoft.com/office/drawing/2014/main" id="{7EBD2C0F-E736-4529-A1A1-7F8567C275DC}"/>
-              </a:ext>
-            </a:extLst>
-          </p:cNvPr>
+          <p:cNvPr id="2" name="Title 1"/>
           <p:cNvSpPr>
             <a:spLocks noGrp="1"/>
           </p:cNvSpPr>
@@ -982,15 +1357,15 @@
         </p:nvSpPr>
         <p:spPr>
           <a:xfrm>
-            <a:off x="831850" y="1709738"/>
-            <a:ext cx="10515600" cy="2852737"/>
+            <a:off x="467916" y="3039537"/>
+            <a:ext cx="5915025" cy="5071532"/>
           </a:xfrm>
         </p:spPr>
         <p:txBody>
           <a:bodyPr anchor="b"/>
           <a:lstStyle>
             <a:lvl1pPr>
-              <a:defRPr sz="6000"/>
+              <a:defRPr sz="4500"/>
             </a:lvl1pPr>
           </a:lstStyle>
           <a:p>
@@ -998,18 +1373,13 @@
               <a:rPr lang="fr-FR"/>
               <a:t>Modifiez le style du titre</a:t>
             </a:r>
-          </a:p>
-        </p:txBody>
-      </p:sp>
-      <p:sp>
-        <p:nvSpPr>
-          <p:cNvPr id="3" name="Espace réservé du texte 2">
-            <a:extLst>
-              <a:ext uri="{FF2B5EF4-FFF2-40B4-BE49-F238E27FC236}">
-                <a16:creationId xmlns:a16="http://schemas.microsoft.com/office/drawing/2014/main" id="{FD24A6E5-3421-4F15-815E-939464F975D9}"/>
-              </a:ext>
-            </a:extLst>
-          </p:cNvPr>
+            <a:endParaRPr lang="en-US" dirty="0"/>
+          </a:p>
+        </p:txBody>
+      </p:sp>
+      <p:sp>
+        <p:nvSpPr>
+          <p:cNvPr id="3" name="Text Placeholder 2"/>
           <p:cNvSpPr>
             <a:spLocks noGrp="1"/>
           </p:cNvSpPr>
@@ -1019,8 +1389,8 @@
         </p:nvSpPr>
         <p:spPr>
           <a:xfrm>
-            <a:off x="831850" y="4589463"/>
-            <a:ext cx="10515600" cy="1500187"/>
+            <a:off x="467916" y="8159048"/>
+            <a:ext cx="5915025" cy="2666999"/>
           </a:xfrm>
         </p:spPr>
         <p:txBody>
@@ -1028,17 +1398,15 @@
           <a:lstStyle>
             <a:lvl1pPr marL="0" indent="0">
               <a:buNone/>
-              <a:defRPr sz="2400">
+              <a:defRPr sz="1800">
                 <a:solidFill>
-                  <a:schemeClr val="tx1">
-                    <a:tint val="75000"/>
-                  </a:schemeClr>
+                  <a:schemeClr val="tx1"/>
                 </a:solidFill>
               </a:defRPr>
             </a:lvl1pPr>
-            <a:lvl2pPr marL="457200" indent="0">
+            <a:lvl2pPr marL="342900" indent="0">
               <a:buNone/>
-              <a:defRPr sz="2000">
+              <a:defRPr sz="1500">
                 <a:solidFill>
                   <a:schemeClr val="tx1">
                     <a:tint val="75000"/>
@@ -1046,9 +1414,9 @@
                 </a:solidFill>
               </a:defRPr>
             </a:lvl2pPr>
-            <a:lvl3pPr marL="914400" indent="0">
+            <a:lvl3pPr marL="685800" indent="0">
               <a:buNone/>
-              <a:defRPr sz="1800">
+              <a:defRPr sz="1350">
                 <a:solidFill>
                   <a:schemeClr val="tx1">
                     <a:tint val="75000"/>
@@ -1056,9 +1424,9 @@
                 </a:solidFill>
               </a:defRPr>
             </a:lvl3pPr>
-            <a:lvl4pPr marL="1371600" indent="0">
+            <a:lvl4pPr marL="1028700" indent="0">
               <a:buNone/>
-              <a:defRPr sz="1600">
+              <a:defRPr sz="1200">
                 <a:solidFill>
                   <a:schemeClr val="tx1">
                     <a:tint val="75000"/>
@@ -1066,9 +1434,9 @@
                 </a:solidFill>
               </a:defRPr>
             </a:lvl4pPr>
-            <a:lvl5pPr marL="1828800" indent="0">
+            <a:lvl5pPr marL="1371600" indent="0">
               <a:buNone/>
-              <a:defRPr sz="1600">
+              <a:defRPr sz="1200">
                 <a:solidFill>
                   <a:schemeClr val="tx1">
                     <a:tint val="75000"/>
@@ -1076,9 +1444,9 @@
                 </a:solidFill>
               </a:defRPr>
             </a:lvl5pPr>
-            <a:lvl6pPr marL="2286000" indent="0">
+            <a:lvl6pPr marL="1714500" indent="0">
               <a:buNone/>
-              <a:defRPr sz="1600">
+              <a:defRPr sz="1200">
                 <a:solidFill>
                   <a:schemeClr val="tx1">
                     <a:tint val="75000"/>
@@ -1086,9 +1454,9 @@
                 </a:solidFill>
               </a:defRPr>
             </a:lvl6pPr>
-            <a:lvl7pPr marL="2743200" indent="0">
+            <a:lvl7pPr marL="2057400" indent="0">
               <a:buNone/>
-              <a:defRPr sz="1600">
+              <a:defRPr sz="1200">
                 <a:solidFill>
                   <a:schemeClr val="tx1">
                     <a:tint val="75000"/>
@@ -1096,9 +1464,9 @@
                 </a:solidFill>
               </a:defRPr>
             </a:lvl7pPr>
-            <a:lvl8pPr marL="3200400" indent="0">
+            <a:lvl8pPr marL="2400300" indent="0">
               <a:buNone/>
-              <a:defRPr sz="1600">
+              <a:defRPr sz="1200">
                 <a:solidFill>
                   <a:schemeClr val="tx1">
                     <a:tint val="75000"/>
@@ -1106,9 +1474,9 @@
                 </a:solidFill>
               </a:defRPr>
             </a:lvl8pPr>
-            <a:lvl9pPr marL="3657600" indent="0">
+            <a:lvl9pPr marL="2743200" indent="0">
               <a:buNone/>
-              <a:defRPr sz="1600">
+              <a:defRPr sz="1200">
                 <a:solidFill>
                   <a:schemeClr val="tx1">
                     <a:tint val="75000"/>
@@ -1128,13 +1496,7 @@
       </p:sp>
       <p:sp>
         <p:nvSpPr>
-          <p:cNvPr id="4" name="Espace réservé de la date 3">
-            <a:extLst>
-              <a:ext uri="{FF2B5EF4-FFF2-40B4-BE49-F238E27FC236}">
-                <a16:creationId xmlns:a16="http://schemas.microsoft.com/office/drawing/2014/main" id="{B5FE8430-A8DC-40B1-AE1E-1D346F16F656}"/>
-              </a:ext>
-            </a:extLst>
-          </p:cNvPr>
+          <p:cNvPr id="4" name="Date Placeholder 3"/>
           <p:cNvSpPr>
             <a:spLocks noGrp="1"/>
           </p:cNvSpPr>
@@ -1157,13 +1519,7 @@
       </p:sp>
       <p:sp>
         <p:nvSpPr>
-          <p:cNvPr id="5" name="Espace réservé du pied de page 4">
-            <a:extLst>
-              <a:ext uri="{FF2B5EF4-FFF2-40B4-BE49-F238E27FC236}">
-                <a16:creationId xmlns:a16="http://schemas.microsoft.com/office/drawing/2014/main" id="{DE7F8F06-E815-4A31-A40C-EBEE69BCE704}"/>
-              </a:ext>
-            </a:extLst>
-          </p:cNvPr>
+          <p:cNvPr id="5" name="Footer Placeholder 4"/>
           <p:cNvSpPr>
             <a:spLocks noGrp="1"/>
           </p:cNvSpPr>
@@ -1182,13 +1538,7 @@
       </p:sp>
       <p:sp>
         <p:nvSpPr>
-          <p:cNvPr id="6" name="Espace réservé du numéro de diapositive 5">
-            <a:extLst>
-              <a:ext uri="{FF2B5EF4-FFF2-40B4-BE49-F238E27FC236}">
-                <a16:creationId xmlns:a16="http://schemas.microsoft.com/office/drawing/2014/main" id="{D794F98E-F1CE-422B-9D0E-3A8668DB4AA1}"/>
-              </a:ext>
-            </a:extLst>
-          </p:cNvPr>
+          <p:cNvPr id="6" name="Slide Number Placeholder 5"/>
           <p:cNvSpPr>
             <a:spLocks noGrp="1"/>
           </p:cNvSpPr>
@@ -1212,7 +1562,7 @@
     </p:spTree>
     <p:extLst>
       <p:ext uri="{BB962C8B-B14F-4D97-AF65-F5344CB8AC3E}">
-        <p14:creationId xmlns:p14="http://schemas.microsoft.com/office/powerpoint/2010/main" val="1333895959"/>
+        <p14:creationId xmlns:p14="http://schemas.microsoft.com/office/powerpoint/2010/main" val="2785725590"/>
       </p:ext>
     </p:extLst>
   </p:cSld>
@@ -1241,13 +1591,7 @@
       </p:grpSpPr>
       <p:sp>
         <p:nvSpPr>
-          <p:cNvPr id="2" name="Titre 1">
-            <a:extLst>
-              <a:ext uri="{FF2B5EF4-FFF2-40B4-BE49-F238E27FC236}">
-                <a16:creationId xmlns:a16="http://schemas.microsoft.com/office/drawing/2014/main" id="{6CF1FC29-17FC-4AA2-A3B0-FC587135DC0C}"/>
-              </a:ext>
-            </a:extLst>
-          </p:cNvPr>
+          <p:cNvPr id="2" name="Title 1"/>
           <p:cNvSpPr>
             <a:spLocks noGrp="1"/>
           </p:cNvSpPr>
@@ -1264,18 +1608,13 @@
               <a:rPr lang="fr-FR"/>
               <a:t>Modifiez le style du titre</a:t>
             </a:r>
-          </a:p>
-        </p:txBody>
-      </p:sp>
-      <p:sp>
-        <p:nvSpPr>
-          <p:cNvPr id="3" name="Espace réservé du contenu 2">
-            <a:extLst>
-              <a:ext uri="{FF2B5EF4-FFF2-40B4-BE49-F238E27FC236}">
-                <a16:creationId xmlns:a16="http://schemas.microsoft.com/office/drawing/2014/main" id="{45168F83-7459-43FE-8196-EAC0952317A4}"/>
-              </a:ext>
-            </a:extLst>
-          </p:cNvPr>
+            <a:endParaRPr lang="en-US" dirty="0"/>
+          </a:p>
+        </p:txBody>
+      </p:sp>
+      <p:sp>
+        <p:nvSpPr>
+          <p:cNvPr id="3" name="Content Placeholder 2"/>
           <p:cNvSpPr>
             <a:spLocks noGrp="1"/>
           </p:cNvSpPr>
@@ -1285,8 +1624,8 @@
         </p:nvSpPr>
         <p:spPr>
           <a:xfrm>
-            <a:off x="838200" y="1825625"/>
-            <a:ext cx="5181600" cy="4351338"/>
+            <a:off x="471488" y="3245556"/>
+            <a:ext cx="2914650" cy="7735712"/>
           </a:xfrm>
         </p:spPr>
         <p:txBody>
@@ -1326,18 +1665,13 @@
               <a:rPr lang="fr-FR"/>
               <a:t>Cinquième niveau</a:t>
             </a:r>
-          </a:p>
-        </p:txBody>
-      </p:sp>
-      <p:sp>
-        <p:nvSpPr>
-          <p:cNvPr id="4" name="Espace réservé du contenu 3">
-            <a:extLst>
-              <a:ext uri="{FF2B5EF4-FFF2-40B4-BE49-F238E27FC236}">
-                <a16:creationId xmlns:a16="http://schemas.microsoft.com/office/drawing/2014/main" id="{79900823-B14D-4CFC-85CC-5F484A6A60FC}"/>
-              </a:ext>
-            </a:extLst>
-          </p:cNvPr>
+            <a:endParaRPr lang="en-US" dirty="0"/>
+          </a:p>
+        </p:txBody>
+      </p:sp>
+      <p:sp>
+        <p:nvSpPr>
+          <p:cNvPr id="4" name="Content Placeholder 3"/>
           <p:cNvSpPr>
             <a:spLocks noGrp="1"/>
           </p:cNvSpPr>
@@ -1347,8 +1681,8 @@
         </p:nvSpPr>
         <p:spPr>
           <a:xfrm>
-            <a:off x="6172200" y="1825625"/>
-            <a:ext cx="5181600" cy="4351338"/>
+            <a:off x="3471863" y="3245556"/>
+            <a:ext cx="2914650" cy="7735712"/>
           </a:xfrm>
         </p:spPr>
         <p:txBody>
@@ -1388,18 +1722,13 @@
               <a:rPr lang="fr-FR"/>
               <a:t>Cinquième niveau</a:t>
             </a:r>
-          </a:p>
-        </p:txBody>
-      </p:sp>
-      <p:sp>
-        <p:nvSpPr>
-          <p:cNvPr id="5" name="Espace réservé de la date 4">
-            <a:extLst>
-              <a:ext uri="{FF2B5EF4-FFF2-40B4-BE49-F238E27FC236}">
-                <a16:creationId xmlns:a16="http://schemas.microsoft.com/office/drawing/2014/main" id="{D5E5AE4F-CB2F-4465-A8EE-F299252EDCAF}"/>
-              </a:ext>
-            </a:extLst>
-          </p:cNvPr>
+            <a:endParaRPr lang="en-US" dirty="0"/>
+          </a:p>
+        </p:txBody>
+      </p:sp>
+      <p:sp>
+        <p:nvSpPr>
+          <p:cNvPr id="5" name="Date Placeholder 4"/>
           <p:cNvSpPr>
             <a:spLocks noGrp="1"/>
           </p:cNvSpPr>
@@ -1422,13 +1751,7 @@
       </p:sp>
       <p:sp>
         <p:nvSpPr>
-          <p:cNvPr id="6" name="Espace réservé du pied de page 5">
-            <a:extLst>
-              <a:ext uri="{FF2B5EF4-FFF2-40B4-BE49-F238E27FC236}">
-                <a16:creationId xmlns:a16="http://schemas.microsoft.com/office/drawing/2014/main" id="{63EEC3E4-61A5-47EA-8E48-FDBAA644A8B2}"/>
-              </a:ext>
-            </a:extLst>
-          </p:cNvPr>
+          <p:cNvPr id="6" name="Footer Placeholder 5"/>
           <p:cNvSpPr>
             <a:spLocks noGrp="1"/>
           </p:cNvSpPr>
@@ -1447,13 +1770,7 @@
       </p:sp>
       <p:sp>
         <p:nvSpPr>
-          <p:cNvPr id="7" name="Espace réservé du numéro de diapositive 6">
-            <a:extLst>
-              <a:ext uri="{FF2B5EF4-FFF2-40B4-BE49-F238E27FC236}">
-                <a16:creationId xmlns:a16="http://schemas.microsoft.com/office/drawing/2014/main" id="{D81FDC67-7B3E-4F3C-BB17-31E16EA5F424}"/>
-              </a:ext>
-            </a:extLst>
-          </p:cNvPr>
+          <p:cNvPr id="7" name="Slide Number Placeholder 6"/>
           <p:cNvSpPr>
             <a:spLocks noGrp="1"/>
           </p:cNvSpPr>
@@ -1477,7 +1794,7 @@
     </p:spTree>
     <p:extLst>
       <p:ext uri="{BB962C8B-B14F-4D97-AF65-F5344CB8AC3E}">
-        <p14:creationId xmlns:p14="http://schemas.microsoft.com/office/powerpoint/2010/main" val="1390351211"/>
+        <p14:creationId xmlns:p14="http://schemas.microsoft.com/office/powerpoint/2010/main" val="1953581982"/>
       </p:ext>
     </p:extLst>
   </p:cSld>
@@ -1506,13 +1823,7 @@
       </p:grpSpPr>
       <p:sp>
         <p:nvSpPr>
-          <p:cNvPr id="2" name="Titre 1">
-            <a:extLst>
-              <a:ext uri="{FF2B5EF4-FFF2-40B4-BE49-F238E27FC236}">
-                <a16:creationId xmlns:a16="http://schemas.microsoft.com/office/drawing/2014/main" id="{EFA19CEC-6FAF-49B5-9A78-49B1D11874B6}"/>
-              </a:ext>
-            </a:extLst>
-          </p:cNvPr>
+          <p:cNvPr id="2" name="Title 1"/>
           <p:cNvSpPr>
             <a:spLocks noGrp="1"/>
           </p:cNvSpPr>
@@ -1522,8 +1833,8 @@
         </p:nvSpPr>
         <p:spPr>
           <a:xfrm>
-            <a:off x="839788" y="365125"/>
-            <a:ext cx="10515600" cy="1325563"/>
+            <a:off x="472381" y="649114"/>
+            <a:ext cx="5915025" cy="2356556"/>
           </a:xfrm>
         </p:spPr>
         <p:txBody>
@@ -1534,18 +1845,13 @@
               <a:rPr lang="fr-FR"/>
               <a:t>Modifiez le style du titre</a:t>
             </a:r>
-          </a:p>
-        </p:txBody>
-      </p:sp>
-      <p:sp>
-        <p:nvSpPr>
-          <p:cNvPr id="3" name="Espace réservé du texte 2">
-            <a:extLst>
-              <a:ext uri="{FF2B5EF4-FFF2-40B4-BE49-F238E27FC236}">
-                <a16:creationId xmlns:a16="http://schemas.microsoft.com/office/drawing/2014/main" id="{7E205B29-15AB-4D6B-999E-5F14714E645A}"/>
-              </a:ext>
-            </a:extLst>
-          </p:cNvPr>
+            <a:endParaRPr lang="en-US" dirty="0"/>
+          </a:p>
+        </p:txBody>
+      </p:sp>
+      <p:sp>
+        <p:nvSpPr>
+          <p:cNvPr id="3" name="Text Placeholder 2"/>
           <p:cNvSpPr>
             <a:spLocks noGrp="1"/>
           </p:cNvSpPr>
@@ -1555,8 +1861,8 @@
         </p:nvSpPr>
         <p:spPr>
           <a:xfrm>
-            <a:off x="839788" y="1681163"/>
-            <a:ext cx="5157787" cy="823912"/>
+            <a:off x="472381" y="2988734"/>
+            <a:ext cx="2901255" cy="1464732"/>
           </a:xfrm>
         </p:spPr>
         <p:txBody>
@@ -1564,39 +1870,39 @@
           <a:lstStyle>
             <a:lvl1pPr marL="0" indent="0">
               <a:buNone/>
-              <a:defRPr sz="2400" b="1"/>
+              <a:defRPr sz="1800" b="1"/>
             </a:lvl1pPr>
-            <a:lvl2pPr marL="457200" indent="0">
+            <a:lvl2pPr marL="342900" indent="0">
               <a:buNone/>
-              <a:defRPr sz="2000" b="1"/>
+              <a:defRPr sz="1500" b="1"/>
             </a:lvl2pPr>
-            <a:lvl3pPr marL="914400" indent="0">
+            <a:lvl3pPr marL="685800" indent="0">
               <a:buNone/>
-              <a:defRPr sz="1800" b="1"/>
+              <a:defRPr sz="1350" b="1"/>
             </a:lvl3pPr>
-            <a:lvl4pPr marL="1371600" indent="0">
+            <a:lvl4pPr marL="1028700" indent="0">
               <a:buNone/>
-              <a:defRPr sz="1600" b="1"/>
+              <a:defRPr sz="1200" b="1"/>
             </a:lvl4pPr>
-            <a:lvl5pPr marL="1828800" indent="0">
+            <a:lvl5pPr marL="1371600" indent="0">
               <a:buNone/>
-              <a:defRPr sz="1600" b="1"/>
+              <a:defRPr sz="1200" b="1"/>
             </a:lvl5pPr>
-            <a:lvl6pPr marL="2286000" indent="0">
+            <a:lvl6pPr marL="1714500" indent="0">
               <a:buNone/>
-              <a:defRPr sz="1600" b="1"/>
+              <a:defRPr sz="1200" b="1"/>
             </a:lvl6pPr>
-            <a:lvl7pPr marL="2743200" indent="0">
+            <a:lvl7pPr marL="2057400" indent="0">
               <a:buNone/>
-              <a:defRPr sz="1600" b="1"/>
+              <a:defRPr sz="1200" b="1"/>
             </a:lvl7pPr>
-            <a:lvl8pPr marL="3200400" indent="0">
+            <a:lvl8pPr marL="2400300" indent="0">
               <a:buNone/>
-              <a:defRPr sz="1600" b="1"/>
+              <a:defRPr sz="1200" b="1"/>
             </a:lvl8pPr>
-            <a:lvl9pPr marL="3657600" indent="0">
+            <a:lvl9pPr marL="2743200" indent="0">
               <a:buNone/>
-              <a:defRPr sz="1600" b="1"/>
+              <a:defRPr sz="1200" b="1"/>
             </a:lvl9pPr>
           </a:lstStyle>
           <a:p>
@@ -1610,13 +1916,7 @@
       </p:sp>
       <p:sp>
         <p:nvSpPr>
-          <p:cNvPr id="4" name="Espace réservé du contenu 3">
-            <a:extLst>
-              <a:ext uri="{FF2B5EF4-FFF2-40B4-BE49-F238E27FC236}">
-                <a16:creationId xmlns:a16="http://schemas.microsoft.com/office/drawing/2014/main" id="{DE7E03DA-B81E-42A0-BFA2-4EECE07C1BA1}"/>
-              </a:ext>
-            </a:extLst>
-          </p:cNvPr>
+          <p:cNvPr id="4" name="Content Placeholder 3"/>
           <p:cNvSpPr>
             <a:spLocks noGrp="1"/>
           </p:cNvSpPr>
@@ -1626,8 +1926,8 @@
         </p:nvSpPr>
         <p:spPr>
           <a:xfrm>
-            <a:off x="839788" y="2505075"/>
-            <a:ext cx="5157787" cy="3684588"/>
+            <a:off x="472381" y="4453467"/>
+            <a:ext cx="2901255" cy="6550379"/>
           </a:xfrm>
         </p:spPr>
         <p:txBody>
@@ -1667,18 +1967,13 @@
               <a:rPr lang="fr-FR"/>
               <a:t>Cinquième niveau</a:t>
             </a:r>
-          </a:p>
-        </p:txBody>
-      </p:sp>
-      <p:sp>
-        <p:nvSpPr>
-          <p:cNvPr id="5" name="Espace réservé du texte 4">
-            <a:extLst>
-              <a:ext uri="{FF2B5EF4-FFF2-40B4-BE49-F238E27FC236}">
-                <a16:creationId xmlns:a16="http://schemas.microsoft.com/office/drawing/2014/main" id="{4C9374B8-2F4C-4958-8495-DA60CDF7D2BC}"/>
-              </a:ext>
-            </a:extLst>
-          </p:cNvPr>
+            <a:endParaRPr lang="en-US" dirty="0"/>
+          </a:p>
+        </p:txBody>
+      </p:sp>
+      <p:sp>
+        <p:nvSpPr>
+          <p:cNvPr id="5" name="Text Placeholder 4"/>
           <p:cNvSpPr>
             <a:spLocks noGrp="1"/>
           </p:cNvSpPr>
@@ -1688,8 +1983,8 @@
         </p:nvSpPr>
         <p:spPr>
           <a:xfrm>
-            <a:off x="6172200" y="1681163"/>
-            <a:ext cx="5183188" cy="823912"/>
+            <a:off x="3471863" y="2988734"/>
+            <a:ext cx="2915543" cy="1464732"/>
           </a:xfrm>
         </p:spPr>
         <p:txBody>
@@ -1697,39 +1992,39 @@
           <a:lstStyle>
             <a:lvl1pPr marL="0" indent="0">
               <a:buNone/>
-              <a:defRPr sz="2400" b="1"/>
+              <a:defRPr sz="1800" b="1"/>
             </a:lvl1pPr>
-            <a:lvl2pPr marL="457200" indent="0">
+            <a:lvl2pPr marL="342900" indent="0">
               <a:buNone/>
-              <a:defRPr sz="2000" b="1"/>
+              <a:defRPr sz="1500" b="1"/>
             </a:lvl2pPr>
-            <a:lvl3pPr marL="914400" indent="0">
+            <a:lvl3pPr marL="685800" indent="0">
               <a:buNone/>
-              <a:defRPr sz="1800" b="1"/>
+              <a:defRPr sz="1350" b="1"/>
             </a:lvl3pPr>
-            <a:lvl4pPr marL="1371600" indent="0">
+            <a:lvl4pPr marL="1028700" indent="0">
               <a:buNone/>
-              <a:defRPr sz="1600" b="1"/>
+              <a:defRPr sz="1200" b="1"/>
             </a:lvl4pPr>
-            <a:lvl5pPr marL="1828800" indent="0">
+            <a:lvl5pPr marL="1371600" indent="0">
               <a:buNone/>
-              <a:defRPr sz="1600" b="1"/>
+              <a:defRPr sz="1200" b="1"/>
             </a:lvl5pPr>
-            <a:lvl6pPr marL="2286000" indent="0">
+            <a:lvl6pPr marL="1714500" indent="0">
               <a:buNone/>
-              <a:defRPr sz="1600" b="1"/>
+              <a:defRPr sz="1200" b="1"/>
             </a:lvl6pPr>
-            <a:lvl7pPr marL="2743200" indent="0">
+            <a:lvl7pPr marL="2057400" indent="0">
               <a:buNone/>
-              <a:defRPr sz="1600" b="1"/>
+              <a:defRPr sz="1200" b="1"/>
             </a:lvl7pPr>
-            <a:lvl8pPr marL="3200400" indent="0">
+            <a:lvl8pPr marL="2400300" indent="0">
               <a:buNone/>
-              <a:defRPr sz="1600" b="1"/>
+              <a:defRPr sz="1200" b="1"/>
             </a:lvl8pPr>
-            <a:lvl9pPr marL="3657600" indent="0">
+            <a:lvl9pPr marL="2743200" indent="0">
               <a:buNone/>
-              <a:defRPr sz="1600" b="1"/>
+              <a:defRPr sz="1200" b="1"/>
             </a:lvl9pPr>
           </a:lstStyle>
           <a:p>
@@ -1743,13 +2038,7 @@
       </p:sp>
       <p:sp>
         <p:nvSpPr>
-          <p:cNvPr id="6" name="Espace réservé du contenu 5">
-            <a:extLst>
-              <a:ext uri="{FF2B5EF4-FFF2-40B4-BE49-F238E27FC236}">
-                <a16:creationId xmlns:a16="http://schemas.microsoft.com/office/drawing/2014/main" id="{8E58E763-5B9F-4748-B275-61FDE21E4296}"/>
-              </a:ext>
-            </a:extLst>
-          </p:cNvPr>
+          <p:cNvPr id="6" name="Content Placeholder 5"/>
           <p:cNvSpPr>
             <a:spLocks noGrp="1"/>
           </p:cNvSpPr>
@@ -1759,8 +2048,8 @@
         </p:nvSpPr>
         <p:spPr>
           <a:xfrm>
-            <a:off x="6172200" y="2505075"/>
-            <a:ext cx="5183188" cy="3684588"/>
+            <a:off x="3471863" y="4453467"/>
+            <a:ext cx="2915543" cy="6550379"/>
           </a:xfrm>
         </p:spPr>
         <p:txBody>
@@ -1800,18 +2089,13 @@
               <a:rPr lang="fr-FR"/>
               <a:t>Cinquième niveau</a:t>
             </a:r>
-          </a:p>
-        </p:txBody>
-      </p:sp>
-      <p:sp>
-        <p:nvSpPr>
-          <p:cNvPr id="7" name="Espace réservé de la date 6">
-            <a:extLst>
-              <a:ext uri="{FF2B5EF4-FFF2-40B4-BE49-F238E27FC236}">
-                <a16:creationId xmlns:a16="http://schemas.microsoft.com/office/drawing/2014/main" id="{57A5BD3E-0D5B-404D-B570-17AB46008B29}"/>
-              </a:ext>
-            </a:extLst>
-          </p:cNvPr>
+            <a:endParaRPr lang="en-US" dirty="0"/>
+          </a:p>
+        </p:txBody>
+      </p:sp>
+      <p:sp>
+        <p:nvSpPr>
+          <p:cNvPr id="7" name="Date Placeholder 6"/>
           <p:cNvSpPr>
             <a:spLocks noGrp="1"/>
           </p:cNvSpPr>
@@ -1834,13 +2118,7 @@
       </p:sp>
       <p:sp>
         <p:nvSpPr>
-          <p:cNvPr id="8" name="Espace réservé du pied de page 7">
-            <a:extLst>
-              <a:ext uri="{FF2B5EF4-FFF2-40B4-BE49-F238E27FC236}">
-                <a16:creationId xmlns:a16="http://schemas.microsoft.com/office/drawing/2014/main" id="{64322F28-3DC1-460C-A0B2-E3D67E9582AA}"/>
-              </a:ext>
-            </a:extLst>
-          </p:cNvPr>
+          <p:cNvPr id="8" name="Footer Placeholder 7"/>
           <p:cNvSpPr>
             <a:spLocks noGrp="1"/>
           </p:cNvSpPr>
@@ -1859,13 +2137,7 @@
       </p:sp>
       <p:sp>
         <p:nvSpPr>
-          <p:cNvPr id="9" name="Espace réservé du numéro de diapositive 8">
-            <a:extLst>
-              <a:ext uri="{FF2B5EF4-FFF2-40B4-BE49-F238E27FC236}">
-                <a16:creationId xmlns:a16="http://schemas.microsoft.com/office/drawing/2014/main" id="{B2DE8C41-28AA-42DA-9042-412CF1CBB89E}"/>
-              </a:ext>
-            </a:extLst>
-          </p:cNvPr>
+          <p:cNvPr id="9" name="Slide Number Placeholder 8"/>
           <p:cNvSpPr>
             <a:spLocks noGrp="1"/>
           </p:cNvSpPr>
@@ -1889,7 +2161,7 @@
     </p:spTree>
     <p:extLst>
       <p:ext uri="{BB962C8B-B14F-4D97-AF65-F5344CB8AC3E}">
-        <p14:creationId xmlns:p14="http://schemas.microsoft.com/office/powerpoint/2010/main" val="1266530444"/>
+        <p14:creationId xmlns:p14="http://schemas.microsoft.com/office/powerpoint/2010/main" val="409765345"/>
       </p:ext>
     </p:extLst>
   </p:cSld>
@@ -1918,13 +2190,7 @@
       </p:grpSpPr>
       <p:sp>
         <p:nvSpPr>
-          <p:cNvPr id="2" name="Titre 1">
-            <a:extLst>
-              <a:ext uri="{FF2B5EF4-FFF2-40B4-BE49-F238E27FC236}">
-                <a16:creationId xmlns:a16="http://schemas.microsoft.com/office/drawing/2014/main" id="{06A91512-E856-4FF7-94BB-5D8902A8DB99}"/>
-              </a:ext>
-            </a:extLst>
-          </p:cNvPr>
+          <p:cNvPr id="2" name="Title 1"/>
           <p:cNvSpPr>
             <a:spLocks noGrp="1"/>
           </p:cNvSpPr>
@@ -1941,18 +2207,13 @@
               <a:rPr lang="fr-FR"/>
               <a:t>Modifiez le style du titre</a:t>
             </a:r>
-          </a:p>
-        </p:txBody>
-      </p:sp>
-      <p:sp>
-        <p:nvSpPr>
-          <p:cNvPr id="3" name="Espace réservé de la date 2">
-            <a:extLst>
-              <a:ext uri="{FF2B5EF4-FFF2-40B4-BE49-F238E27FC236}">
-                <a16:creationId xmlns:a16="http://schemas.microsoft.com/office/drawing/2014/main" id="{00029E8B-F7BF-4DDE-A4A4-28DC3BEC5011}"/>
-              </a:ext>
-            </a:extLst>
-          </p:cNvPr>
+            <a:endParaRPr lang="en-US" dirty="0"/>
+          </a:p>
+        </p:txBody>
+      </p:sp>
+      <p:sp>
+        <p:nvSpPr>
+          <p:cNvPr id="3" name="Date Placeholder 2"/>
           <p:cNvSpPr>
             <a:spLocks noGrp="1"/>
           </p:cNvSpPr>
@@ -1975,13 +2236,7 @@
       </p:sp>
       <p:sp>
         <p:nvSpPr>
-          <p:cNvPr id="4" name="Espace réservé du pied de page 3">
-            <a:extLst>
-              <a:ext uri="{FF2B5EF4-FFF2-40B4-BE49-F238E27FC236}">
-                <a16:creationId xmlns:a16="http://schemas.microsoft.com/office/drawing/2014/main" id="{8A7800A3-5B93-4B4E-AA80-458B2DA4DEE9}"/>
-              </a:ext>
-            </a:extLst>
-          </p:cNvPr>
+          <p:cNvPr id="4" name="Footer Placeholder 3"/>
           <p:cNvSpPr>
             <a:spLocks noGrp="1"/>
           </p:cNvSpPr>
@@ -2000,13 +2255,7 @@
       </p:sp>
       <p:sp>
         <p:nvSpPr>
-          <p:cNvPr id="5" name="Espace réservé du numéro de diapositive 4">
-            <a:extLst>
-              <a:ext uri="{FF2B5EF4-FFF2-40B4-BE49-F238E27FC236}">
-                <a16:creationId xmlns:a16="http://schemas.microsoft.com/office/drawing/2014/main" id="{BEB55540-1A32-4750-AD3B-8BA3E5AB6F61}"/>
-              </a:ext>
-            </a:extLst>
-          </p:cNvPr>
+          <p:cNvPr id="5" name="Slide Number Placeholder 4"/>
           <p:cNvSpPr>
             <a:spLocks noGrp="1"/>
           </p:cNvSpPr>
@@ -2030,7 +2279,7 @@
     </p:spTree>
     <p:extLst>
       <p:ext uri="{BB962C8B-B14F-4D97-AF65-F5344CB8AC3E}">
-        <p14:creationId xmlns:p14="http://schemas.microsoft.com/office/powerpoint/2010/main" val="1786284717"/>
+        <p14:creationId xmlns:p14="http://schemas.microsoft.com/office/powerpoint/2010/main" val="3525051710"/>
       </p:ext>
     </p:extLst>
   </p:cSld>
@@ -2059,13 +2308,7 @@
       </p:grpSpPr>
       <p:sp>
         <p:nvSpPr>
-          <p:cNvPr id="2" name="Espace réservé de la date 1">
-            <a:extLst>
-              <a:ext uri="{FF2B5EF4-FFF2-40B4-BE49-F238E27FC236}">
-                <a16:creationId xmlns:a16="http://schemas.microsoft.com/office/drawing/2014/main" id="{A4D82E2C-4AAB-47BA-96E9-7823E3E19496}"/>
-              </a:ext>
-            </a:extLst>
-          </p:cNvPr>
+          <p:cNvPr id="2" name="Date Placeholder 1"/>
           <p:cNvSpPr>
             <a:spLocks noGrp="1"/>
           </p:cNvSpPr>
@@ -2088,13 +2331,7 @@
       </p:sp>
       <p:sp>
         <p:nvSpPr>
-          <p:cNvPr id="3" name="Espace réservé du pied de page 2">
-            <a:extLst>
-              <a:ext uri="{FF2B5EF4-FFF2-40B4-BE49-F238E27FC236}">
-                <a16:creationId xmlns:a16="http://schemas.microsoft.com/office/drawing/2014/main" id="{C8D6E6E0-8199-4A62-84D0-99F860ACFE51}"/>
-              </a:ext>
-            </a:extLst>
-          </p:cNvPr>
+          <p:cNvPr id="3" name="Footer Placeholder 2"/>
           <p:cNvSpPr>
             <a:spLocks noGrp="1"/>
           </p:cNvSpPr>
@@ -2113,13 +2350,7 @@
       </p:sp>
       <p:sp>
         <p:nvSpPr>
-          <p:cNvPr id="4" name="Espace réservé du numéro de diapositive 3">
-            <a:extLst>
-              <a:ext uri="{FF2B5EF4-FFF2-40B4-BE49-F238E27FC236}">
-                <a16:creationId xmlns:a16="http://schemas.microsoft.com/office/drawing/2014/main" id="{42A5E500-0391-490D-915F-17BFCA2773C4}"/>
-              </a:ext>
-            </a:extLst>
-          </p:cNvPr>
+          <p:cNvPr id="4" name="Slide Number Placeholder 3"/>
           <p:cNvSpPr>
             <a:spLocks noGrp="1"/>
           </p:cNvSpPr>
@@ -2143,7 +2374,7 @@
     </p:spTree>
     <p:extLst>
       <p:ext uri="{BB962C8B-B14F-4D97-AF65-F5344CB8AC3E}">
-        <p14:creationId xmlns:p14="http://schemas.microsoft.com/office/powerpoint/2010/main" val="2835212026"/>
+        <p14:creationId xmlns:p14="http://schemas.microsoft.com/office/powerpoint/2010/main" val="774573764"/>
       </p:ext>
     </p:extLst>
   </p:cSld>
@@ -2172,13 +2403,7 @@
       </p:grpSpPr>
       <p:sp>
         <p:nvSpPr>
-          <p:cNvPr id="2" name="Titre 1">
-            <a:extLst>
-              <a:ext uri="{FF2B5EF4-FFF2-40B4-BE49-F238E27FC236}">
-                <a16:creationId xmlns:a16="http://schemas.microsoft.com/office/drawing/2014/main" id="{A7BF1C8C-A2E2-472C-8C49-D0C141599378}"/>
-              </a:ext>
-            </a:extLst>
-          </p:cNvPr>
+          <p:cNvPr id="2" name="Title 1"/>
           <p:cNvSpPr>
             <a:spLocks noGrp="1"/>
           </p:cNvSpPr>
@@ -2188,15 +2413,15 @@
         </p:nvSpPr>
         <p:spPr>
           <a:xfrm>
-            <a:off x="839788" y="457200"/>
-            <a:ext cx="3932237" cy="1600200"/>
+            <a:off x="472381" y="812800"/>
+            <a:ext cx="2211884" cy="2844800"/>
           </a:xfrm>
         </p:spPr>
         <p:txBody>
           <a:bodyPr anchor="b"/>
           <a:lstStyle>
             <a:lvl1pPr>
-              <a:defRPr sz="3200"/>
+              <a:defRPr sz="2400"/>
             </a:lvl1pPr>
           </a:lstStyle>
           <a:p>
@@ -2204,18 +2429,13 @@
               <a:rPr lang="fr-FR"/>
               <a:t>Modifiez le style du titre</a:t>
             </a:r>
-          </a:p>
-        </p:txBody>
-      </p:sp>
-      <p:sp>
-        <p:nvSpPr>
-          <p:cNvPr id="3" name="Espace réservé du contenu 2">
-            <a:extLst>
-              <a:ext uri="{FF2B5EF4-FFF2-40B4-BE49-F238E27FC236}">
-                <a16:creationId xmlns:a16="http://schemas.microsoft.com/office/drawing/2014/main" id="{B0D7165D-D690-4A54-94FC-7DF602187116}"/>
-              </a:ext>
-            </a:extLst>
-          </p:cNvPr>
+            <a:endParaRPr lang="en-US" dirty="0"/>
+          </a:p>
+        </p:txBody>
+      </p:sp>
+      <p:sp>
+        <p:nvSpPr>
+          <p:cNvPr id="3" name="Content Placeholder 2"/>
           <p:cNvSpPr>
             <a:spLocks noGrp="1"/>
           </p:cNvSpPr>
@@ -2225,39 +2445,39 @@
         </p:nvSpPr>
         <p:spPr>
           <a:xfrm>
-            <a:off x="5183188" y="987425"/>
-            <a:ext cx="6172200" cy="4873625"/>
+            <a:off x="2915543" y="1755425"/>
+            <a:ext cx="3471863" cy="8664222"/>
           </a:xfrm>
         </p:spPr>
         <p:txBody>
           <a:bodyPr/>
           <a:lstStyle>
             <a:lvl1pPr>
-              <a:defRPr sz="3200"/>
+              <a:defRPr sz="2400"/>
             </a:lvl1pPr>
             <a:lvl2pPr>
-              <a:defRPr sz="2800"/>
+              <a:defRPr sz="2100"/>
             </a:lvl2pPr>
             <a:lvl3pPr>
-              <a:defRPr sz="2400"/>
+              <a:defRPr sz="1800"/>
             </a:lvl3pPr>
             <a:lvl4pPr>
-              <a:defRPr sz="2000"/>
+              <a:defRPr sz="1500"/>
             </a:lvl4pPr>
             <a:lvl5pPr>
-              <a:defRPr sz="2000"/>
+              <a:defRPr sz="1500"/>
             </a:lvl5pPr>
             <a:lvl6pPr>
-              <a:defRPr sz="2000"/>
+              <a:defRPr sz="1500"/>
             </a:lvl6pPr>
             <a:lvl7pPr>
-              <a:defRPr sz="2000"/>
+              <a:defRPr sz="1500"/>
             </a:lvl7pPr>
             <a:lvl8pPr>
-              <a:defRPr sz="2000"/>
+              <a:defRPr sz="1500"/>
             </a:lvl8pPr>
             <a:lvl9pPr>
-              <a:defRPr sz="2000"/>
+              <a:defRPr sz="1500"/>
             </a:lvl9pPr>
           </a:lstStyle>
           <a:p>
@@ -2294,18 +2514,13 @@
               <a:rPr lang="fr-FR"/>
               <a:t>Cinquième niveau</a:t>
             </a:r>
-          </a:p>
-        </p:txBody>
-      </p:sp>
-      <p:sp>
-        <p:nvSpPr>
-          <p:cNvPr id="4" name="Espace réservé du texte 3">
-            <a:extLst>
-              <a:ext uri="{FF2B5EF4-FFF2-40B4-BE49-F238E27FC236}">
-                <a16:creationId xmlns:a16="http://schemas.microsoft.com/office/drawing/2014/main" id="{4D5CB68F-FA4B-4FF1-B5BC-B0784E7E2498}"/>
-              </a:ext>
-            </a:extLst>
-          </p:cNvPr>
+            <a:endParaRPr lang="en-US" dirty="0"/>
+          </a:p>
+        </p:txBody>
+      </p:sp>
+      <p:sp>
+        <p:nvSpPr>
+          <p:cNvPr id="4" name="Text Placeholder 3"/>
           <p:cNvSpPr>
             <a:spLocks noGrp="1"/>
           </p:cNvSpPr>
@@ -2315,8 +2530,8 @@
         </p:nvSpPr>
         <p:spPr>
           <a:xfrm>
-            <a:off x="839788" y="2057400"/>
-            <a:ext cx="3932237" cy="3811588"/>
+            <a:off x="472381" y="3657600"/>
+            <a:ext cx="2211884" cy="6776156"/>
           </a:xfrm>
         </p:spPr>
         <p:txBody>
@@ -2324,39 +2539,39 @@
           <a:lstStyle>
             <a:lvl1pPr marL="0" indent="0">
               <a:buNone/>
-              <a:defRPr sz="1600"/>
+              <a:defRPr sz="1200"/>
             </a:lvl1pPr>
-            <a:lvl2pPr marL="457200" indent="0">
+            <a:lvl2pPr marL="342900" indent="0">
               <a:buNone/>
-              <a:defRPr sz="1400"/>
+              <a:defRPr sz="1050"/>
             </a:lvl2pPr>
-            <a:lvl3pPr marL="914400" indent="0">
+            <a:lvl3pPr marL="685800" indent="0">
               <a:buNone/>
-              <a:defRPr sz="1200"/>
+              <a:defRPr sz="900"/>
             </a:lvl3pPr>
-            <a:lvl4pPr marL="1371600" indent="0">
+            <a:lvl4pPr marL="1028700" indent="0">
               <a:buNone/>
-              <a:defRPr sz="1000"/>
+              <a:defRPr sz="750"/>
             </a:lvl4pPr>
-            <a:lvl5pPr marL="1828800" indent="0">
+            <a:lvl5pPr marL="1371600" indent="0">
               <a:buNone/>
-              <a:defRPr sz="1000"/>
+              <a:defRPr sz="750"/>
             </a:lvl5pPr>
-            <a:lvl6pPr marL="2286000" indent="0">
+            <a:lvl6pPr marL="1714500" indent="0">
               <a:buNone/>
-              <a:defRPr sz="1000"/>
+              <a:defRPr sz="750"/>
             </a:lvl6pPr>
-            <a:lvl7pPr marL="2743200" indent="0">
+            <a:lvl7pPr marL="2057400" indent="0">
               <a:buNone/>
-              <a:defRPr sz="1000"/>
+              <a:defRPr sz="750"/>
             </a:lvl7pPr>
-            <a:lvl8pPr marL="3200400" indent="0">
+            <a:lvl8pPr marL="2400300" indent="0">
               <a:buNone/>
-              <a:defRPr sz="1000"/>
+              <a:defRPr sz="750"/>
             </a:lvl8pPr>
-            <a:lvl9pPr marL="3657600" indent="0">
+            <a:lvl9pPr marL="2743200" indent="0">
               <a:buNone/>
-              <a:defRPr sz="1000"/>
+              <a:defRPr sz="750"/>
             </a:lvl9pPr>
           </a:lstStyle>
           <a:p>
@@ -2370,13 +2585,7 @@
       </p:sp>
       <p:sp>
         <p:nvSpPr>
-          <p:cNvPr id="5" name="Espace réservé de la date 4">
-            <a:extLst>
-              <a:ext uri="{FF2B5EF4-FFF2-40B4-BE49-F238E27FC236}">
-                <a16:creationId xmlns:a16="http://schemas.microsoft.com/office/drawing/2014/main" id="{5B951C13-4C6C-4548-9722-4AAF8E3493E4}"/>
-              </a:ext>
-            </a:extLst>
-          </p:cNvPr>
+          <p:cNvPr id="5" name="Date Placeholder 4"/>
           <p:cNvSpPr>
             <a:spLocks noGrp="1"/>
           </p:cNvSpPr>
@@ -2399,13 +2608,7 @@
       </p:sp>
       <p:sp>
         <p:nvSpPr>
-          <p:cNvPr id="6" name="Espace réservé du pied de page 5">
-            <a:extLst>
-              <a:ext uri="{FF2B5EF4-FFF2-40B4-BE49-F238E27FC236}">
-                <a16:creationId xmlns:a16="http://schemas.microsoft.com/office/drawing/2014/main" id="{47E38899-6D5F-4AF6-97E0-3353027D8BE8}"/>
-              </a:ext>
-            </a:extLst>
-          </p:cNvPr>
+          <p:cNvPr id="6" name="Footer Placeholder 5"/>
           <p:cNvSpPr>
             <a:spLocks noGrp="1"/>
           </p:cNvSpPr>
@@ -2424,13 +2627,7 @@
       </p:sp>
       <p:sp>
         <p:nvSpPr>
-          <p:cNvPr id="7" name="Espace réservé du numéro de diapositive 6">
-            <a:extLst>
-              <a:ext uri="{FF2B5EF4-FFF2-40B4-BE49-F238E27FC236}">
-                <a16:creationId xmlns:a16="http://schemas.microsoft.com/office/drawing/2014/main" id="{3AD2F426-5E1D-4A9D-9E9B-A37BFB768A8C}"/>
-              </a:ext>
-            </a:extLst>
-          </p:cNvPr>
+          <p:cNvPr id="7" name="Slide Number Placeholder 6"/>
           <p:cNvSpPr>
             <a:spLocks noGrp="1"/>
           </p:cNvSpPr>
@@ -2454,7 +2651,7 @@
     </p:spTree>
     <p:extLst>
       <p:ext uri="{BB962C8B-B14F-4D97-AF65-F5344CB8AC3E}">
-        <p14:creationId xmlns:p14="http://schemas.microsoft.com/office/powerpoint/2010/main" val="4004169455"/>
+        <p14:creationId xmlns:p14="http://schemas.microsoft.com/office/powerpoint/2010/main" val="1872803577"/>
       </p:ext>
     </p:extLst>
   </p:cSld>
@@ -2483,13 +2680,7 @@
       </p:grpSpPr>
       <p:sp>
         <p:nvSpPr>
-          <p:cNvPr id="2" name="Titre 1">
-            <a:extLst>
-              <a:ext uri="{FF2B5EF4-FFF2-40B4-BE49-F238E27FC236}">
-                <a16:creationId xmlns:a16="http://schemas.microsoft.com/office/drawing/2014/main" id="{379C2E45-324B-4A74-8307-C9E6D099EF10}"/>
-              </a:ext>
-            </a:extLst>
-          </p:cNvPr>
+          <p:cNvPr id="2" name="Title 1"/>
           <p:cNvSpPr>
             <a:spLocks noGrp="1"/>
           </p:cNvSpPr>
@@ -2499,15 +2690,15 @@
         </p:nvSpPr>
         <p:spPr>
           <a:xfrm>
-            <a:off x="839788" y="457200"/>
-            <a:ext cx="3932237" cy="1600200"/>
+            <a:off x="472381" y="812800"/>
+            <a:ext cx="2211884" cy="2844800"/>
           </a:xfrm>
         </p:spPr>
         <p:txBody>
           <a:bodyPr anchor="b"/>
           <a:lstStyle>
             <a:lvl1pPr>
-              <a:defRPr sz="3200"/>
+              <a:defRPr sz="2400"/>
             </a:lvl1pPr>
           </a:lstStyle>
           <a:p>
@@ -2515,20 +2706,15 @@
               <a:rPr lang="fr-FR"/>
               <a:t>Modifiez le style du titre</a:t>
             </a:r>
-          </a:p>
-        </p:txBody>
-      </p:sp>
-      <p:sp>
-        <p:nvSpPr>
-          <p:cNvPr id="3" name="Espace réservé pour une image  2">
-            <a:extLst>
-              <a:ext uri="{FF2B5EF4-FFF2-40B4-BE49-F238E27FC236}">
-                <a16:creationId xmlns:a16="http://schemas.microsoft.com/office/drawing/2014/main" id="{554681E8-CD8F-4900-8289-7F3E70D03684}"/>
-              </a:ext>
-            </a:extLst>
-          </p:cNvPr>
+            <a:endParaRPr lang="en-US" dirty="0"/>
+          </a:p>
+        </p:txBody>
+      </p:sp>
+      <p:sp>
+        <p:nvSpPr>
+          <p:cNvPr id="3" name="Picture Placeholder 2"/>
           <p:cNvSpPr>
-            <a:spLocks noGrp="1"/>
+            <a:spLocks noGrp="1" noChangeAspect="1"/>
           </p:cNvSpPr>
           <p:nvPr>
             <p:ph type="pic" idx="1"/>
@@ -2536,64 +2722,62 @@
         </p:nvSpPr>
         <p:spPr>
           <a:xfrm>
-            <a:off x="5183188" y="987425"/>
-            <a:ext cx="6172200" cy="4873625"/>
-          </a:xfrm>
-        </p:spPr>
-        <p:txBody>
-          <a:bodyPr/>
+            <a:off x="2915543" y="1755425"/>
+            <a:ext cx="3471863" cy="8664222"/>
+          </a:xfrm>
+        </p:spPr>
+        <p:txBody>
+          <a:bodyPr anchor="t"/>
           <a:lstStyle>
             <a:lvl1pPr marL="0" indent="0">
               <a:buNone/>
-              <a:defRPr sz="3200"/>
+              <a:defRPr sz="2400"/>
             </a:lvl1pPr>
-            <a:lvl2pPr marL="457200" indent="0">
+            <a:lvl2pPr marL="342900" indent="0">
               <a:buNone/>
-              <a:defRPr sz="2800"/>
+              <a:defRPr sz="2100"/>
             </a:lvl2pPr>
-            <a:lvl3pPr marL="914400" indent="0">
+            <a:lvl3pPr marL="685800" indent="0">
               <a:buNone/>
-              <a:defRPr sz="2400"/>
+              <a:defRPr sz="1800"/>
             </a:lvl3pPr>
-            <a:lvl4pPr marL="1371600" indent="0">
+            <a:lvl4pPr marL="1028700" indent="0">
               <a:buNone/>
-              <a:defRPr sz="2000"/>
+              <a:defRPr sz="1500"/>
             </a:lvl4pPr>
-            <a:lvl5pPr marL="1828800" indent="0">
+            <a:lvl5pPr marL="1371600" indent="0">
               <a:buNone/>
-              <a:defRPr sz="2000"/>
+              <a:defRPr sz="1500"/>
             </a:lvl5pPr>
-            <a:lvl6pPr marL="2286000" indent="0">
+            <a:lvl6pPr marL="1714500" indent="0">
               <a:buNone/>
-              <a:defRPr sz="2000"/>
+              <a:defRPr sz="1500"/>
             </a:lvl6pPr>
-            <a:lvl7pPr marL="2743200" indent="0">
+            <a:lvl7pPr marL="2057400" indent="0">
               <a:buNone/>
-              <a:defRPr sz="2000"/>
+              <a:defRPr sz="1500"/>
             </a:lvl7pPr>
-            <a:lvl8pPr marL="3200400" indent="0">
+            <a:lvl8pPr marL="2400300" indent="0">
               <a:buNone/>
-              <a:defRPr sz="2000"/>
+              <a:defRPr sz="1500"/>
             </a:lvl8pPr>
-            <a:lvl9pPr marL="3657600" indent="0">
+            <a:lvl9pPr marL="2743200" indent="0">
               <a:buNone/>
-              <a:defRPr sz="2000"/>
+              <a:defRPr sz="1500"/>
             </a:lvl9pPr>
           </a:lstStyle>
           <a:p>
-            <a:endParaRPr lang="fr-FR"/>
-          </a:p>
-        </p:txBody>
-      </p:sp>
-      <p:sp>
-        <p:nvSpPr>
-          <p:cNvPr id="4" name="Espace réservé du texte 3">
-            <a:extLst>
-              <a:ext uri="{FF2B5EF4-FFF2-40B4-BE49-F238E27FC236}">
-                <a16:creationId xmlns:a16="http://schemas.microsoft.com/office/drawing/2014/main" id="{EADAE072-860A-44F3-A0CA-5436A37811FC}"/>
-              </a:ext>
-            </a:extLst>
-          </p:cNvPr>
+            <a:r>
+              <a:rPr lang="fr-FR"/>
+              <a:t>Cliquez sur l'icône pour ajouter une image</a:t>
+            </a:r>
+            <a:endParaRPr lang="en-US" dirty="0"/>
+          </a:p>
+        </p:txBody>
+      </p:sp>
+      <p:sp>
+        <p:nvSpPr>
+          <p:cNvPr id="4" name="Text Placeholder 3"/>
           <p:cNvSpPr>
             <a:spLocks noGrp="1"/>
           </p:cNvSpPr>
@@ -2603,8 +2787,8 @@
         </p:nvSpPr>
         <p:spPr>
           <a:xfrm>
-            <a:off x="839788" y="2057400"/>
-            <a:ext cx="3932237" cy="3811588"/>
+            <a:off x="472381" y="3657600"/>
+            <a:ext cx="2211884" cy="6776156"/>
           </a:xfrm>
         </p:spPr>
         <p:txBody>
@@ -2612,39 +2796,39 @@
           <a:lstStyle>
             <a:lvl1pPr marL="0" indent="0">
               <a:buNone/>
-              <a:defRPr sz="1600"/>
+              <a:defRPr sz="1200"/>
             </a:lvl1pPr>
-            <a:lvl2pPr marL="457200" indent="0">
+            <a:lvl2pPr marL="342900" indent="0">
               <a:buNone/>
-              <a:defRPr sz="1400"/>
+              <a:defRPr sz="1050"/>
             </a:lvl2pPr>
-            <a:lvl3pPr marL="914400" indent="0">
+            <a:lvl3pPr marL="685800" indent="0">
               <a:buNone/>
-              <a:defRPr sz="1200"/>
+              <a:defRPr sz="900"/>
             </a:lvl3pPr>
-            <a:lvl4pPr marL="1371600" indent="0">
+            <a:lvl4pPr marL="1028700" indent="0">
               <a:buNone/>
-              <a:defRPr sz="1000"/>
+              <a:defRPr sz="750"/>
             </a:lvl4pPr>
-            <a:lvl5pPr marL="1828800" indent="0">
+            <a:lvl5pPr marL="1371600" indent="0">
               <a:buNone/>
-              <a:defRPr sz="1000"/>
+              <a:defRPr sz="750"/>
             </a:lvl5pPr>
-            <a:lvl6pPr marL="2286000" indent="0">
+            <a:lvl6pPr marL="1714500" indent="0">
               <a:buNone/>
-              <a:defRPr sz="1000"/>
+              <a:defRPr sz="750"/>
             </a:lvl6pPr>
-            <a:lvl7pPr marL="2743200" indent="0">
+            <a:lvl7pPr marL="2057400" indent="0">
               <a:buNone/>
-              <a:defRPr sz="1000"/>
+              <a:defRPr sz="750"/>
             </a:lvl7pPr>
-            <a:lvl8pPr marL="3200400" indent="0">
+            <a:lvl8pPr marL="2400300" indent="0">
               <a:buNone/>
-              <a:defRPr sz="1000"/>
+              <a:defRPr sz="750"/>
             </a:lvl8pPr>
-            <a:lvl9pPr marL="3657600" indent="0">
+            <a:lvl9pPr marL="2743200" indent="0">
               <a:buNone/>
-              <a:defRPr sz="1000"/>
+              <a:defRPr sz="750"/>
             </a:lvl9pPr>
           </a:lstStyle>
           <a:p>
@@ -2658,13 +2842,7 @@
       </p:sp>
       <p:sp>
         <p:nvSpPr>
-          <p:cNvPr id="5" name="Espace réservé de la date 4">
-            <a:extLst>
-              <a:ext uri="{FF2B5EF4-FFF2-40B4-BE49-F238E27FC236}">
-                <a16:creationId xmlns:a16="http://schemas.microsoft.com/office/drawing/2014/main" id="{5F4D4F25-A751-494B-A33D-6D4B75E2DCFD}"/>
-              </a:ext>
-            </a:extLst>
-          </p:cNvPr>
+          <p:cNvPr id="5" name="Date Placeholder 4"/>
           <p:cNvSpPr>
             <a:spLocks noGrp="1"/>
           </p:cNvSpPr>
@@ -2687,13 +2865,7 @@
       </p:sp>
       <p:sp>
         <p:nvSpPr>
-          <p:cNvPr id="6" name="Espace réservé du pied de page 5">
-            <a:extLst>
-              <a:ext uri="{FF2B5EF4-FFF2-40B4-BE49-F238E27FC236}">
-                <a16:creationId xmlns:a16="http://schemas.microsoft.com/office/drawing/2014/main" id="{7770ABC7-6782-4E66-9316-79AD01CF089F}"/>
-              </a:ext>
-            </a:extLst>
-          </p:cNvPr>
+          <p:cNvPr id="6" name="Footer Placeholder 5"/>
           <p:cNvSpPr>
             <a:spLocks noGrp="1"/>
           </p:cNvSpPr>
@@ -2712,13 +2884,7 @@
       </p:sp>
       <p:sp>
         <p:nvSpPr>
-          <p:cNvPr id="7" name="Espace réservé du numéro de diapositive 6">
-            <a:extLst>
-              <a:ext uri="{FF2B5EF4-FFF2-40B4-BE49-F238E27FC236}">
-                <a16:creationId xmlns:a16="http://schemas.microsoft.com/office/drawing/2014/main" id="{5981567C-1AEE-4823-B0C6-C6D47BA92A88}"/>
-              </a:ext>
-            </a:extLst>
-          </p:cNvPr>
+          <p:cNvPr id="7" name="Slide Number Placeholder 6"/>
           <p:cNvSpPr>
             <a:spLocks noGrp="1"/>
           </p:cNvSpPr>
@@ -2742,7 +2908,7 @@
     </p:spTree>
     <p:extLst>
       <p:ext uri="{BB962C8B-B14F-4D97-AF65-F5344CB8AC3E}">
-        <p14:creationId xmlns:p14="http://schemas.microsoft.com/office/powerpoint/2010/main" val="3478284249"/>
+        <p14:creationId xmlns:p14="http://schemas.microsoft.com/office/powerpoint/2010/main" val="2480361854"/>
       </p:ext>
     </p:extLst>
   </p:cSld>
@@ -2776,13 +2942,7 @@
       </p:grpSpPr>
       <p:sp>
         <p:nvSpPr>
-          <p:cNvPr id="2" name="Espace réservé du titre 1">
-            <a:extLst>
-              <a:ext uri="{FF2B5EF4-FFF2-40B4-BE49-F238E27FC236}">
-                <a16:creationId xmlns:a16="http://schemas.microsoft.com/office/drawing/2014/main" id="{36BF1A4D-2EB8-4793-B576-5B2CC0CB1C7F}"/>
-              </a:ext>
-            </a:extLst>
-          </p:cNvPr>
+          <p:cNvPr id="2" name="Title Placeholder 1"/>
           <p:cNvSpPr>
             <a:spLocks noGrp="1"/>
           </p:cNvSpPr>
@@ -2792,8 +2952,8 @@
         </p:nvSpPr>
         <p:spPr>
           <a:xfrm>
-            <a:off x="838200" y="365125"/>
-            <a:ext cx="10515600" cy="1325563"/>
+            <a:off x="471488" y="649114"/>
+            <a:ext cx="5915025" cy="2356556"/>
           </a:xfrm>
           <a:prstGeom prst="rect">
             <a:avLst/>
@@ -2809,18 +2969,13 @@
               <a:rPr lang="fr-FR"/>
               <a:t>Modifiez le style du titre</a:t>
             </a:r>
-          </a:p>
-        </p:txBody>
-      </p:sp>
-      <p:sp>
-        <p:nvSpPr>
-          <p:cNvPr id="3" name="Espace réservé du texte 2">
-            <a:extLst>
-              <a:ext uri="{FF2B5EF4-FFF2-40B4-BE49-F238E27FC236}">
-                <a16:creationId xmlns:a16="http://schemas.microsoft.com/office/drawing/2014/main" id="{F186E1AE-637E-476B-A346-833CDF4EFC1A}"/>
-              </a:ext>
-            </a:extLst>
-          </p:cNvPr>
+            <a:endParaRPr lang="en-US" dirty="0"/>
+          </a:p>
+        </p:txBody>
+      </p:sp>
+      <p:sp>
+        <p:nvSpPr>
+          <p:cNvPr id="3" name="Text Placeholder 2"/>
           <p:cNvSpPr>
             <a:spLocks noGrp="1"/>
           </p:cNvSpPr>
@@ -2830,8 +2985,8 @@
         </p:nvSpPr>
         <p:spPr>
           <a:xfrm>
-            <a:off x="838200" y="1825625"/>
-            <a:ext cx="10515600" cy="4351338"/>
+            <a:off x="471488" y="3245556"/>
+            <a:ext cx="5915025" cy="7735712"/>
           </a:xfrm>
           <a:prstGeom prst="rect">
             <a:avLst/>
@@ -2876,18 +3031,13 @@
               <a:rPr lang="fr-FR"/>
               <a:t>Cinquième niveau</a:t>
             </a:r>
-          </a:p>
-        </p:txBody>
-      </p:sp>
-      <p:sp>
-        <p:nvSpPr>
-          <p:cNvPr id="4" name="Espace réservé de la date 3">
-            <a:extLst>
-              <a:ext uri="{FF2B5EF4-FFF2-40B4-BE49-F238E27FC236}">
-                <a16:creationId xmlns:a16="http://schemas.microsoft.com/office/drawing/2014/main" id="{A8BE30CE-280D-4FAD-B964-75A9996588E4}"/>
-              </a:ext>
-            </a:extLst>
-          </p:cNvPr>
+            <a:endParaRPr lang="en-US" dirty="0"/>
+          </a:p>
+        </p:txBody>
+      </p:sp>
+      <p:sp>
+        <p:nvSpPr>
+          <p:cNvPr id="4" name="Date Placeholder 3"/>
           <p:cNvSpPr>
             <a:spLocks noGrp="1"/>
           </p:cNvSpPr>
@@ -2897,8 +3047,8 @@
         </p:nvSpPr>
         <p:spPr>
           <a:xfrm>
-            <a:off x="838200" y="6356350"/>
-            <a:ext cx="2743200" cy="365125"/>
+            <a:off x="471488" y="11300181"/>
+            <a:ext cx="1543050" cy="649111"/>
           </a:xfrm>
           <a:prstGeom prst="rect">
             <a:avLst/>
@@ -2908,7 +3058,7 @@
           <a:bodyPr vert="horz" lIns="91440" tIns="45720" rIns="91440" bIns="45720" rtlCol="0" anchor="ctr"/>
           <a:lstStyle>
             <a:lvl1pPr algn="l">
-              <a:defRPr sz="1200">
+              <a:defRPr sz="900">
                 <a:solidFill>
                   <a:schemeClr val="tx1">
                     <a:tint val="75000"/>
@@ -2928,13 +3078,7 @@
       </p:sp>
       <p:sp>
         <p:nvSpPr>
-          <p:cNvPr id="5" name="Espace réservé du pied de page 4">
-            <a:extLst>
-              <a:ext uri="{FF2B5EF4-FFF2-40B4-BE49-F238E27FC236}">
-                <a16:creationId xmlns:a16="http://schemas.microsoft.com/office/drawing/2014/main" id="{D2501AF4-D271-4184-A7E4-074B36AE7A70}"/>
-              </a:ext>
-            </a:extLst>
-          </p:cNvPr>
+          <p:cNvPr id="5" name="Footer Placeholder 4"/>
           <p:cNvSpPr>
             <a:spLocks noGrp="1"/>
           </p:cNvSpPr>
@@ -2944,8 +3088,8 @@
         </p:nvSpPr>
         <p:spPr>
           <a:xfrm>
-            <a:off x="4038600" y="6356350"/>
-            <a:ext cx="4114800" cy="365125"/>
+            <a:off x="2271713" y="11300181"/>
+            <a:ext cx="2314575" cy="649111"/>
           </a:xfrm>
           <a:prstGeom prst="rect">
             <a:avLst/>
@@ -2955,7 +3099,7 @@
           <a:bodyPr vert="horz" lIns="91440" tIns="45720" rIns="91440" bIns="45720" rtlCol="0" anchor="ctr"/>
           <a:lstStyle>
             <a:lvl1pPr algn="ctr">
-              <a:defRPr sz="1200">
+              <a:defRPr sz="900">
                 <a:solidFill>
                   <a:schemeClr val="tx1">
                     <a:tint val="75000"/>
@@ -2971,13 +3115,7 @@
       </p:sp>
       <p:sp>
         <p:nvSpPr>
-          <p:cNvPr id="6" name="Espace réservé du numéro de diapositive 5">
-            <a:extLst>
-              <a:ext uri="{FF2B5EF4-FFF2-40B4-BE49-F238E27FC236}">
-                <a16:creationId xmlns:a16="http://schemas.microsoft.com/office/drawing/2014/main" id="{A95067A7-C103-44D2-B3EE-0C2FF248723C}"/>
-              </a:ext>
-            </a:extLst>
-          </p:cNvPr>
+          <p:cNvPr id="6" name="Slide Number Placeholder 5"/>
           <p:cNvSpPr>
             <a:spLocks noGrp="1"/>
           </p:cNvSpPr>
@@ -2987,8 +3125,8 @@
         </p:nvSpPr>
         <p:spPr>
           <a:xfrm>
-            <a:off x="8610600" y="6356350"/>
-            <a:ext cx="2743200" cy="365125"/>
+            <a:off x="4843463" y="11300181"/>
+            <a:ext cx="1543050" cy="649111"/>
           </a:xfrm>
           <a:prstGeom prst="rect">
             <a:avLst/>
@@ -2998,7 +3136,7 @@
           <a:bodyPr vert="horz" lIns="91440" tIns="45720" rIns="91440" bIns="45720" rtlCol="0" anchor="ctr"/>
           <a:lstStyle>
             <a:lvl1pPr algn="r">
-              <a:defRPr sz="1200">
+              <a:defRPr sz="900">
                 <a:solidFill>
                   <a:schemeClr val="tx1">
                     <a:tint val="75000"/>
@@ -3019,27 +3157,27 @@
     </p:spTree>
     <p:extLst>
       <p:ext uri="{BB962C8B-B14F-4D97-AF65-F5344CB8AC3E}">
-        <p14:creationId xmlns:p14="http://schemas.microsoft.com/office/powerpoint/2010/main" val="1896046119"/>
+        <p14:creationId xmlns:p14="http://schemas.microsoft.com/office/powerpoint/2010/main" val="3602268892"/>
       </p:ext>
     </p:extLst>
   </p:cSld>
   <p:clrMap bg1="lt1" tx1="dk1" bg2="lt2" tx2="dk2" accent1="accent1" accent2="accent2" accent3="accent3" accent4="accent4" accent5="accent5" accent6="accent6" hlink="hlink" folHlink="folHlink"/>
   <p:sldLayoutIdLst>
-    <p:sldLayoutId id="2147483649" r:id="rId1"/>
-    <p:sldLayoutId id="2147483650" r:id="rId2"/>
-    <p:sldLayoutId id="2147483651" r:id="rId3"/>
-    <p:sldLayoutId id="2147483652" r:id="rId4"/>
-    <p:sldLayoutId id="2147483653" r:id="rId5"/>
-    <p:sldLayoutId id="2147483654" r:id="rId6"/>
-    <p:sldLayoutId id="2147483655" r:id="rId7"/>
-    <p:sldLayoutId id="2147483656" r:id="rId8"/>
-    <p:sldLayoutId id="2147483657" r:id="rId9"/>
-    <p:sldLayoutId id="2147483658" r:id="rId10"/>
-    <p:sldLayoutId id="2147483659" r:id="rId11"/>
+    <p:sldLayoutId id="2147483661" r:id="rId1"/>
+    <p:sldLayoutId id="2147483662" r:id="rId2"/>
+    <p:sldLayoutId id="2147483663" r:id="rId3"/>
+    <p:sldLayoutId id="2147483664" r:id="rId4"/>
+    <p:sldLayoutId id="2147483665" r:id="rId5"/>
+    <p:sldLayoutId id="2147483666" r:id="rId6"/>
+    <p:sldLayoutId id="2147483667" r:id="rId7"/>
+    <p:sldLayoutId id="2147483668" r:id="rId8"/>
+    <p:sldLayoutId id="2147483669" r:id="rId9"/>
+    <p:sldLayoutId id="2147483670" r:id="rId10"/>
+    <p:sldLayoutId id="2147483671" r:id="rId11"/>
   </p:sldLayoutIdLst>
   <p:txStyles>
     <p:titleStyle>
-      <a:lvl1pPr algn="l" defTabSz="914400" rtl="0" eaLnBrk="1" latinLnBrk="0" hangingPunct="1">
+      <a:lvl1pPr algn="l" defTabSz="685800" rtl="0" eaLnBrk="1" latinLnBrk="0" hangingPunct="1">
         <a:lnSpc>
           <a:spcPct val="90000"/>
         </a:lnSpc>
@@ -3047,7 +3185,7 @@
           <a:spcPct val="0"/>
         </a:spcBef>
         <a:buNone/>
-        <a:defRPr sz="4400" kern="1200">
+        <a:defRPr sz="3300" kern="1200">
           <a:solidFill>
             <a:schemeClr val="tx1"/>
           </a:solidFill>
@@ -3058,16 +3196,16 @@
       </a:lvl1pPr>
     </p:titleStyle>
     <p:bodyStyle>
-      <a:lvl1pPr marL="228600" indent="-228600" algn="l" defTabSz="914400" rtl="0" eaLnBrk="1" latinLnBrk="0" hangingPunct="1">
+      <a:lvl1pPr marL="171450" indent="-171450" algn="l" defTabSz="685800" rtl="0" eaLnBrk="1" latinLnBrk="0" hangingPunct="1">
         <a:lnSpc>
           <a:spcPct val="90000"/>
         </a:lnSpc>
         <a:spcBef>
-          <a:spcPts val="1000"/>
+          <a:spcPts val="750"/>
         </a:spcBef>
         <a:buFont typeface="Arial" panose="020B0604020202020204" pitchFamily="34" charset="0"/>
         <a:buChar char="•"/>
-        <a:defRPr sz="2800" kern="1200">
+        <a:defRPr sz="2100" kern="1200">
           <a:solidFill>
             <a:schemeClr val="tx1"/>
           </a:solidFill>
@@ -3076,48 +3214,12 @@
           <a:cs typeface="+mn-cs"/>
         </a:defRPr>
       </a:lvl1pPr>
-      <a:lvl2pPr marL="685800" indent="-228600" algn="l" defTabSz="914400" rtl="0" eaLnBrk="1" latinLnBrk="0" hangingPunct="1">
+      <a:lvl2pPr marL="514350" indent="-171450" algn="l" defTabSz="685800" rtl="0" eaLnBrk="1" latinLnBrk="0" hangingPunct="1">
         <a:lnSpc>
           <a:spcPct val="90000"/>
         </a:lnSpc>
         <a:spcBef>
-          <a:spcPts val="500"/>
-        </a:spcBef>
-        <a:buFont typeface="Arial" panose="020B0604020202020204" pitchFamily="34" charset="0"/>
-        <a:buChar char="•"/>
-        <a:defRPr sz="2400" kern="1200">
-          <a:solidFill>
-            <a:schemeClr val="tx1"/>
-          </a:solidFill>
-          <a:latin typeface="+mn-lt"/>
-          <a:ea typeface="+mn-ea"/>
-          <a:cs typeface="+mn-cs"/>
-        </a:defRPr>
-      </a:lvl2pPr>
-      <a:lvl3pPr marL="1143000" indent="-228600" algn="l" defTabSz="914400" rtl="0" eaLnBrk="1" latinLnBrk="0" hangingPunct="1">
-        <a:lnSpc>
-          <a:spcPct val="90000"/>
-        </a:lnSpc>
-        <a:spcBef>
-          <a:spcPts val="500"/>
-        </a:spcBef>
-        <a:buFont typeface="Arial" panose="020B0604020202020204" pitchFamily="34" charset="0"/>
-        <a:buChar char="•"/>
-        <a:defRPr sz="2000" kern="1200">
-          <a:solidFill>
-            <a:schemeClr val="tx1"/>
-          </a:solidFill>
-          <a:latin typeface="+mn-lt"/>
-          <a:ea typeface="+mn-ea"/>
-          <a:cs typeface="+mn-cs"/>
-        </a:defRPr>
-      </a:lvl3pPr>
-      <a:lvl4pPr marL="1600200" indent="-228600" algn="l" defTabSz="914400" rtl="0" eaLnBrk="1" latinLnBrk="0" hangingPunct="1">
-        <a:lnSpc>
-          <a:spcPct val="90000"/>
-        </a:lnSpc>
-        <a:spcBef>
-          <a:spcPts val="500"/>
+          <a:spcPts val="375"/>
         </a:spcBef>
         <a:buFont typeface="Arial" panose="020B0604020202020204" pitchFamily="34" charset="0"/>
         <a:buChar char="•"/>
@@ -3129,17 +3231,53 @@
           <a:ea typeface="+mn-ea"/>
           <a:cs typeface="+mn-cs"/>
         </a:defRPr>
-      </a:lvl4pPr>
-      <a:lvl5pPr marL="2057400" indent="-228600" algn="l" defTabSz="914400" rtl="0" eaLnBrk="1" latinLnBrk="0" hangingPunct="1">
+      </a:lvl2pPr>
+      <a:lvl3pPr marL="857250" indent="-171450" algn="l" defTabSz="685800" rtl="0" eaLnBrk="1" latinLnBrk="0" hangingPunct="1">
         <a:lnSpc>
           <a:spcPct val="90000"/>
         </a:lnSpc>
         <a:spcBef>
-          <a:spcPts val="500"/>
+          <a:spcPts val="375"/>
         </a:spcBef>
         <a:buFont typeface="Arial" panose="020B0604020202020204" pitchFamily="34" charset="0"/>
         <a:buChar char="•"/>
-        <a:defRPr sz="1800" kern="1200">
+        <a:defRPr sz="1500" kern="1200">
+          <a:solidFill>
+            <a:schemeClr val="tx1"/>
+          </a:solidFill>
+          <a:latin typeface="+mn-lt"/>
+          <a:ea typeface="+mn-ea"/>
+          <a:cs typeface="+mn-cs"/>
+        </a:defRPr>
+      </a:lvl3pPr>
+      <a:lvl4pPr marL="1200150" indent="-171450" algn="l" defTabSz="685800" rtl="0" eaLnBrk="1" latinLnBrk="0" hangingPunct="1">
+        <a:lnSpc>
+          <a:spcPct val="90000"/>
+        </a:lnSpc>
+        <a:spcBef>
+          <a:spcPts val="375"/>
+        </a:spcBef>
+        <a:buFont typeface="Arial" panose="020B0604020202020204" pitchFamily="34" charset="0"/>
+        <a:buChar char="•"/>
+        <a:defRPr sz="1350" kern="1200">
+          <a:solidFill>
+            <a:schemeClr val="tx1"/>
+          </a:solidFill>
+          <a:latin typeface="+mn-lt"/>
+          <a:ea typeface="+mn-ea"/>
+          <a:cs typeface="+mn-cs"/>
+        </a:defRPr>
+      </a:lvl4pPr>
+      <a:lvl5pPr marL="1543050" indent="-171450" algn="l" defTabSz="685800" rtl="0" eaLnBrk="1" latinLnBrk="0" hangingPunct="1">
+        <a:lnSpc>
+          <a:spcPct val="90000"/>
+        </a:lnSpc>
+        <a:spcBef>
+          <a:spcPts val="375"/>
+        </a:spcBef>
+        <a:buFont typeface="Arial" panose="020B0604020202020204" pitchFamily="34" charset="0"/>
+        <a:buChar char="•"/>
+        <a:defRPr sz="1350" kern="1200">
           <a:solidFill>
             <a:schemeClr val="tx1"/>
           </a:solidFill>
@@ -3148,16 +3286,16 @@
           <a:cs typeface="+mn-cs"/>
         </a:defRPr>
       </a:lvl5pPr>
-      <a:lvl6pPr marL="2514600" indent="-228600" algn="l" defTabSz="914400" rtl="0" eaLnBrk="1" latinLnBrk="0" hangingPunct="1">
+      <a:lvl6pPr marL="1885950" indent="-171450" algn="l" defTabSz="685800" rtl="0" eaLnBrk="1" latinLnBrk="0" hangingPunct="1">
         <a:lnSpc>
           <a:spcPct val="90000"/>
         </a:lnSpc>
         <a:spcBef>
-          <a:spcPts val="500"/>
+          <a:spcPts val="375"/>
         </a:spcBef>
         <a:buFont typeface="Arial" panose="020B0604020202020204" pitchFamily="34" charset="0"/>
         <a:buChar char="•"/>
-        <a:defRPr sz="1800" kern="1200">
+        <a:defRPr sz="1350" kern="1200">
           <a:solidFill>
             <a:schemeClr val="tx1"/>
           </a:solidFill>
@@ -3166,16 +3304,16 @@
           <a:cs typeface="+mn-cs"/>
         </a:defRPr>
       </a:lvl6pPr>
-      <a:lvl7pPr marL="2971800" indent="-228600" algn="l" defTabSz="914400" rtl="0" eaLnBrk="1" latinLnBrk="0" hangingPunct="1">
+      <a:lvl7pPr marL="2228850" indent="-171450" algn="l" defTabSz="685800" rtl="0" eaLnBrk="1" latinLnBrk="0" hangingPunct="1">
         <a:lnSpc>
           <a:spcPct val="90000"/>
         </a:lnSpc>
         <a:spcBef>
-          <a:spcPts val="500"/>
+          <a:spcPts val="375"/>
         </a:spcBef>
         <a:buFont typeface="Arial" panose="020B0604020202020204" pitchFamily="34" charset="0"/>
         <a:buChar char="•"/>
-        <a:defRPr sz="1800" kern="1200">
+        <a:defRPr sz="1350" kern="1200">
           <a:solidFill>
             <a:schemeClr val="tx1"/>
           </a:solidFill>
@@ -3184,16 +3322,16 @@
           <a:cs typeface="+mn-cs"/>
         </a:defRPr>
       </a:lvl7pPr>
-      <a:lvl8pPr marL="3429000" indent="-228600" algn="l" defTabSz="914400" rtl="0" eaLnBrk="1" latinLnBrk="0" hangingPunct="1">
+      <a:lvl8pPr marL="2571750" indent="-171450" algn="l" defTabSz="685800" rtl="0" eaLnBrk="1" latinLnBrk="0" hangingPunct="1">
         <a:lnSpc>
           <a:spcPct val="90000"/>
         </a:lnSpc>
         <a:spcBef>
-          <a:spcPts val="500"/>
+          <a:spcPts val="375"/>
         </a:spcBef>
         <a:buFont typeface="Arial" panose="020B0604020202020204" pitchFamily="34" charset="0"/>
         <a:buChar char="•"/>
-        <a:defRPr sz="1800" kern="1200">
+        <a:defRPr sz="1350" kern="1200">
           <a:solidFill>
             <a:schemeClr val="tx1"/>
           </a:solidFill>
@@ -3202,16 +3340,16 @@
           <a:cs typeface="+mn-cs"/>
         </a:defRPr>
       </a:lvl8pPr>
-      <a:lvl9pPr marL="3886200" indent="-228600" algn="l" defTabSz="914400" rtl="0" eaLnBrk="1" latinLnBrk="0" hangingPunct="1">
+      <a:lvl9pPr marL="2914650" indent="-171450" algn="l" defTabSz="685800" rtl="0" eaLnBrk="1" latinLnBrk="0" hangingPunct="1">
         <a:lnSpc>
           <a:spcPct val="90000"/>
         </a:lnSpc>
         <a:spcBef>
-          <a:spcPts val="500"/>
+          <a:spcPts val="375"/>
         </a:spcBef>
         <a:buFont typeface="Arial" panose="020B0604020202020204" pitchFamily="34" charset="0"/>
         <a:buChar char="•"/>
-        <a:defRPr sz="1800" kern="1200">
+        <a:defRPr sz="1350" kern="1200">
           <a:solidFill>
             <a:schemeClr val="tx1"/>
           </a:solidFill>
@@ -3223,10 +3361,10 @@
     </p:bodyStyle>
     <p:otherStyle>
       <a:defPPr>
-        <a:defRPr lang="fr-FR"/>
+        <a:defRPr lang="en-US"/>
       </a:defPPr>
-      <a:lvl1pPr marL="0" algn="l" defTabSz="914400" rtl="0" eaLnBrk="1" latinLnBrk="0" hangingPunct="1">
-        <a:defRPr sz="1800" kern="1200">
+      <a:lvl1pPr marL="0" algn="l" defTabSz="685800" rtl="0" eaLnBrk="1" latinLnBrk="0" hangingPunct="1">
+        <a:defRPr sz="1350" kern="1200">
           <a:solidFill>
             <a:schemeClr val="tx1"/>
           </a:solidFill>
@@ -3235,8 +3373,8 @@
           <a:cs typeface="+mn-cs"/>
         </a:defRPr>
       </a:lvl1pPr>
-      <a:lvl2pPr marL="457200" algn="l" defTabSz="914400" rtl="0" eaLnBrk="1" latinLnBrk="0" hangingPunct="1">
-        <a:defRPr sz="1800" kern="1200">
+      <a:lvl2pPr marL="342900" algn="l" defTabSz="685800" rtl="0" eaLnBrk="1" latinLnBrk="0" hangingPunct="1">
+        <a:defRPr sz="1350" kern="1200">
           <a:solidFill>
             <a:schemeClr val="tx1"/>
           </a:solidFill>
@@ -3245,8 +3383,8 @@
           <a:cs typeface="+mn-cs"/>
         </a:defRPr>
       </a:lvl2pPr>
-      <a:lvl3pPr marL="914400" algn="l" defTabSz="914400" rtl="0" eaLnBrk="1" latinLnBrk="0" hangingPunct="1">
-        <a:defRPr sz="1800" kern="1200">
+      <a:lvl3pPr marL="685800" algn="l" defTabSz="685800" rtl="0" eaLnBrk="1" latinLnBrk="0" hangingPunct="1">
+        <a:defRPr sz="1350" kern="1200">
           <a:solidFill>
             <a:schemeClr val="tx1"/>
           </a:solidFill>
@@ -3255,8 +3393,8 @@
           <a:cs typeface="+mn-cs"/>
         </a:defRPr>
       </a:lvl3pPr>
-      <a:lvl4pPr marL="1371600" algn="l" defTabSz="914400" rtl="0" eaLnBrk="1" latinLnBrk="0" hangingPunct="1">
-        <a:defRPr sz="1800" kern="1200">
+      <a:lvl4pPr marL="1028700" algn="l" defTabSz="685800" rtl="0" eaLnBrk="1" latinLnBrk="0" hangingPunct="1">
+        <a:defRPr sz="1350" kern="1200">
           <a:solidFill>
             <a:schemeClr val="tx1"/>
           </a:solidFill>
@@ -3265,8 +3403,8 @@
           <a:cs typeface="+mn-cs"/>
         </a:defRPr>
       </a:lvl4pPr>
-      <a:lvl5pPr marL="1828800" algn="l" defTabSz="914400" rtl="0" eaLnBrk="1" latinLnBrk="0" hangingPunct="1">
-        <a:defRPr sz="1800" kern="1200">
+      <a:lvl5pPr marL="1371600" algn="l" defTabSz="685800" rtl="0" eaLnBrk="1" latinLnBrk="0" hangingPunct="1">
+        <a:defRPr sz="1350" kern="1200">
           <a:solidFill>
             <a:schemeClr val="tx1"/>
           </a:solidFill>
@@ -3275,8 +3413,8 @@
           <a:cs typeface="+mn-cs"/>
         </a:defRPr>
       </a:lvl5pPr>
-      <a:lvl6pPr marL="2286000" algn="l" defTabSz="914400" rtl="0" eaLnBrk="1" latinLnBrk="0" hangingPunct="1">
-        <a:defRPr sz="1800" kern="1200">
+      <a:lvl6pPr marL="1714500" algn="l" defTabSz="685800" rtl="0" eaLnBrk="1" latinLnBrk="0" hangingPunct="1">
+        <a:defRPr sz="1350" kern="1200">
           <a:solidFill>
             <a:schemeClr val="tx1"/>
           </a:solidFill>
@@ -3285,8 +3423,8 @@
           <a:cs typeface="+mn-cs"/>
         </a:defRPr>
       </a:lvl6pPr>
-      <a:lvl7pPr marL="2743200" algn="l" defTabSz="914400" rtl="0" eaLnBrk="1" latinLnBrk="0" hangingPunct="1">
-        <a:defRPr sz="1800" kern="1200">
+      <a:lvl7pPr marL="2057400" algn="l" defTabSz="685800" rtl="0" eaLnBrk="1" latinLnBrk="0" hangingPunct="1">
+        <a:defRPr sz="1350" kern="1200">
           <a:solidFill>
             <a:schemeClr val="tx1"/>
           </a:solidFill>
@@ -3295,8 +3433,8 @@
           <a:cs typeface="+mn-cs"/>
         </a:defRPr>
       </a:lvl7pPr>
-      <a:lvl8pPr marL="3200400" algn="l" defTabSz="914400" rtl="0" eaLnBrk="1" latinLnBrk="0" hangingPunct="1">
-        <a:defRPr sz="1800" kern="1200">
+      <a:lvl8pPr marL="2400300" algn="l" defTabSz="685800" rtl="0" eaLnBrk="1" latinLnBrk="0" hangingPunct="1">
+        <a:defRPr sz="1350" kern="1200">
           <a:solidFill>
             <a:schemeClr val="tx1"/>
           </a:solidFill>
@@ -3305,8 +3443,8 @@
           <a:cs typeface="+mn-cs"/>
         </a:defRPr>
       </a:lvl8pPr>
-      <a:lvl9pPr marL="3657600" algn="l" defTabSz="914400" rtl="0" eaLnBrk="1" latinLnBrk="0" hangingPunct="1">
-        <a:defRPr sz="1800" kern="1200">
+      <a:lvl9pPr marL="2743200" algn="l" defTabSz="685800" rtl="0" eaLnBrk="1" latinLnBrk="0" hangingPunct="1">
+        <a:defRPr sz="1350" kern="1200">
           <a:solidFill>
             <a:schemeClr val="tx1"/>
           </a:solidFill>
@@ -3350,10 +3488,2570 @@
 </p:sld>
 </file>
 
+<file path=ppt/slides/slide2.xml><?xml version="1.0" encoding="utf-8"?>
+<p:sld xmlns:a="http://schemas.openxmlformats.org/drawingml/2006/main" xmlns:r="http://schemas.openxmlformats.org/officeDocument/2006/relationships" xmlns:p="http://schemas.openxmlformats.org/presentationml/2006/main">
+  <p:cSld>
+    <p:spTree>
+      <p:nvGrpSpPr>
+        <p:cNvPr id="1" name=""/>
+        <p:cNvGrpSpPr/>
+        <p:nvPr/>
+      </p:nvGrpSpPr>
+      <p:grpSpPr>
+        <a:xfrm>
+          <a:off x="0" y="0"/>
+          <a:ext cx="0" cy="0"/>
+          <a:chOff x="0" y="0"/>
+          <a:chExt cx="0" cy="0"/>
+        </a:xfrm>
+      </p:grpSpPr>
+      <p:sp>
+        <p:nvSpPr>
+          <p:cNvPr id="11" name="Rectangle 10">
+            <a:extLst>
+              <a:ext uri="{FF2B5EF4-FFF2-40B4-BE49-F238E27FC236}">
+                <a16:creationId xmlns:a16="http://schemas.microsoft.com/office/drawing/2014/main" id="{612DCE03-7458-41FD-B762-A354C04AD6CC}"/>
+              </a:ext>
+            </a:extLst>
+          </p:cNvPr>
+          <p:cNvSpPr/>
+          <p:nvPr/>
+        </p:nvSpPr>
+        <p:spPr>
+          <a:xfrm>
+            <a:off x="0" y="1420238"/>
+            <a:ext cx="6858000" cy="8462902"/>
+          </a:xfrm>
+          <a:prstGeom prst="rect">
+            <a:avLst/>
+          </a:prstGeom>
+          <a:solidFill>
+            <a:schemeClr val="accent5">
+              <a:lumMod val="40000"/>
+              <a:lumOff val="60000"/>
+            </a:schemeClr>
+          </a:solidFill>
+          <a:ln>
+            <a:noFill/>
+          </a:ln>
+        </p:spPr>
+        <p:style>
+          <a:lnRef idx="2">
+            <a:schemeClr val="accent1">
+              <a:shade val="50000"/>
+            </a:schemeClr>
+          </a:lnRef>
+          <a:fillRef idx="1">
+            <a:schemeClr val="accent1"/>
+          </a:fillRef>
+          <a:effectRef idx="0">
+            <a:schemeClr val="accent1"/>
+          </a:effectRef>
+          <a:fontRef idx="minor">
+            <a:schemeClr val="lt1"/>
+          </a:fontRef>
+        </p:style>
+        <p:txBody>
+          <a:bodyPr rtlCol="0" anchor="ctr"/>
+          <a:lstStyle/>
+          <a:p>
+            <a:pPr algn="ctr"/>
+            <a:endParaRPr lang="fr-FR"/>
+          </a:p>
+        </p:txBody>
+      </p:sp>
+      <p:sp>
+        <p:nvSpPr>
+          <p:cNvPr id="19" name="Rectangle 18">
+            <a:extLst>
+              <a:ext uri="{FF2B5EF4-FFF2-40B4-BE49-F238E27FC236}">
+                <a16:creationId xmlns:a16="http://schemas.microsoft.com/office/drawing/2014/main" id="{ECE4CA7B-0F11-4296-AA3A-F8A99CCE5141}"/>
+              </a:ext>
+            </a:extLst>
+          </p:cNvPr>
+          <p:cNvSpPr/>
+          <p:nvPr/>
+        </p:nvSpPr>
+        <p:spPr>
+          <a:xfrm>
+            <a:off x="-1" y="1420238"/>
+            <a:ext cx="2447926" cy="8462902"/>
+          </a:xfrm>
+          <a:prstGeom prst="rect">
+            <a:avLst/>
+          </a:prstGeom>
+        </p:spPr>
+        <p:style>
+          <a:lnRef idx="2">
+            <a:schemeClr val="accent1">
+              <a:shade val="50000"/>
+            </a:schemeClr>
+          </a:lnRef>
+          <a:fillRef idx="1">
+            <a:schemeClr val="accent1"/>
+          </a:fillRef>
+          <a:effectRef idx="0">
+            <a:schemeClr val="accent1"/>
+          </a:effectRef>
+          <a:fontRef idx="minor">
+            <a:schemeClr val="lt1"/>
+          </a:fontRef>
+        </p:style>
+        <p:txBody>
+          <a:bodyPr rtlCol="0" anchor="ctr"/>
+          <a:lstStyle/>
+          <a:p>
+            <a:pPr algn="ctr"/>
+            <a:endParaRPr lang="fr-FR"/>
+          </a:p>
+        </p:txBody>
+      </p:sp>
+      <p:sp>
+        <p:nvSpPr>
+          <p:cNvPr id="23" name="Rectangle 22">
+            <a:extLst>
+              <a:ext uri="{FF2B5EF4-FFF2-40B4-BE49-F238E27FC236}">
+                <a16:creationId xmlns:a16="http://schemas.microsoft.com/office/drawing/2014/main" id="{C1F07AB0-0FD0-466B-9872-CF4CFAE90F1F}"/>
+              </a:ext>
+            </a:extLst>
+          </p:cNvPr>
+          <p:cNvSpPr/>
+          <p:nvPr/>
+        </p:nvSpPr>
+        <p:spPr>
+          <a:xfrm>
+            <a:off x="99060" y="1514475"/>
+            <a:ext cx="2272665" cy="5867400"/>
+          </a:xfrm>
+          <a:prstGeom prst="rect">
+            <a:avLst/>
+          </a:prstGeom>
+          <a:ln>
+            <a:noFill/>
+          </a:ln>
+        </p:spPr>
+        <p:style>
+          <a:lnRef idx="2">
+            <a:schemeClr val="accent6">
+              <a:shade val="50000"/>
+            </a:schemeClr>
+          </a:lnRef>
+          <a:fillRef idx="1">
+            <a:schemeClr val="accent6"/>
+          </a:fillRef>
+          <a:effectRef idx="0">
+            <a:schemeClr val="accent6"/>
+          </a:effectRef>
+          <a:fontRef idx="minor">
+            <a:schemeClr val="lt1"/>
+          </a:fontRef>
+        </p:style>
+        <p:txBody>
+          <a:bodyPr rtlCol="0" anchor="ctr"/>
+          <a:lstStyle/>
+          <a:p>
+            <a:pPr algn="ctr"/>
+            <a:endParaRPr lang="fr-FR"/>
+          </a:p>
+        </p:txBody>
+      </p:sp>
+      <p:sp>
+        <p:nvSpPr>
+          <p:cNvPr id="2" name="Rectangle 1">
+            <a:extLst>
+              <a:ext uri="{FF2B5EF4-FFF2-40B4-BE49-F238E27FC236}">
+                <a16:creationId xmlns:a16="http://schemas.microsoft.com/office/drawing/2014/main" id="{6999C0C1-79D9-46CE-9F8E-E3D5DDAAD615}"/>
+              </a:ext>
+            </a:extLst>
+          </p:cNvPr>
+          <p:cNvSpPr/>
+          <p:nvPr/>
+        </p:nvSpPr>
+        <p:spPr>
+          <a:xfrm>
+            <a:off x="0" y="0"/>
+            <a:ext cx="6858000" cy="1420238"/>
+          </a:xfrm>
+          <a:prstGeom prst="rect">
+            <a:avLst/>
+          </a:prstGeom>
+        </p:spPr>
+        <p:style>
+          <a:lnRef idx="2">
+            <a:schemeClr val="accent1">
+              <a:shade val="50000"/>
+            </a:schemeClr>
+          </a:lnRef>
+          <a:fillRef idx="1">
+            <a:schemeClr val="accent1"/>
+          </a:fillRef>
+          <a:effectRef idx="0">
+            <a:schemeClr val="accent1"/>
+          </a:effectRef>
+          <a:fontRef idx="minor">
+            <a:schemeClr val="lt1"/>
+          </a:fontRef>
+        </p:style>
+        <p:txBody>
+          <a:bodyPr rtlCol="0" anchor="ctr"/>
+          <a:lstStyle/>
+          <a:p>
+            <a:pPr algn="ctr"/>
+            <a:endParaRPr lang="fr-FR"/>
+          </a:p>
+        </p:txBody>
+      </p:sp>
+      <p:sp>
+        <p:nvSpPr>
+          <p:cNvPr id="3" name="ZoneTexte 2">
+            <a:extLst>
+              <a:ext uri="{FF2B5EF4-FFF2-40B4-BE49-F238E27FC236}">
+                <a16:creationId xmlns:a16="http://schemas.microsoft.com/office/drawing/2014/main" id="{835E582D-6CEB-43B2-94C5-E3210F8C965A}"/>
+              </a:ext>
+            </a:extLst>
+          </p:cNvPr>
+          <p:cNvSpPr txBox="1"/>
+          <p:nvPr/>
+        </p:nvSpPr>
+        <p:spPr>
+          <a:xfrm>
+            <a:off x="-1070044" y="525450"/>
+            <a:ext cx="894945" cy="369332"/>
+          </a:xfrm>
+          <a:prstGeom prst="rect">
+            <a:avLst/>
+          </a:prstGeom>
+          <a:noFill/>
+        </p:spPr>
+        <p:txBody>
+          <a:bodyPr wrap="square" rtlCol="0">
+            <a:spAutoFit/>
+          </a:bodyPr>
+          <a:lstStyle/>
+          <a:p>
+            <a:r>
+              <a:rPr lang="fr-FR" dirty="0">
+                <a:solidFill>
+                  <a:schemeClr val="accent1"/>
+                </a:solidFill>
+              </a:rPr>
+              <a:t>Header</a:t>
+            </a:r>
+          </a:p>
+        </p:txBody>
+      </p:sp>
+      <p:sp>
+        <p:nvSpPr>
+          <p:cNvPr id="4" name="ZoneTexte 3">
+            <a:extLst>
+              <a:ext uri="{FF2B5EF4-FFF2-40B4-BE49-F238E27FC236}">
+                <a16:creationId xmlns:a16="http://schemas.microsoft.com/office/drawing/2014/main" id="{886C3EFA-5117-4FF6-A83F-54CAAE85576E}"/>
+              </a:ext>
+            </a:extLst>
+          </p:cNvPr>
+          <p:cNvSpPr txBox="1"/>
+          <p:nvPr/>
+        </p:nvSpPr>
+        <p:spPr>
+          <a:xfrm>
+            <a:off x="155643" y="155642"/>
+            <a:ext cx="894945" cy="1108953"/>
+          </a:xfrm>
+          <a:prstGeom prst="rect">
+            <a:avLst/>
+          </a:prstGeom>
+        </p:spPr>
+        <p:style>
+          <a:lnRef idx="2">
+            <a:schemeClr val="accent6">
+              <a:shade val="50000"/>
+            </a:schemeClr>
+          </a:lnRef>
+          <a:fillRef idx="1">
+            <a:schemeClr val="accent6"/>
+          </a:fillRef>
+          <a:effectRef idx="0">
+            <a:schemeClr val="accent6"/>
+          </a:effectRef>
+          <a:fontRef idx="minor">
+            <a:schemeClr val="lt1"/>
+          </a:fontRef>
+        </p:style>
+        <p:txBody>
+          <a:bodyPr wrap="square" rtlCol="0">
+            <a:spAutoFit/>
+          </a:bodyPr>
+          <a:lstStyle/>
+          <a:p>
+            <a:endParaRPr lang="fr-FR" dirty="0"/>
+          </a:p>
+        </p:txBody>
+      </p:sp>
+      <p:sp>
+        <p:nvSpPr>
+          <p:cNvPr id="5" name="ZoneTexte 4">
+            <a:extLst>
+              <a:ext uri="{FF2B5EF4-FFF2-40B4-BE49-F238E27FC236}">
+                <a16:creationId xmlns:a16="http://schemas.microsoft.com/office/drawing/2014/main" id="{B9E12587-40D3-4AA2-AB76-6897411C62C6}"/>
+              </a:ext>
+            </a:extLst>
+          </p:cNvPr>
+          <p:cNvSpPr txBox="1"/>
+          <p:nvPr/>
+        </p:nvSpPr>
+        <p:spPr>
+          <a:xfrm>
+            <a:off x="1147865" y="155640"/>
+            <a:ext cx="4562270" cy="1108953"/>
+          </a:xfrm>
+          <a:prstGeom prst="rect">
+            <a:avLst/>
+          </a:prstGeom>
+        </p:spPr>
+        <p:style>
+          <a:lnRef idx="2">
+            <a:schemeClr val="accent6">
+              <a:shade val="50000"/>
+            </a:schemeClr>
+          </a:lnRef>
+          <a:fillRef idx="1">
+            <a:schemeClr val="accent6"/>
+          </a:fillRef>
+          <a:effectRef idx="0">
+            <a:schemeClr val="accent6"/>
+          </a:effectRef>
+          <a:fontRef idx="minor">
+            <a:schemeClr val="lt1"/>
+          </a:fontRef>
+        </p:style>
+        <p:txBody>
+          <a:bodyPr wrap="square" rtlCol="0">
+            <a:spAutoFit/>
+          </a:bodyPr>
+          <a:lstStyle/>
+          <a:p>
+            <a:endParaRPr lang="fr-FR" dirty="0"/>
+          </a:p>
+        </p:txBody>
+      </p:sp>
+      <p:sp>
+        <p:nvSpPr>
+          <p:cNvPr id="6" name="ZoneTexte 5">
+            <a:extLst>
+              <a:ext uri="{FF2B5EF4-FFF2-40B4-BE49-F238E27FC236}">
+                <a16:creationId xmlns:a16="http://schemas.microsoft.com/office/drawing/2014/main" id="{76B83386-4BF8-474E-840E-206D25C33BF9}"/>
+              </a:ext>
+            </a:extLst>
+          </p:cNvPr>
+          <p:cNvSpPr txBox="1"/>
+          <p:nvPr/>
+        </p:nvSpPr>
+        <p:spPr>
+          <a:xfrm>
+            <a:off x="5807411" y="155639"/>
+            <a:ext cx="894945" cy="1108953"/>
+          </a:xfrm>
+          <a:prstGeom prst="rect">
+            <a:avLst/>
+          </a:prstGeom>
+        </p:spPr>
+        <p:style>
+          <a:lnRef idx="2">
+            <a:schemeClr val="accent6">
+              <a:shade val="50000"/>
+            </a:schemeClr>
+          </a:lnRef>
+          <a:fillRef idx="1">
+            <a:schemeClr val="accent6"/>
+          </a:fillRef>
+          <a:effectRef idx="0">
+            <a:schemeClr val="accent6"/>
+          </a:effectRef>
+          <a:fontRef idx="minor">
+            <a:schemeClr val="lt1"/>
+          </a:fontRef>
+        </p:style>
+        <p:txBody>
+          <a:bodyPr wrap="square" rtlCol="0">
+            <a:spAutoFit/>
+          </a:bodyPr>
+          <a:lstStyle/>
+          <a:p>
+            <a:endParaRPr lang="fr-FR" dirty="0"/>
+          </a:p>
+        </p:txBody>
+      </p:sp>
+      <p:sp>
+        <p:nvSpPr>
+          <p:cNvPr id="7" name="ZoneTexte 6">
+            <a:extLst>
+              <a:ext uri="{FF2B5EF4-FFF2-40B4-BE49-F238E27FC236}">
+                <a16:creationId xmlns:a16="http://schemas.microsoft.com/office/drawing/2014/main" id="{5A5AB0F5-BF8E-4880-AF9A-2B4979406366}"/>
+              </a:ext>
+            </a:extLst>
+          </p:cNvPr>
+          <p:cNvSpPr txBox="1"/>
+          <p:nvPr/>
+        </p:nvSpPr>
+        <p:spPr>
+          <a:xfrm>
+            <a:off x="176559" y="209463"/>
+            <a:ext cx="836579" cy="923330"/>
+          </a:xfrm>
+          <a:prstGeom prst="rect">
+            <a:avLst/>
+          </a:prstGeom>
+          <a:noFill/>
+        </p:spPr>
+        <p:txBody>
+          <a:bodyPr wrap="square" rtlCol="0">
+            <a:spAutoFit/>
+          </a:bodyPr>
+          <a:lstStyle/>
+          <a:p>
+            <a:pPr algn="ctr"/>
+            <a:r>
+              <a:rPr lang="fr-FR" dirty="0">
+                <a:solidFill>
+                  <a:schemeClr val="bg1"/>
+                </a:solidFill>
+              </a:rPr>
+              <a:t>Nav</a:t>
+            </a:r>
+          </a:p>
+          <a:p>
+            <a:pPr algn="ctr"/>
+            <a:endParaRPr lang="fr-FR" dirty="0">
+              <a:solidFill>
+                <a:schemeClr val="bg1"/>
+              </a:solidFill>
+            </a:endParaRPr>
+          </a:p>
+          <a:p>
+            <a:pPr algn="ctr"/>
+            <a:r>
+              <a:rPr lang="fr-FR" dirty="0">
+                <a:solidFill>
+                  <a:schemeClr val="bg1"/>
+                </a:solidFill>
+              </a:rPr>
+              <a:t>1 </a:t>
+            </a:r>
+          </a:p>
+        </p:txBody>
+      </p:sp>
+      <p:sp>
+        <p:nvSpPr>
+          <p:cNvPr id="8" name="Rectangle 7">
+            <a:extLst>
+              <a:ext uri="{FF2B5EF4-FFF2-40B4-BE49-F238E27FC236}">
+                <a16:creationId xmlns:a16="http://schemas.microsoft.com/office/drawing/2014/main" id="{BA688D65-A3C2-4F9B-A333-D0D8F27CF0EF}"/>
+              </a:ext>
+            </a:extLst>
+          </p:cNvPr>
+          <p:cNvSpPr/>
+          <p:nvPr/>
+        </p:nvSpPr>
+        <p:spPr>
+          <a:xfrm>
+            <a:off x="3352536" y="273990"/>
+            <a:ext cx="471604" cy="923330"/>
+          </a:xfrm>
+          <a:prstGeom prst="rect">
+            <a:avLst/>
+          </a:prstGeom>
+        </p:spPr>
+        <p:txBody>
+          <a:bodyPr wrap="none">
+            <a:spAutoFit/>
+          </a:bodyPr>
+          <a:lstStyle/>
+          <a:p>
+            <a:pPr algn="ctr"/>
+            <a:r>
+              <a:rPr lang="fr-FR" dirty="0">
+                <a:solidFill>
+                  <a:schemeClr val="bg1"/>
+                </a:solidFill>
+              </a:rPr>
+              <a:t>H1</a:t>
+            </a:r>
+          </a:p>
+          <a:p>
+            <a:pPr algn="ctr"/>
+            <a:endParaRPr lang="fr-FR" dirty="0">
+              <a:solidFill>
+                <a:schemeClr val="bg1"/>
+              </a:solidFill>
+            </a:endParaRPr>
+          </a:p>
+          <a:p>
+            <a:pPr algn="ctr"/>
+            <a:r>
+              <a:rPr lang="fr-FR" dirty="0">
+                <a:solidFill>
+                  <a:schemeClr val="bg1"/>
+                </a:solidFill>
+              </a:rPr>
+              <a:t>10 </a:t>
+            </a:r>
+          </a:p>
+        </p:txBody>
+      </p:sp>
+      <p:sp>
+        <p:nvSpPr>
+          <p:cNvPr id="9" name="Rectangle 8">
+            <a:extLst>
+              <a:ext uri="{FF2B5EF4-FFF2-40B4-BE49-F238E27FC236}">
+                <a16:creationId xmlns:a16="http://schemas.microsoft.com/office/drawing/2014/main" id="{CAAC2F99-7CD3-43FF-A51E-41D497843474}"/>
+              </a:ext>
+            </a:extLst>
+          </p:cNvPr>
+          <p:cNvSpPr/>
+          <p:nvPr/>
+        </p:nvSpPr>
+        <p:spPr>
+          <a:xfrm>
+            <a:off x="6086245" y="209463"/>
+            <a:ext cx="354584" cy="923330"/>
+          </a:xfrm>
+          <a:prstGeom prst="rect">
+            <a:avLst/>
+          </a:prstGeom>
+        </p:spPr>
+        <p:txBody>
+          <a:bodyPr wrap="none">
+            <a:spAutoFit/>
+          </a:bodyPr>
+          <a:lstStyle/>
+          <a:p>
+            <a:pPr algn="ctr"/>
+            <a:r>
+              <a:rPr lang="fr-FR" dirty="0">
+                <a:solidFill>
+                  <a:schemeClr val="bg1"/>
+                </a:solidFill>
+              </a:rPr>
+              <a:t>A</a:t>
+            </a:r>
+          </a:p>
+          <a:p>
+            <a:pPr algn="ctr"/>
+            <a:endParaRPr lang="fr-FR" dirty="0">
+              <a:solidFill>
+                <a:schemeClr val="bg1"/>
+              </a:solidFill>
+            </a:endParaRPr>
+          </a:p>
+          <a:p>
+            <a:pPr algn="ctr"/>
+            <a:r>
+              <a:rPr lang="fr-FR" dirty="0">
+                <a:solidFill>
+                  <a:schemeClr val="bg1"/>
+                </a:solidFill>
+              </a:rPr>
+              <a:t>1 </a:t>
+            </a:r>
+          </a:p>
+        </p:txBody>
+      </p:sp>
+      <p:sp>
+        <p:nvSpPr>
+          <p:cNvPr id="12" name="ZoneTexte 11">
+            <a:extLst>
+              <a:ext uri="{FF2B5EF4-FFF2-40B4-BE49-F238E27FC236}">
+                <a16:creationId xmlns:a16="http://schemas.microsoft.com/office/drawing/2014/main" id="{3595159F-E7AB-42A5-B765-C4D2614E61D9}"/>
+              </a:ext>
+            </a:extLst>
+          </p:cNvPr>
+          <p:cNvSpPr txBox="1"/>
+          <p:nvPr/>
+        </p:nvSpPr>
+        <p:spPr>
+          <a:xfrm>
+            <a:off x="-1070045" y="5943599"/>
+            <a:ext cx="894945" cy="646331"/>
+          </a:xfrm>
+          <a:prstGeom prst="rect">
+            <a:avLst/>
+          </a:prstGeom>
+          <a:noFill/>
+        </p:spPr>
+        <p:txBody>
+          <a:bodyPr wrap="square" rtlCol="0">
+            <a:spAutoFit/>
+          </a:bodyPr>
+          <a:lstStyle/>
+          <a:p>
+            <a:r>
+              <a:rPr lang="fr-FR" dirty="0">
+                <a:solidFill>
+                  <a:schemeClr val="accent1"/>
+                </a:solidFill>
+              </a:rPr>
+              <a:t>6x section</a:t>
+            </a:r>
+          </a:p>
+        </p:txBody>
+      </p:sp>
+      <p:sp>
+        <p:nvSpPr>
+          <p:cNvPr id="13" name="Rectangle 12">
+            <a:extLst>
+              <a:ext uri="{FF2B5EF4-FFF2-40B4-BE49-F238E27FC236}">
+                <a16:creationId xmlns:a16="http://schemas.microsoft.com/office/drawing/2014/main" id="{71ED8705-CA07-497C-8B4A-FD2D8E622111}"/>
+              </a:ext>
+            </a:extLst>
+          </p:cNvPr>
+          <p:cNvSpPr/>
+          <p:nvPr/>
+        </p:nvSpPr>
+        <p:spPr>
+          <a:xfrm>
+            <a:off x="0" y="9883140"/>
+            <a:ext cx="6858000" cy="2308860"/>
+          </a:xfrm>
+          <a:prstGeom prst="rect">
+            <a:avLst/>
+          </a:prstGeom>
+          <a:ln>
+            <a:noFill/>
+          </a:ln>
+        </p:spPr>
+        <p:style>
+          <a:lnRef idx="2">
+            <a:schemeClr val="accent3">
+              <a:shade val="50000"/>
+            </a:schemeClr>
+          </a:lnRef>
+          <a:fillRef idx="1">
+            <a:schemeClr val="accent3"/>
+          </a:fillRef>
+          <a:effectRef idx="0">
+            <a:schemeClr val="accent3"/>
+          </a:effectRef>
+          <a:fontRef idx="minor">
+            <a:schemeClr val="lt1"/>
+          </a:fontRef>
+        </p:style>
+        <p:txBody>
+          <a:bodyPr rtlCol="0" anchor="ctr"/>
+          <a:lstStyle/>
+          <a:p>
+            <a:pPr algn="ctr"/>
+            <a:endParaRPr lang="fr-FR"/>
+          </a:p>
+        </p:txBody>
+      </p:sp>
+      <p:sp>
+        <p:nvSpPr>
+          <p:cNvPr id="14" name="Rectangle 13">
+            <a:extLst>
+              <a:ext uri="{FF2B5EF4-FFF2-40B4-BE49-F238E27FC236}">
+                <a16:creationId xmlns:a16="http://schemas.microsoft.com/office/drawing/2014/main" id="{864E1A8F-6962-4F4D-AD66-2CC718A16D48}"/>
+              </a:ext>
+            </a:extLst>
+          </p:cNvPr>
+          <p:cNvSpPr/>
+          <p:nvPr/>
+        </p:nvSpPr>
+        <p:spPr>
+          <a:xfrm>
+            <a:off x="99060" y="9974580"/>
+            <a:ext cx="6675120" cy="472440"/>
+          </a:xfrm>
+          <a:prstGeom prst="rect">
+            <a:avLst/>
+          </a:prstGeom>
+          <a:solidFill>
+            <a:schemeClr val="bg1">
+              <a:lumMod val="50000"/>
+            </a:schemeClr>
+          </a:solidFill>
+          <a:ln>
+            <a:noFill/>
+          </a:ln>
+        </p:spPr>
+        <p:style>
+          <a:lnRef idx="2">
+            <a:schemeClr val="accent1">
+              <a:shade val="50000"/>
+            </a:schemeClr>
+          </a:lnRef>
+          <a:fillRef idx="1">
+            <a:schemeClr val="accent1"/>
+          </a:fillRef>
+          <a:effectRef idx="0">
+            <a:schemeClr val="accent1"/>
+          </a:effectRef>
+          <a:fontRef idx="minor">
+            <a:schemeClr val="lt1"/>
+          </a:fontRef>
+        </p:style>
+        <p:txBody>
+          <a:bodyPr rtlCol="0" anchor="ctr"/>
+          <a:lstStyle/>
+          <a:p>
+            <a:pPr algn="ctr"/>
+            <a:endParaRPr lang="fr-FR"/>
+          </a:p>
+        </p:txBody>
+      </p:sp>
+      <p:sp>
+        <p:nvSpPr>
+          <p:cNvPr id="15" name="Rectangle 14">
+            <a:extLst>
+              <a:ext uri="{FF2B5EF4-FFF2-40B4-BE49-F238E27FC236}">
+                <a16:creationId xmlns:a16="http://schemas.microsoft.com/office/drawing/2014/main" id="{D37F25B8-443F-4A78-A2AB-2ABC778A2471}"/>
+              </a:ext>
+            </a:extLst>
+          </p:cNvPr>
+          <p:cNvSpPr/>
+          <p:nvPr/>
+        </p:nvSpPr>
+        <p:spPr>
+          <a:xfrm>
+            <a:off x="99060" y="10530840"/>
+            <a:ext cx="6675120" cy="472440"/>
+          </a:xfrm>
+          <a:prstGeom prst="rect">
+            <a:avLst/>
+          </a:prstGeom>
+          <a:solidFill>
+            <a:schemeClr val="bg1">
+              <a:lumMod val="50000"/>
+            </a:schemeClr>
+          </a:solidFill>
+          <a:ln>
+            <a:noFill/>
+          </a:ln>
+        </p:spPr>
+        <p:style>
+          <a:lnRef idx="2">
+            <a:schemeClr val="accent1">
+              <a:shade val="50000"/>
+            </a:schemeClr>
+          </a:lnRef>
+          <a:fillRef idx="1">
+            <a:schemeClr val="accent1"/>
+          </a:fillRef>
+          <a:effectRef idx="0">
+            <a:schemeClr val="accent1"/>
+          </a:effectRef>
+          <a:fontRef idx="minor">
+            <a:schemeClr val="lt1"/>
+          </a:fontRef>
+        </p:style>
+        <p:txBody>
+          <a:bodyPr rtlCol="0" anchor="ctr"/>
+          <a:lstStyle/>
+          <a:p>
+            <a:pPr algn="ctr"/>
+            <a:endParaRPr lang="fr-FR"/>
+          </a:p>
+        </p:txBody>
+      </p:sp>
+      <p:sp>
+        <p:nvSpPr>
+          <p:cNvPr id="16" name="Rectangle 15">
+            <a:extLst>
+              <a:ext uri="{FF2B5EF4-FFF2-40B4-BE49-F238E27FC236}">
+                <a16:creationId xmlns:a16="http://schemas.microsoft.com/office/drawing/2014/main" id="{665BA638-577E-4904-AA01-0C571B4D7269}"/>
+              </a:ext>
+            </a:extLst>
+          </p:cNvPr>
+          <p:cNvSpPr/>
+          <p:nvPr/>
+        </p:nvSpPr>
+        <p:spPr>
+          <a:xfrm>
+            <a:off x="91440" y="11087100"/>
+            <a:ext cx="6675120" cy="472440"/>
+          </a:xfrm>
+          <a:prstGeom prst="rect">
+            <a:avLst/>
+          </a:prstGeom>
+          <a:solidFill>
+            <a:schemeClr val="bg1">
+              <a:lumMod val="50000"/>
+            </a:schemeClr>
+          </a:solidFill>
+          <a:ln>
+            <a:noFill/>
+          </a:ln>
+        </p:spPr>
+        <p:style>
+          <a:lnRef idx="2">
+            <a:schemeClr val="accent1">
+              <a:shade val="50000"/>
+            </a:schemeClr>
+          </a:lnRef>
+          <a:fillRef idx="1">
+            <a:schemeClr val="accent1"/>
+          </a:fillRef>
+          <a:effectRef idx="0">
+            <a:schemeClr val="accent1"/>
+          </a:effectRef>
+          <a:fontRef idx="minor">
+            <a:schemeClr val="lt1"/>
+          </a:fontRef>
+        </p:style>
+        <p:txBody>
+          <a:bodyPr rtlCol="0" anchor="ctr"/>
+          <a:lstStyle/>
+          <a:p>
+            <a:pPr algn="ctr"/>
+            <a:endParaRPr lang="fr-FR"/>
+          </a:p>
+        </p:txBody>
+      </p:sp>
+      <p:sp>
+        <p:nvSpPr>
+          <p:cNvPr id="17" name="Rectangle 16">
+            <a:extLst>
+              <a:ext uri="{FF2B5EF4-FFF2-40B4-BE49-F238E27FC236}">
+                <a16:creationId xmlns:a16="http://schemas.microsoft.com/office/drawing/2014/main" id="{5F3BFAE6-1FFE-44FF-8ED3-2744838A8FBA}"/>
+              </a:ext>
+            </a:extLst>
+          </p:cNvPr>
+          <p:cNvSpPr/>
+          <p:nvPr/>
+        </p:nvSpPr>
+        <p:spPr>
+          <a:xfrm>
+            <a:off x="91440" y="11643360"/>
+            <a:ext cx="6675120" cy="472440"/>
+          </a:xfrm>
+          <a:prstGeom prst="rect">
+            <a:avLst/>
+          </a:prstGeom>
+          <a:solidFill>
+            <a:schemeClr val="bg1">
+              <a:lumMod val="50000"/>
+            </a:schemeClr>
+          </a:solidFill>
+          <a:ln>
+            <a:noFill/>
+          </a:ln>
+        </p:spPr>
+        <p:style>
+          <a:lnRef idx="2">
+            <a:schemeClr val="accent1">
+              <a:shade val="50000"/>
+            </a:schemeClr>
+          </a:lnRef>
+          <a:fillRef idx="1">
+            <a:schemeClr val="accent1"/>
+          </a:fillRef>
+          <a:effectRef idx="0">
+            <a:schemeClr val="accent1"/>
+          </a:effectRef>
+          <a:fontRef idx="minor">
+            <a:schemeClr val="lt1"/>
+          </a:fontRef>
+        </p:style>
+        <p:txBody>
+          <a:bodyPr rtlCol="0" anchor="ctr"/>
+          <a:lstStyle/>
+          <a:p>
+            <a:pPr algn="ctr"/>
+            <a:endParaRPr lang="fr-FR"/>
+          </a:p>
+        </p:txBody>
+      </p:sp>
+      <p:sp>
+        <p:nvSpPr>
+          <p:cNvPr id="18" name="ZoneTexte 17">
+            <a:extLst>
+              <a:ext uri="{FF2B5EF4-FFF2-40B4-BE49-F238E27FC236}">
+                <a16:creationId xmlns:a16="http://schemas.microsoft.com/office/drawing/2014/main" id="{2FF0B8DE-3D60-4E1C-8CB6-F62F2E393A81}"/>
+              </a:ext>
+            </a:extLst>
+          </p:cNvPr>
+          <p:cNvSpPr txBox="1"/>
+          <p:nvPr/>
+        </p:nvSpPr>
+        <p:spPr>
+          <a:xfrm>
+            <a:off x="-891540" y="10852904"/>
+            <a:ext cx="807720" cy="369332"/>
+          </a:xfrm>
+          <a:prstGeom prst="rect">
+            <a:avLst/>
+          </a:prstGeom>
+          <a:noFill/>
+        </p:spPr>
+        <p:txBody>
+          <a:bodyPr wrap="square" rtlCol="0">
+            <a:spAutoFit/>
+          </a:bodyPr>
+          <a:lstStyle/>
+          <a:p>
+            <a:r>
+              <a:rPr lang="fr-FR" dirty="0" err="1"/>
+              <a:t>footer</a:t>
+            </a:r>
+            <a:endParaRPr lang="fr-FR" dirty="0"/>
+          </a:p>
+        </p:txBody>
+      </p:sp>
+      <p:sp>
+        <p:nvSpPr>
+          <p:cNvPr id="20" name="Rectangle 19">
+            <a:extLst>
+              <a:ext uri="{FF2B5EF4-FFF2-40B4-BE49-F238E27FC236}">
+                <a16:creationId xmlns:a16="http://schemas.microsoft.com/office/drawing/2014/main" id="{FD775D33-7E7D-4EE9-B058-C252B6D1548C}"/>
+              </a:ext>
+            </a:extLst>
+          </p:cNvPr>
+          <p:cNvSpPr/>
+          <p:nvPr/>
+        </p:nvSpPr>
+        <p:spPr>
+          <a:xfrm>
+            <a:off x="176558" y="1638300"/>
+            <a:ext cx="2109442" cy="422018"/>
+          </a:xfrm>
+          <a:prstGeom prst="rect">
+            <a:avLst/>
+          </a:prstGeom>
+          <a:ln>
+            <a:noFill/>
+          </a:ln>
+        </p:spPr>
+        <p:style>
+          <a:lnRef idx="3">
+            <a:schemeClr val="lt1"/>
+          </a:lnRef>
+          <a:fillRef idx="1">
+            <a:schemeClr val="accent2"/>
+          </a:fillRef>
+          <a:effectRef idx="1">
+            <a:schemeClr val="accent2"/>
+          </a:effectRef>
+          <a:fontRef idx="minor">
+            <a:schemeClr val="lt1"/>
+          </a:fontRef>
+        </p:style>
+        <p:txBody>
+          <a:bodyPr rtlCol="0" anchor="ctr"/>
+          <a:lstStyle/>
+          <a:p>
+            <a:pPr algn="ctr"/>
+            <a:endParaRPr lang="fr-FR"/>
+          </a:p>
+        </p:txBody>
+      </p:sp>
+      <p:sp>
+        <p:nvSpPr>
+          <p:cNvPr id="21" name="Rectangle 20">
+            <a:extLst>
+              <a:ext uri="{FF2B5EF4-FFF2-40B4-BE49-F238E27FC236}">
+                <a16:creationId xmlns:a16="http://schemas.microsoft.com/office/drawing/2014/main" id="{90666136-FDF0-4FBE-A4D7-21DE534BCC90}"/>
+              </a:ext>
+            </a:extLst>
+          </p:cNvPr>
+          <p:cNvSpPr/>
+          <p:nvPr/>
+        </p:nvSpPr>
+        <p:spPr>
+          <a:xfrm>
+            <a:off x="176558" y="2161402"/>
+            <a:ext cx="2109441" cy="422018"/>
+          </a:xfrm>
+          <a:prstGeom prst="rect">
+            <a:avLst/>
+          </a:prstGeom>
+          <a:ln>
+            <a:noFill/>
+          </a:ln>
+        </p:spPr>
+        <p:style>
+          <a:lnRef idx="3">
+            <a:schemeClr val="lt1"/>
+          </a:lnRef>
+          <a:fillRef idx="1">
+            <a:schemeClr val="accent2"/>
+          </a:fillRef>
+          <a:effectRef idx="1">
+            <a:schemeClr val="accent2"/>
+          </a:effectRef>
+          <a:fontRef idx="minor">
+            <a:schemeClr val="lt1"/>
+          </a:fontRef>
+        </p:style>
+        <p:txBody>
+          <a:bodyPr rtlCol="0" anchor="ctr"/>
+          <a:lstStyle/>
+          <a:p>
+            <a:pPr algn="ctr"/>
+            <a:endParaRPr lang="fr-FR"/>
+          </a:p>
+        </p:txBody>
+      </p:sp>
+      <p:sp>
+        <p:nvSpPr>
+          <p:cNvPr id="22" name="Rectangle 21">
+            <a:extLst>
+              <a:ext uri="{FF2B5EF4-FFF2-40B4-BE49-F238E27FC236}">
+                <a16:creationId xmlns:a16="http://schemas.microsoft.com/office/drawing/2014/main" id="{A0C6E26E-09B1-4303-963D-B313714865C9}"/>
+              </a:ext>
+            </a:extLst>
+          </p:cNvPr>
+          <p:cNvSpPr/>
+          <p:nvPr/>
+        </p:nvSpPr>
+        <p:spPr>
+          <a:xfrm>
+            <a:off x="176556" y="2703315"/>
+            <a:ext cx="2109443" cy="3585798"/>
+          </a:xfrm>
+          <a:prstGeom prst="rect">
+            <a:avLst/>
+          </a:prstGeom>
+          <a:ln>
+            <a:noFill/>
+          </a:ln>
+        </p:spPr>
+        <p:style>
+          <a:lnRef idx="3">
+            <a:schemeClr val="lt1"/>
+          </a:lnRef>
+          <a:fillRef idx="1">
+            <a:schemeClr val="accent2"/>
+          </a:fillRef>
+          <a:effectRef idx="1">
+            <a:schemeClr val="accent2"/>
+          </a:effectRef>
+          <a:fontRef idx="minor">
+            <a:schemeClr val="lt1"/>
+          </a:fontRef>
+        </p:style>
+        <p:txBody>
+          <a:bodyPr rtlCol="0" anchor="ctr"/>
+          <a:lstStyle/>
+          <a:p>
+            <a:pPr algn="ctr"/>
+            <a:endParaRPr lang="fr-FR"/>
+          </a:p>
+        </p:txBody>
+      </p:sp>
+      <p:sp>
+        <p:nvSpPr>
+          <p:cNvPr id="24" name="Rectangle 23">
+            <a:extLst>
+              <a:ext uri="{FF2B5EF4-FFF2-40B4-BE49-F238E27FC236}">
+                <a16:creationId xmlns:a16="http://schemas.microsoft.com/office/drawing/2014/main" id="{20FE545C-57A1-452D-AB89-1F13AB88F663}"/>
+              </a:ext>
+            </a:extLst>
+          </p:cNvPr>
+          <p:cNvSpPr/>
+          <p:nvPr/>
+        </p:nvSpPr>
+        <p:spPr>
+          <a:xfrm>
+            <a:off x="169240" y="6372933"/>
+            <a:ext cx="2109441" cy="422018"/>
+          </a:xfrm>
+          <a:prstGeom prst="rect">
+            <a:avLst/>
+          </a:prstGeom>
+          <a:ln>
+            <a:noFill/>
+          </a:ln>
+        </p:spPr>
+        <p:style>
+          <a:lnRef idx="3">
+            <a:schemeClr val="lt1"/>
+          </a:lnRef>
+          <a:fillRef idx="1">
+            <a:schemeClr val="accent2"/>
+          </a:fillRef>
+          <a:effectRef idx="1">
+            <a:schemeClr val="accent2"/>
+          </a:effectRef>
+          <a:fontRef idx="minor">
+            <a:schemeClr val="lt1"/>
+          </a:fontRef>
+        </p:style>
+        <p:txBody>
+          <a:bodyPr rtlCol="0" anchor="ctr"/>
+          <a:lstStyle/>
+          <a:p>
+            <a:pPr algn="ctr"/>
+            <a:endParaRPr lang="fr-FR"/>
+          </a:p>
+        </p:txBody>
+      </p:sp>
+      <p:sp>
+        <p:nvSpPr>
+          <p:cNvPr id="25" name="Rectangle 24">
+            <a:extLst>
+              <a:ext uri="{FF2B5EF4-FFF2-40B4-BE49-F238E27FC236}">
+                <a16:creationId xmlns:a16="http://schemas.microsoft.com/office/drawing/2014/main" id="{B4D7F32E-A247-4EF5-A38A-A839FC8E6229}"/>
+              </a:ext>
+            </a:extLst>
+          </p:cNvPr>
+          <p:cNvSpPr/>
+          <p:nvPr/>
+        </p:nvSpPr>
+        <p:spPr>
+          <a:xfrm>
+            <a:off x="169240" y="6894080"/>
+            <a:ext cx="2109441" cy="422018"/>
+          </a:xfrm>
+          <a:prstGeom prst="rect">
+            <a:avLst/>
+          </a:prstGeom>
+          <a:ln>
+            <a:noFill/>
+          </a:ln>
+        </p:spPr>
+        <p:style>
+          <a:lnRef idx="3">
+            <a:schemeClr val="lt1"/>
+          </a:lnRef>
+          <a:fillRef idx="1">
+            <a:schemeClr val="accent2"/>
+          </a:fillRef>
+          <a:effectRef idx="1">
+            <a:schemeClr val="accent2"/>
+          </a:effectRef>
+          <a:fontRef idx="minor">
+            <a:schemeClr val="lt1"/>
+          </a:fontRef>
+        </p:style>
+        <p:txBody>
+          <a:bodyPr rtlCol="0" anchor="ctr"/>
+          <a:lstStyle/>
+          <a:p>
+            <a:pPr algn="ctr"/>
+            <a:endParaRPr lang="fr-FR"/>
+          </a:p>
+        </p:txBody>
+      </p:sp>
+      <p:sp>
+        <p:nvSpPr>
+          <p:cNvPr id="26" name="Rectangle 25">
+            <a:extLst>
+              <a:ext uri="{FF2B5EF4-FFF2-40B4-BE49-F238E27FC236}">
+                <a16:creationId xmlns:a16="http://schemas.microsoft.com/office/drawing/2014/main" id="{1E3664AF-E95F-427C-B4BB-B0F82721B8EA}"/>
+              </a:ext>
+            </a:extLst>
+          </p:cNvPr>
+          <p:cNvSpPr/>
+          <p:nvPr/>
+        </p:nvSpPr>
+        <p:spPr>
+          <a:xfrm>
+            <a:off x="285750" y="3180107"/>
+            <a:ext cx="1914525" cy="1883847"/>
+          </a:xfrm>
+          <a:prstGeom prst="rect">
+            <a:avLst/>
+          </a:prstGeom>
+        </p:spPr>
+        <p:style>
+          <a:lnRef idx="2">
+            <a:schemeClr val="accent1">
+              <a:shade val="50000"/>
+            </a:schemeClr>
+          </a:lnRef>
+          <a:fillRef idx="1">
+            <a:schemeClr val="accent1"/>
+          </a:fillRef>
+          <a:effectRef idx="0">
+            <a:schemeClr val="accent1"/>
+          </a:effectRef>
+          <a:fontRef idx="minor">
+            <a:schemeClr val="lt1"/>
+          </a:fontRef>
+        </p:style>
+        <p:txBody>
+          <a:bodyPr rtlCol="0" anchor="ctr"/>
+          <a:lstStyle/>
+          <a:p>
+            <a:pPr algn="ctr"/>
+            <a:endParaRPr lang="fr-FR"/>
+          </a:p>
+        </p:txBody>
+      </p:sp>
+      <p:sp>
+        <p:nvSpPr>
+          <p:cNvPr id="27" name="Rectangle 26">
+            <a:extLst>
+              <a:ext uri="{FF2B5EF4-FFF2-40B4-BE49-F238E27FC236}">
+                <a16:creationId xmlns:a16="http://schemas.microsoft.com/office/drawing/2014/main" id="{FEFA8810-1214-4C5B-BF1F-0FB12847E06E}"/>
+              </a:ext>
+            </a:extLst>
+          </p:cNvPr>
+          <p:cNvSpPr/>
+          <p:nvPr/>
+        </p:nvSpPr>
+        <p:spPr>
+          <a:xfrm>
+            <a:off x="285750" y="5177434"/>
+            <a:ext cx="1914525" cy="267385"/>
+          </a:xfrm>
+          <a:prstGeom prst="rect">
+            <a:avLst/>
+          </a:prstGeom>
+        </p:spPr>
+        <p:style>
+          <a:lnRef idx="2">
+            <a:schemeClr val="accent1">
+              <a:shade val="50000"/>
+            </a:schemeClr>
+          </a:lnRef>
+          <a:fillRef idx="1">
+            <a:schemeClr val="accent1"/>
+          </a:fillRef>
+          <a:effectRef idx="0">
+            <a:schemeClr val="accent1"/>
+          </a:effectRef>
+          <a:fontRef idx="minor">
+            <a:schemeClr val="lt1"/>
+          </a:fontRef>
+        </p:style>
+        <p:txBody>
+          <a:bodyPr rtlCol="0" anchor="ctr"/>
+          <a:lstStyle/>
+          <a:p>
+            <a:pPr algn="ctr"/>
+            <a:endParaRPr lang="fr-FR"/>
+          </a:p>
+        </p:txBody>
+      </p:sp>
+      <p:sp>
+        <p:nvSpPr>
+          <p:cNvPr id="28" name="Rectangle 27">
+            <a:extLst>
+              <a:ext uri="{FF2B5EF4-FFF2-40B4-BE49-F238E27FC236}">
+                <a16:creationId xmlns:a16="http://schemas.microsoft.com/office/drawing/2014/main" id="{3188A091-2EDB-4BD1-8331-CED25E614D0F}"/>
+              </a:ext>
+            </a:extLst>
+          </p:cNvPr>
+          <p:cNvSpPr/>
+          <p:nvPr/>
+        </p:nvSpPr>
+        <p:spPr>
+          <a:xfrm>
+            <a:off x="274014" y="5542841"/>
+            <a:ext cx="1914525" cy="267385"/>
+          </a:xfrm>
+          <a:prstGeom prst="rect">
+            <a:avLst/>
+          </a:prstGeom>
+        </p:spPr>
+        <p:style>
+          <a:lnRef idx="2">
+            <a:schemeClr val="accent1">
+              <a:shade val="50000"/>
+            </a:schemeClr>
+          </a:lnRef>
+          <a:fillRef idx="1">
+            <a:schemeClr val="accent1"/>
+          </a:fillRef>
+          <a:effectRef idx="0">
+            <a:schemeClr val="accent1"/>
+          </a:effectRef>
+          <a:fontRef idx="minor">
+            <a:schemeClr val="lt1"/>
+          </a:fontRef>
+        </p:style>
+        <p:txBody>
+          <a:bodyPr rtlCol="0" anchor="ctr"/>
+          <a:lstStyle/>
+          <a:p>
+            <a:pPr algn="ctr"/>
+            <a:endParaRPr lang="fr-FR"/>
+          </a:p>
+        </p:txBody>
+      </p:sp>
+      <p:sp>
+        <p:nvSpPr>
+          <p:cNvPr id="29" name="Rectangle 28">
+            <a:extLst>
+              <a:ext uri="{FF2B5EF4-FFF2-40B4-BE49-F238E27FC236}">
+                <a16:creationId xmlns:a16="http://schemas.microsoft.com/office/drawing/2014/main" id="{283F5C1A-3577-4D6A-B70E-63DA1D681350}"/>
+              </a:ext>
+            </a:extLst>
+          </p:cNvPr>
+          <p:cNvSpPr/>
+          <p:nvPr/>
+        </p:nvSpPr>
+        <p:spPr>
+          <a:xfrm>
+            <a:off x="285750" y="5916576"/>
+            <a:ext cx="1914525" cy="267385"/>
+          </a:xfrm>
+          <a:prstGeom prst="rect">
+            <a:avLst/>
+          </a:prstGeom>
+        </p:spPr>
+        <p:style>
+          <a:lnRef idx="2">
+            <a:schemeClr val="accent1">
+              <a:shade val="50000"/>
+            </a:schemeClr>
+          </a:lnRef>
+          <a:fillRef idx="1">
+            <a:schemeClr val="accent1"/>
+          </a:fillRef>
+          <a:effectRef idx="0">
+            <a:schemeClr val="accent1"/>
+          </a:effectRef>
+          <a:fontRef idx="minor">
+            <a:schemeClr val="lt1"/>
+          </a:fontRef>
+        </p:style>
+        <p:txBody>
+          <a:bodyPr rtlCol="0" anchor="ctr"/>
+          <a:lstStyle/>
+          <a:p>
+            <a:pPr algn="ctr"/>
+            <a:endParaRPr lang="fr-FR"/>
+          </a:p>
+        </p:txBody>
+      </p:sp>
+      <p:sp>
+        <p:nvSpPr>
+          <p:cNvPr id="30" name="Rectangle 29">
+            <a:extLst>
+              <a:ext uri="{FF2B5EF4-FFF2-40B4-BE49-F238E27FC236}">
+                <a16:creationId xmlns:a16="http://schemas.microsoft.com/office/drawing/2014/main" id="{E4B5FD9F-D59A-42C8-B5B0-6B34899E77D3}"/>
+              </a:ext>
+            </a:extLst>
+          </p:cNvPr>
+          <p:cNvSpPr/>
+          <p:nvPr/>
+        </p:nvSpPr>
+        <p:spPr>
+          <a:xfrm>
+            <a:off x="371474" y="4114491"/>
+            <a:ext cx="1743075" cy="234555"/>
+          </a:xfrm>
+          <a:prstGeom prst="rect">
+            <a:avLst/>
+          </a:prstGeom>
+          <a:solidFill>
+            <a:srgbClr val="7030A0"/>
+          </a:solidFill>
+          <a:ln>
+            <a:noFill/>
+          </a:ln>
+        </p:spPr>
+        <p:style>
+          <a:lnRef idx="2">
+            <a:schemeClr val="accent1">
+              <a:shade val="50000"/>
+            </a:schemeClr>
+          </a:lnRef>
+          <a:fillRef idx="1">
+            <a:schemeClr val="accent1"/>
+          </a:fillRef>
+          <a:effectRef idx="0">
+            <a:schemeClr val="accent1"/>
+          </a:effectRef>
+          <a:fontRef idx="minor">
+            <a:schemeClr val="lt1"/>
+          </a:fontRef>
+        </p:style>
+        <p:txBody>
+          <a:bodyPr rtlCol="0" anchor="ctr"/>
+          <a:lstStyle/>
+          <a:p>
+            <a:pPr algn="ctr"/>
+            <a:endParaRPr lang="fr-FR"/>
+          </a:p>
+        </p:txBody>
+      </p:sp>
+      <p:sp>
+        <p:nvSpPr>
+          <p:cNvPr id="31" name="Rectangle 30">
+            <a:extLst>
+              <a:ext uri="{FF2B5EF4-FFF2-40B4-BE49-F238E27FC236}">
+                <a16:creationId xmlns:a16="http://schemas.microsoft.com/office/drawing/2014/main" id="{65FA6CF7-87A6-48F1-B252-4C44E3E26D29}"/>
+              </a:ext>
+            </a:extLst>
+          </p:cNvPr>
+          <p:cNvSpPr/>
+          <p:nvPr/>
+        </p:nvSpPr>
+        <p:spPr>
+          <a:xfrm>
+            <a:off x="371474" y="4438340"/>
+            <a:ext cx="1743075" cy="234555"/>
+          </a:xfrm>
+          <a:prstGeom prst="rect">
+            <a:avLst/>
+          </a:prstGeom>
+          <a:solidFill>
+            <a:srgbClr val="7030A0"/>
+          </a:solidFill>
+          <a:ln>
+            <a:noFill/>
+          </a:ln>
+        </p:spPr>
+        <p:style>
+          <a:lnRef idx="2">
+            <a:schemeClr val="accent1">
+              <a:shade val="50000"/>
+            </a:schemeClr>
+          </a:lnRef>
+          <a:fillRef idx="1">
+            <a:schemeClr val="accent1"/>
+          </a:fillRef>
+          <a:effectRef idx="0">
+            <a:schemeClr val="accent1"/>
+          </a:effectRef>
+          <a:fontRef idx="minor">
+            <a:schemeClr val="lt1"/>
+          </a:fontRef>
+        </p:style>
+        <p:txBody>
+          <a:bodyPr rtlCol="0" anchor="ctr"/>
+          <a:lstStyle/>
+          <a:p>
+            <a:pPr algn="ctr"/>
+            <a:endParaRPr lang="fr-FR"/>
+          </a:p>
+        </p:txBody>
+      </p:sp>
+      <p:sp>
+        <p:nvSpPr>
+          <p:cNvPr id="32" name="Rectangle 31">
+            <a:extLst>
+              <a:ext uri="{FF2B5EF4-FFF2-40B4-BE49-F238E27FC236}">
+                <a16:creationId xmlns:a16="http://schemas.microsoft.com/office/drawing/2014/main" id="{8BB7639F-5E64-40DF-B22A-715EBDB7ABCC}"/>
+              </a:ext>
+            </a:extLst>
+          </p:cNvPr>
+          <p:cNvSpPr/>
+          <p:nvPr/>
+        </p:nvSpPr>
+        <p:spPr>
+          <a:xfrm>
+            <a:off x="371474" y="4760759"/>
+            <a:ext cx="1743075" cy="234555"/>
+          </a:xfrm>
+          <a:prstGeom prst="rect">
+            <a:avLst/>
+          </a:prstGeom>
+          <a:solidFill>
+            <a:srgbClr val="7030A0"/>
+          </a:solidFill>
+          <a:ln>
+            <a:noFill/>
+          </a:ln>
+        </p:spPr>
+        <p:style>
+          <a:lnRef idx="2">
+            <a:schemeClr val="accent1">
+              <a:shade val="50000"/>
+            </a:schemeClr>
+          </a:lnRef>
+          <a:fillRef idx="1">
+            <a:schemeClr val="accent1"/>
+          </a:fillRef>
+          <a:effectRef idx="0">
+            <a:schemeClr val="accent1"/>
+          </a:effectRef>
+          <a:fontRef idx="minor">
+            <a:schemeClr val="lt1"/>
+          </a:fontRef>
+        </p:style>
+        <p:txBody>
+          <a:bodyPr rtlCol="0" anchor="ctr"/>
+          <a:lstStyle/>
+          <a:p>
+            <a:pPr algn="ctr"/>
+            <a:endParaRPr lang="fr-FR"/>
+          </a:p>
+        </p:txBody>
+      </p:sp>
+      <p:sp>
+        <p:nvSpPr>
+          <p:cNvPr id="33" name="Rectangle 32">
+            <a:extLst>
+              <a:ext uri="{FF2B5EF4-FFF2-40B4-BE49-F238E27FC236}">
+                <a16:creationId xmlns:a16="http://schemas.microsoft.com/office/drawing/2014/main" id="{AF1CDE7D-E8C7-448E-AEA3-CF488F01E740}"/>
+              </a:ext>
+            </a:extLst>
+          </p:cNvPr>
+          <p:cNvSpPr/>
+          <p:nvPr/>
+        </p:nvSpPr>
+        <p:spPr>
+          <a:xfrm>
+            <a:off x="371474" y="3790640"/>
+            <a:ext cx="1743075" cy="234555"/>
+          </a:xfrm>
+          <a:prstGeom prst="rect">
+            <a:avLst/>
+          </a:prstGeom>
+          <a:solidFill>
+            <a:srgbClr val="7030A0"/>
+          </a:solidFill>
+          <a:ln>
+            <a:noFill/>
+          </a:ln>
+        </p:spPr>
+        <p:style>
+          <a:lnRef idx="2">
+            <a:schemeClr val="accent1">
+              <a:shade val="50000"/>
+            </a:schemeClr>
+          </a:lnRef>
+          <a:fillRef idx="1">
+            <a:schemeClr val="accent1"/>
+          </a:fillRef>
+          <a:effectRef idx="0">
+            <a:schemeClr val="accent1"/>
+          </a:effectRef>
+          <a:fontRef idx="minor">
+            <a:schemeClr val="lt1"/>
+          </a:fontRef>
+        </p:style>
+        <p:txBody>
+          <a:bodyPr rtlCol="0" anchor="ctr"/>
+          <a:lstStyle/>
+          <a:p>
+            <a:pPr algn="ctr"/>
+            <a:endParaRPr lang="fr-FR"/>
+          </a:p>
+        </p:txBody>
+      </p:sp>
+      <p:sp>
+        <p:nvSpPr>
+          <p:cNvPr id="35" name="Rectangle 34">
+            <a:extLst>
+              <a:ext uri="{FF2B5EF4-FFF2-40B4-BE49-F238E27FC236}">
+                <a16:creationId xmlns:a16="http://schemas.microsoft.com/office/drawing/2014/main" id="{EFD6A836-58D6-4B29-915D-363175DAEA9A}"/>
+              </a:ext>
+            </a:extLst>
+          </p:cNvPr>
+          <p:cNvSpPr/>
+          <p:nvPr/>
+        </p:nvSpPr>
+        <p:spPr>
+          <a:xfrm>
+            <a:off x="3058433" y="10556735"/>
+            <a:ext cx="741134" cy="430054"/>
+          </a:xfrm>
+          <a:prstGeom prst="rect">
+            <a:avLst/>
+          </a:prstGeom>
+          <a:ln>
+            <a:noFill/>
+          </a:ln>
+        </p:spPr>
+        <p:style>
+          <a:lnRef idx="2">
+            <a:schemeClr val="accent1">
+              <a:shade val="50000"/>
+            </a:schemeClr>
+          </a:lnRef>
+          <a:fillRef idx="1">
+            <a:schemeClr val="accent1"/>
+          </a:fillRef>
+          <a:effectRef idx="0">
+            <a:schemeClr val="accent1"/>
+          </a:effectRef>
+          <a:fontRef idx="minor">
+            <a:schemeClr val="lt1"/>
+          </a:fontRef>
+        </p:style>
+        <p:txBody>
+          <a:bodyPr rtlCol="0" anchor="ctr"/>
+          <a:lstStyle/>
+          <a:p>
+            <a:pPr algn="ctr"/>
+            <a:endParaRPr lang="fr-FR"/>
+          </a:p>
+        </p:txBody>
+      </p:sp>
+      <p:sp>
+        <p:nvSpPr>
+          <p:cNvPr id="36" name="Rectangle 35">
+            <a:extLst>
+              <a:ext uri="{FF2B5EF4-FFF2-40B4-BE49-F238E27FC236}">
+                <a16:creationId xmlns:a16="http://schemas.microsoft.com/office/drawing/2014/main" id="{B80878D4-7555-4C72-8C30-22B8B261BAE0}"/>
+              </a:ext>
+            </a:extLst>
+          </p:cNvPr>
+          <p:cNvSpPr/>
+          <p:nvPr/>
+        </p:nvSpPr>
+        <p:spPr>
+          <a:xfrm>
+            <a:off x="2267769" y="10556735"/>
+            <a:ext cx="741134" cy="430054"/>
+          </a:xfrm>
+          <a:prstGeom prst="rect">
+            <a:avLst/>
+          </a:prstGeom>
+          <a:ln>
+            <a:noFill/>
+          </a:ln>
+        </p:spPr>
+        <p:style>
+          <a:lnRef idx="2">
+            <a:schemeClr val="accent1">
+              <a:shade val="50000"/>
+            </a:schemeClr>
+          </a:lnRef>
+          <a:fillRef idx="1">
+            <a:schemeClr val="accent1"/>
+          </a:fillRef>
+          <a:effectRef idx="0">
+            <a:schemeClr val="accent1"/>
+          </a:effectRef>
+          <a:fontRef idx="minor">
+            <a:schemeClr val="lt1"/>
+          </a:fontRef>
+        </p:style>
+        <p:txBody>
+          <a:bodyPr rtlCol="0" anchor="ctr"/>
+          <a:lstStyle/>
+          <a:p>
+            <a:pPr algn="ctr"/>
+            <a:endParaRPr lang="fr-FR"/>
+          </a:p>
+        </p:txBody>
+      </p:sp>
+      <p:sp>
+        <p:nvSpPr>
+          <p:cNvPr id="37" name="Rectangle 36">
+            <a:extLst>
+              <a:ext uri="{FF2B5EF4-FFF2-40B4-BE49-F238E27FC236}">
+                <a16:creationId xmlns:a16="http://schemas.microsoft.com/office/drawing/2014/main" id="{E1E42F13-F99F-4E62-B2B4-9FF9AE0D0561}"/>
+              </a:ext>
+            </a:extLst>
+          </p:cNvPr>
+          <p:cNvSpPr/>
+          <p:nvPr/>
+        </p:nvSpPr>
+        <p:spPr>
+          <a:xfrm>
+            <a:off x="1477105" y="10556735"/>
+            <a:ext cx="741134" cy="430054"/>
+          </a:xfrm>
+          <a:prstGeom prst="rect">
+            <a:avLst/>
+          </a:prstGeom>
+          <a:ln>
+            <a:noFill/>
+          </a:ln>
+        </p:spPr>
+        <p:style>
+          <a:lnRef idx="2">
+            <a:schemeClr val="accent1">
+              <a:shade val="50000"/>
+            </a:schemeClr>
+          </a:lnRef>
+          <a:fillRef idx="1">
+            <a:schemeClr val="accent1"/>
+          </a:fillRef>
+          <a:effectRef idx="0">
+            <a:schemeClr val="accent1"/>
+          </a:effectRef>
+          <a:fontRef idx="minor">
+            <a:schemeClr val="lt1"/>
+          </a:fontRef>
+        </p:style>
+        <p:txBody>
+          <a:bodyPr rtlCol="0" anchor="ctr"/>
+          <a:lstStyle/>
+          <a:p>
+            <a:pPr algn="ctr"/>
+            <a:endParaRPr lang="fr-FR"/>
+          </a:p>
+        </p:txBody>
+      </p:sp>
+      <p:sp>
+        <p:nvSpPr>
+          <p:cNvPr id="38" name="Rectangle 37">
+            <a:extLst>
+              <a:ext uri="{FF2B5EF4-FFF2-40B4-BE49-F238E27FC236}">
+                <a16:creationId xmlns:a16="http://schemas.microsoft.com/office/drawing/2014/main" id="{306E2893-9325-4ED2-8159-FD0829676F5B}"/>
+              </a:ext>
+            </a:extLst>
+          </p:cNvPr>
+          <p:cNvSpPr/>
+          <p:nvPr/>
+        </p:nvSpPr>
+        <p:spPr>
+          <a:xfrm>
+            <a:off x="3849097" y="10548223"/>
+            <a:ext cx="741134" cy="430054"/>
+          </a:xfrm>
+          <a:prstGeom prst="rect">
+            <a:avLst/>
+          </a:prstGeom>
+          <a:ln>
+            <a:noFill/>
+          </a:ln>
+        </p:spPr>
+        <p:style>
+          <a:lnRef idx="2">
+            <a:schemeClr val="accent1">
+              <a:shade val="50000"/>
+            </a:schemeClr>
+          </a:lnRef>
+          <a:fillRef idx="1">
+            <a:schemeClr val="accent1"/>
+          </a:fillRef>
+          <a:effectRef idx="0">
+            <a:schemeClr val="accent1"/>
+          </a:effectRef>
+          <a:fontRef idx="minor">
+            <a:schemeClr val="lt1"/>
+          </a:fontRef>
+        </p:style>
+        <p:txBody>
+          <a:bodyPr rtlCol="0" anchor="ctr"/>
+          <a:lstStyle/>
+          <a:p>
+            <a:pPr algn="ctr"/>
+            <a:endParaRPr lang="fr-FR"/>
+          </a:p>
+        </p:txBody>
+      </p:sp>
+      <p:sp>
+        <p:nvSpPr>
+          <p:cNvPr id="39" name="Rectangle 38">
+            <a:extLst>
+              <a:ext uri="{FF2B5EF4-FFF2-40B4-BE49-F238E27FC236}">
+                <a16:creationId xmlns:a16="http://schemas.microsoft.com/office/drawing/2014/main" id="{0C21381C-498B-4480-8DE9-A6C3C90176C4}"/>
+              </a:ext>
+            </a:extLst>
+          </p:cNvPr>
+          <p:cNvSpPr/>
+          <p:nvPr/>
+        </p:nvSpPr>
+        <p:spPr>
+          <a:xfrm>
+            <a:off x="4639761" y="10556735"/>
+            <a:ext cx="741134" cy="430054"/>
+          </a:xfrm>
+          <a:prstGeom prst="rect">
+            <a:avLst/>
+          </a:prstGeom>
+          <a:ln>
+            <a:noFill/>
+          </a:ln>
+        </p:spPr>
+        <p:style>
+          <a:lnRef idx="2">
+            <a:schemeClr val="accent1">
+              <a:shade val="50000"/>
+            </a:schemeClr>
+          </a:lnRef>
+          <a:fillRef idx="1">
+            <a:schemeClr val="accent1"/>
+          </a:fillRef>
+          <a:effectRef idx="0">
+            <a:schemeClr val="accent1"/>
+          </a:effectRef>
+          <a:fontRef idx="minor">
+            <a:schemeClr val="lt1"/>
+          </a:fontRef>
+        </p:style>
+        <p:txBody>
+          <a:bodyPr rtlCol="0" anchor="ctr"/>
+          <a:lstStyle/>
+          <a:p>
+            <a:pPr algn="ctr"/>
+            <a:endParaRPr lang="fr-FR"/>
+          </a:p>
+        </p:txBody>
+      </p:sp>
+      <p:sp>
+        <p:nvSpPr>
+          <p:cNvPr id="40" name="Rectangle 39">
+            <a:extLst>
+              <a:ext uri="{FF2B5EF4-FFF2-40B4-BE49-F238E27FC236}">
+                <a16:creationId xmlns:a16="http://schemas.microsoft.com/office/drawing/2014/main" id="{732B4A0A-097F-4ABF-AE19-4C818FB47270}"/>
+              </a:ext>
+            </a:extLst>
+          </p:cNvPr>
+          <p:cNvSpPr/>
+          <p:nvPr/>
+        </p:nvSpPr>
+        <p:spPr>
+          <a:xfrm>
+            <a:off x="3225301" y="11108293"/>
+            <a:ext cx="422637" cy="430054"/>
+          </a:xfrm>
+          <a:prstGeom prst="rect">
+            <a:avLst/>
+          </a:prstGeom>
+          <a:ln>
+            <a:noFill/>
+          </a:ln>
+        </p:spPr>
+        <p:style>
+          <a:lnRef idx="2">
+            <a:schemeClr val="accent1">
+              <a:shade val="50000"/>
+            </a:schemeClr>
+          </a:lnRef>
+          <a:fillRef idx="1">
+            <a:schemeClr val="accent1"/>
+          </a:fillRef>
+          <a:effectRef idx="0">
+            <a:schemeClr val="accent1"/>
+          </a:effectRef>
+          <a:fontRef idx="minor">
+            <a:schemeClr val="lt1"/>
+          </a:fontRef>
+        </p:style>
+        <p:txBody>
+          <a:bodyPr rtlCol="0" anchor="ctr"/>
+          <a:lstStyle/>
+          <a:p>
+            <a:pPr algn="ctr"/>
+            <a:endParaRPr lang="fr-FR"/>
+          </a:p>
+        </p:txBody>
+      </p:sp>
+      <p:sp>
+        <p:nvSpPr>
+          <p:cNvPr id="41" name="Rectangle 40">
+            <a:extLst>
+              <a:ext uri="{FF2B5EF4-FFF2-40B4-BE49-F238E27FC236}">
+                <a16:creationId xmlns:a16="http://schemas.microsoft.com/office/drawing/2014/main" id="{A22FDFB7-B644-4F3A-A164-2CB07D9AD3E8}"/>
+              </a:ext>
+            </a:extLst>
+          </p:cNvPr>
+          <p:cNvSpPr/>
+          <p:nvPr/>
+        </p:nvSpPr>
+        <p:spPr>
+          <a:xfrm>
+            <a:off x="3687467" y="11108293"/>
+            <a:ext cx="422637" cy="430054"/>
+          </a:xfrm>
+          <a:prstGeom prst="rect">
+            <a:avLst/>
+          </a:prstGeom>
+          <a:ln>
+            <a:noFill/>
+          </a:ln>
+        </p:spPr>
+        <p:style>
+          <a:lnRef idx="2">
+            <a:schemeClr val="accent1">
+              <a:shade val="50000"/>
+            </a:schemeClr>
+          </a:lnRef>
+          <a:fillRef idx="1">
+            <a:schemeClr val="accent1"/>
+          </a:fillRef>
+          <a:effectRef idx="0">
+            <a:schemeClr val="accent1"/>
+          </a:effectRef>
+          <a:fontRef idx="minor">
+            <a:schemeClr val="lt1"/>
+          </a:fontRef>
+        </p:style>
+        <p:txBody>
+          <a:bodyPr rtlCol="0" anchor="ctr"/>
+          <a:lstStyle/>
+          <a:p>
+            <a:pPr algn="ctr"/>
+            <a:endParaRPr lang="fr-FR"/>
+          </a:p>
+        </p:txBody>
+      </p:sp>
+      <p:sp>
+        <p:nvSpPr>
+          <p:cNvPr id="42" name="Rectangle 41">
+            <a:extLst>
+              <a:ext uri="{FF2B5EF4-FFF2-40B4-BE49-F238E27FC236}">
+                <a16:creationId xmlns:a16="http://schemas.microsoft.com/office/drawing/2014/main" id="{F7E502C2-AB15-4289-87D5-7CCDAFE1D752}"/>
+              </a:ext>
+            </a:extLst>
+          </p:cNvPr>
+          <p:cNvSpPr/>
+          <p:nvPr/>
+        </p:nvSpPr>
+        <p:spPr>
+          <a:xfrm>
+            <a:off x="2763135" y="11108293"/>
+            <a:ext cx="422637" cy="430054"/>
+          </a:xfrm>
+          <a:prstGeom prst="rect">
+            <a:avLst/>
+          </a:prstGeom>
+          <a:ln>
+            <a:noFill/>
+          </a:ln>
+        </p:spPr>
+        <p:style>
+          <a:lnRef idx="2">
+            <a:schemeClr val="accent1">
+              <a:shade val="50000"/>
+            </a:schemeClr>
+          </a:lnRef>
+          <a:fillRef idx="1">
+            <a:schemeClr val="accent1"/>
+          </a:fillRef>
+          <a:effectRef idx="0">
+            <a:schemeClr val="accent1"/>
+          </a:effectRef>
+          <a:fontRef idx="minor">
+            <a:schemeClr val="lt1"/>
+          </a:fontRef>
+        </p:style>
+        <p:txBody>
+          <a:bodyPr rtlCol="0" anchor="ctr"/>
+          <a:lstStyle/>
+          <a:p>
+            <a:pPr algn="ctr"/>
+            <a:endParaRPr lang="fr-FR"/>
+          </a:p>
+        </p:txBody>
+      </p:sp>
+      <p:sp>
+        <p:nvSpPr>
+          <p:cNvPr id="43" name="Rectangle 42">
+            <a:extLst>
+              <a:ext uri="{FF2B5EF4-FFF2-40B4-BE49-F238E27FC236}">
+                <a16:creationId xmlns:a16="http://schemas.microsoft.com/office/drawing/2014/main" id="{A7BB9800-CF52-4D30-B6E1-845E8ADAE6E7}"/>
+              </a:ext>
+            </a:extLst>
+          </p:cNvPr>
+          <p:cNvSpPr/>
+          <p:nvPr/>
+        </p:nvSpPr>
+        <p:spPr>
+          <a:xfrm>
+            <a:off x="2300969" y="11108293"/>
+            <a:ext cx="422637" cy="430054"/>
+          </a:xfrm>
+          <a:prstGeom prst="rect">
+            <a:avLst/>
+          </a:prstGeom>
+          <a:ln>
+            <a:noFill/>
+          </a:ln>
+        </p:spPr>
+        <p:style>
+          <a:lnRef idx="2">
+            <a:schemeClr val="accent1">
+              <a:shade val="50000"/>
+            </a:schemeClr>
+          </a:lnRef>
+          <a:fillRef idx="1">
+            <a:schemeClr val="accent1"/>
+          </a:fillRef>
+          <a:effectRef idx="0">
+            <a:schemeClr val="accent1"/>
+          </a:effectRef>
+          <a:fontRef idx="minor">
+            <a:schemeClr val="lt1"/>
+          </a:fontRef>
+        </p:style>
+        <p:txBody>
+          <a:bodyPr rtlCol="0" anchor="ctr"/>
+          <a:lstStyle/>
+          <a:p>
+            <a:pPr algn="ctr"/>
+            <a:endParaRPr lang="fr-FR"/>
+          </a:p>
+        </p:txBody>
+      </p:sp>
+      <p:sp>
+        <p:nvSpPr>
+          <p:cNvPr id="44" name="Rectangle 43">
+            <a:extLst>
+              <a:ext uri="{FF2B5EF4-FFF2-40B4-BE49-F238E27FC236}">
+                <a16:creationId xmlns:a16="http://schemas.microsoft.com/office/drawing/2014/main" id="{16DD6C11-8126-4FC3-AD78-B3D8EDA323FB}"/>
+              </a:ext>
+            </a:extLst>
+          </p:cNvPr>
+          <p:cNvSpPr/>
+          <p:nvPr/>
+        </p:nvSpPr>
+        <p:spPr>
+          <a:xfrm>
+            <a:off x="4149633" y="11108293"/>
+            <a:ext cx="422637" cy="430054"/>
+          </a:xfrm>
+          <a:prstGeom prst="rect">
+            <a:avLst/>
+          </a:prstGeom>
+          <a:ln>
+            <a:noFill/>
+          </a:ln>
+        </p:spPr>
+        <p:style>
+          <a:lnRef idx="2">
+            <a:schemeClr val="accent1">
+              <a:shade val="50000"/>
+            </a:schemeClr>
+          </a:lnRef>
+          <a:fillRef idx="1">
+            <a:schemeClr val="accent1"/>
+          </a:fillRef>
+          <a:effectRef idx="0">
+            <a:schemeClr val="accent1"/>
+          </a:effectRef>
+          <a:fontRef idx="minor">
+            <a:schemeClr val="lt1"/>
+          </a:fontRef>
+        </p:style>
+        <p:txBody>
+          <a:bodyPr rtlCol="0" anchor="ctr"/>
+          <a:lstStyle/>
+          <a:p>
+            <a:pPr algn="ctr"/>
+            <a:endParaRPr lang="fr-FR"/>
+          </a:p>
+        </p:txBody>
+      </p:sp>
+      <p:sp>
+        <p:nvSpPr>
+          <p:cNvPr id="45" name="ZoneTexte 44">
+            <a:extLst>
+              <a:ext uri="{FF2B5EF4-FFF2-40B4-BE49-F238E27FC236}">
+                <a16:creationId xmlns:a16="http://schemas.microsoft.com/office/drawing/2014/main" id="{BE21641C-6AE9-49EE-8767-48863855BFBA}"/>
+              </a:ext>
+            </a:extLst>
+          </p:cNvPr>
+          <p:cNvSpPr txBox="1"/>
+          <p:nvPr/>
+        </p:nvSpPr>
+        <p:spPr>
+          <a:xfrm>
+            <a:off x="589055" y="10588882"/>
+            <a:ext cx="440144" cy="369332"/>
+          </a:xfrm>
+          <a:prstGeom prst="rect">
+            <a:avLst/>
+          </a:prstGeom>
+          <a:noFill/>
+        </p:spPr>
+        <p:txBody>
+          <a:bodyPr wrap="square" rtlCol="0">
+            <a:spAutoFit/>
+          </a:bodyPr>
+          <a:lstStyle/>
+          <a:p>
+            <a:r>
+              <a:rPr lang="fr-FR" dirty="0">
+                <a:solidFill>
+                  <a:schemeClr val="bg1"/>
+                </a:solidFill>
+              </a:rPr>
+              <a:t>2</a:t>
+            </a:r>
+          </a:p>
+        </p:txBody>
+      </p:sp>
+      <p:sp>
+        <p:nvSpPr>
+          <p:cNvPr id="46" name="ZoneTexte 45">
+            <a:extLst>
+              <a:ext uri="{FF2B5EF4-FFF2-40B4-BE49-F238E27FC236}">
+                <a16:creationId xmlns:a16="http://schemas.microsoft.com/office/drawing/2014/main" id="{0C0CDF12-7845-4F62-82B1-19A250E836C8}"/>
+              </a:ext>
+            </a:extLst>
+          </p:cNvPr>
+          <p:cNvSpPr txBox="1"/>
+          <p:nvPr/>
+        </p:nvSpPr>
+        <p:spPr>
+          <a:xfrm>
+            <a:off x="5950952" y="10588882"/>
+            <a:ext cx="440144" cy="369332"/>
+          </a:xfrm>
+          <a:prstGeom prst="rect">
+            <a:avLst/>
+          </a:prstGeom>
+          <a:noFill/>
+        </p:spPr>
+        <p:txBody>
+          <a:bodyPr wrap="square" rtlCol="0">
+            <a:spAutoFit/>
+          </a:bodyPr>
+          <a:lstStyle/>
+          <a:p>
+            <a:r>
+              <a:rPr lang="fr-FR" dirty="0">
+                <a:solidFill>
+                  <a:schemeClr val="bg1"/>
+                </a:solidFill>
+              </a:rPr>
+              <a:t>2</a:t>
+            </a:r>
+          </a:p>
+        </p:txBody>
+      </p:sp>
+      <p:sp>
+        <p:nvSpPr>
+          <p:cNvPr id="47" name="ZoneTexte 46">
+            <a:extLst>
+              <a:ext uri="{FF2B5EF4-FFF2-40B4-BE49-F238E27FC236}">
+                <a16:creationId xmlns:a16="http://schemas.microsoft.com/office/drawing/2014/main" id="{DD2A2F2A-142A-460A-A486-BAE6065915CF}"/>
+              </a:ext>
+            </a:extLst>
+          </p:cNvPr>
+          <p:cNvSpPr txBox="1"/>
+          <p:nvPr/>
+        </p:nvSpPr>
+        <p:spPr>
+          <a:xfrm>
+            <a:off x="3305443" y="10578584"/>
+            <a:ext cx="440144" cy="369332"/>
+          </a:xfrm>
+          <a:prstGeom prst="rect">
+            <a:avLst/>
+          </a:prstGeom>
+          <a:noFill/>
+        </p:spPr>
+        <p:txBody>
+          <a:bodyPr wrap="square" rtlCol="0">
+            <a:spAutoFit/>
+          </a:bodyPr>
+          <a:lstStyle/>
+          <a:p>
+            <a:r>
+              <a:rPr lang="fr-FR" dirty="0">
+                <a:solidFill>
+                  <a:schemeClr val="bg1"/>
+                </a:solidFill>
+              </a:rPr>
+              <a:t>8</a:t>
+            </a:r>
+          </a:p>
+        </p:txBody>
+      </p:sp>
+      <p:sp>
+        <p:nvSpPr>
+          <p:cNvPr id="48" name="ZoneTexte 47">
+            <a:extLst>
+              <a:ext uri="{FF2B5EF4-FFF2-40B4-BE49-F238E27FC236}">
+                <a16:creationId xmlns:a16="http://schemas.microsoft.com/office/drawing/2014/main" id="{4AEFE44A-C5D4-493D-8A6D-B56C81CC570B}"/>
+              </a:ext>
+            </a:extLst>
+          </p:cNvPr>
+          <p:cNvSpPr txBox="1"/>
+          <p:nvPr/>
+        </p:nvSpPr>
+        <p:spPr>
+          <a:xfrm>
+            <a:off x="1082338" y="11165729"/>
+            <a:ext cx="440144" cy="369332"/>
+          </a:xfrm>
+          <a:prstGeom prst="rect">
+            <a:avLst/>
+          </a:prstGeom>
+          <a:noFill/>
+        </p:spPr>
+        <p:txBody>
+          <a:bodyPr wrap="square" rtlCol="0">
+            <a:spAutoFit/>
+          </a:bodyPr>
+          <a:lstStyle/>
+          <a:p>
+            <a:r>
+              <a:rPr lang="fr-FR" dirty="0">
+                <a:solidFill>
+                  <a:schemeClr val="bg1"/>
+                </a:solidFill>
+              </a:rPr>
+              <a:t>4</a:t>
+            </a:r>
+          </a:p>
+        </p:txBody>
+      </p:sp>
+      <p:sp>
+        <p:nvSpPr>
+          <p:cNvPr id="49" name="ZoneTexte 48">
+            <a:extLst>
+              <a:ext uri="{FF2B5EF4-FFF2-40B4-BE49-F238E27FC236}">
+                <a16:creationId xmlns:a16="http://schemas.microsoft.com/office/drawing/2014/main" id="{72AA7F6A-EF9F-4A55-9F98-251789E6A5DA}"/>
+              </a:ext>
+            </a:extLst>
+          </p:cNvPr>
+          <p:cNvSpPr txBox="1"/>
+          <p:nvPr/>
+        </p:nvSpPr>
+        <p:spPr>
+          <a:xfrm>
+            <a:off x="5449343" y="11138654"/>
+            <a:ext cx="440144" cy="369332"/>
+          </a:xfrm>
+          <a:prstGeom prst="rect">
+            <a:avLst/>
+          </a:prstGeom>
+          <a:noFill/>
+        </p:spPr>
+        <p:txBody>
+          <a:bodyPr wrap="square" rtlCol="0">
+            <a:spAutoFit/>
+          </a:bodyPr>
+          <a:lstStyle/>
+          <a:p>
+            <a:r>
+              <a:rPr lang="fr-FR" dirty="0">
+                <a:solidFill>
+                  <a:schemeClr val="bg1"/>
+                </a:solidFill>
+              </a:rPr>
+              <a:t>4</a:t>
+            </a:r>
+          </a:p>
+        </p:txBody>
+      </p:sp>
+      <p:sp>
+        <p:nvSpPr>
+          <p:cNvPr id="50" name="ZoneTexte 49">
+            <a:extLst>
+              <a:ext uri="{FF2B5EF4-FFF2-40B4-BE49-F238E27FC236}">
+                <a16:creationId xmlns:a16="http://schemas.microsoft.com/office/drawing/2014/main" id="{61450DBD-C49D-452B-8094-1C6D6FF61FDB}"/>
+              </a:ext>
+            </a:extLst>
+          </p:cNvPr>
+          <p:cNvSpPr txBox="1"/>
+          <p:nvPr/>
+        </p:nvSpPr>
+        <p:spPr>
+          <a:xfrm>
+            <a:off x="3282021" y="11153323"/>
+            <a:ext cx="440144" cy="369332"/>
+          </a:xfrm>
+          <a:prstGeom prst="rect">
+            <a:avLst/>
+          </a:prstGeom>
+          <a:noFill/>
+        </p:spPr>
+        <p:txBody>
+          <a:bodyPr wrap="square" rtlCol="0">
+            <a:spAutoFit/>
+          </a:bodyPr>
+          <a:lstStyle/>
+          <a:p>
+            <a:r>
+              <a:rPr lang="fr-FR" dirty="0">
+                <a:solidFill>
+                  <a:schemeClr val="bg1"/>
+                </a:solidFill>
+              </a:rPr>
+              <a:t>4</a:t>
+            </a:r>
+          </a:p>
+        </p:txBody>
+      </p:sp>
+      <p:sp>
+        <p:nvSpPr>
+          <p:cNvPr id="51" name="ZoneTexte 50">
+            <a:extLst>
+              <a:ext uri="{FF2B5EF4-FFF2-40B4-BE49-F238E27FC236}">
+                <a16:creationId xmlns:a16="http://schemas.microsoft.com/office/drawing/2014/main" id="{B94AACE6-81F5-4186-9609-2187AFA0694C}"/>
+              </a:ext>
+            </a:extLst>
+          </p:cNvPr>
+          <p:cNvSpPr txBox="1"/>
+          <p:nvPr/>
+        </p:nvSpPr>
+        <p:spPr>
+          <a:xfrm>
+            <a:off x="3235688" y="10038783"/>
+            <a:ext cx="440144" cy="369332"/>
+          </a:xfrm>
+          <a:prstGeom prst="rect">
+            <a:avLst/>
+          </a:prstGeom>
+          <a:noFill/>
+        </p:spPr>
+        <p:txBody>
+          <a:bodyPr wrap="square" rtlCol="0">
+            <a:spAutoFit/>
+          </a:bodyPr>
+          <a:lstStyle/>
+          <a:p>
+            <a:r>
+              <a:rPr lang="fr-FR" dirty="0">
+                <a:solidFill>
+                  <a:schemeClr val="bg1"/>
+                </a:solidFill>
+              </a:rPr>
+              <a:t>12</a:t>
+            </a:r>
+          </a:p>
+        </p:txBody>
+      </p:sp>
+      <p:sp>
+        <p:nvSpPr>
+          <p:cNvPr id="52" name="ZoneTexte 51">
+            <a:extLst>
+              <a:ext uri="{FF2B5EF4-FFF2-40B4-BE49-F238E27FC236}">
+                <a16:creationId xmlns:a16="http://schemas.microsoft.com/office/drawing/2014/main" id="{490A4352-0373-4992-9E9E-E6449DC091DB}"/>
+              </a:ext>
+            </a:extLst>
+          </p:cNvPr>
+          <p:cNvSpPr txBox="1"/>
+          <p:nvPr/>
+        </p:nvSpPr>
+        <p:spPr>
+          <a:xfrm>
+            <a:off x="3217243" y="11694914"/>
+            <a:ext cx="440144" cy="369332"/>
+          </a:xfrm>
+          <a:prstGeom prst="rect">
+            <a:avLst/>
+          </a:prstGeom>
+          <a:noFill/>
+        </p:spPr>
+        <p:txBody>
+          <a:bodyPr wrap="square" rtlCol="0">
+            <a:spAutoFit/>
+          </a:bodyPr>
+          <a:lstStyle/>
+          <a:p>
+            <a:r>
+              <a:rPr lang="fr-FR" dirty="0">
+                <a:solidFill>
+                  <a:schemeClr val="bg1"/>
+                </a:solidFill>
+              </a:rPr>
+              <a:t>12</a:t>
+            </a:r>
+          </a:p>
+        </p:txBody>
+      </p:sp>
+      <p:sp>
+        <p:nvSpPr>
+          <p:cNvPr id="53" name="ZoneTexte 52">
+            <a:extLst>
+              <a:ext uri="{FF2B5EF4-FFF2-40B4-BE49-F238E27FC236}">
+                <a16:creationId xmlns:a16="http://schemas.microsoft.com/office/drawing/2014/main" id="{5718EA12-6EBA-43E2-855A-FE9CFF6ADDD2}"/>
+              </a:ext>
+            </a:extLst>
+          </p:cNvPr>
+          <p:cNvSpPr txBox="1"/>
+          <p:nvPr/>
+        </p:nvSpPr>
+        <p:spPr>
+          <a:xfrm>
+            <a:off x="745788" y="10042264"/>
+            <a:ext cx="609600" cy="369332"/>
+          </a:xfrm>
+          <a:prstGeom prst="rect">
+            <a:avLst/>
+          </a:prstGeom>
+          <a:noFill/>
+        </p:spPr>
+        <p:txBody>
+          <a:bodyPr wrap="square" rtlCol="0">
+            <a:spAutoFit/>
+          </a:bodyPr>
+          <a:lstStyle/>
+          <a:p>
+            <a:r>
+              <a:rPr lang="fr-FR" dirty="0"/>
+              <a:t>h3</a:t>
+            </a:r>
+          </a:p>
+        </p:txBody>
+      </p:sp>
+      <p:sp>
+        <p:nvSpPr>
+          <p:cNvPr id="54" name="ZoneTexte 53">
+            <a:extLst>
+              <a:ext uri="{FF2B5EF4-FFF2-40B4-BE49-F238E27FC236}">
+                <a16:creationId xmlns:a16="http://schemas.microsoft.com/office/drawing/2014/main" id="{079F51D6-0297-4DAD-9719-3AA4C2B6AA05}"/>
+              </a:ext>
+            </a:extLst>
+          </p:cNvPr>
+          <p:cNvSpPr txBox="1"/>
+          <p:nvPr/>
+        </p:nvSpPr>
+        <p:spPr>
+          <a:xfrm>
+            <a:off x="938211" y="10578584"/>
+            <a:ext cx="609600" cy="369332"/>
+          </a:xfrm>
+          <a:prstGeom prst="rect">
+            <a:avLst/>
+          </a:prstGeom>
+          <a:noFill/>
+        </p:spPr>
+        <p:txBody>
+          <a:bodyPr wrap="square" rtlCol="0">
+            <a:spAutoFit/>
+          </a:bodyPr>
+          <a:lstStyle/>
+          <a:p>
+            <a:r>
+              <a:rPr lang="fr-FR" dirty="0" err="1"/>
+              <a:t>nav</a:t>
+            </a:r>
+            <a:endParaRPr lang="fr-FR" dirty="0"/>
+          </a:p>
+        </p:txBody>
+      </p:sp>
+      <p:sp>
+        <p:nvSpPr>
+          <p:cNvPr id="55" name="ZoneTexte 54">
+            <a:extLst>
+              <a:ext uri="{FF2B5EF4-FFF2-40B4-BE49-F238E27FC236}">
+                <a16:creationId xmlns:a16="http://schemas.microsoft.com/office/drawing/2014/main" id="{E55BC5D1-75DF-428E-9078-603E9E79DFF4}"/>
+              </a:ext>
+            </a:extLst>
+          </p:cNvPr>
+          <p:cNvSpPr txBox="1"/>
+          <p:nvPr/>
+        </p:nvSpPr>
+        <p:spPr>
+          <a:xfrm>
+            <a:off x="1469984" y="11138654"/>
+            <a:ext cx="609600" cy="369332"/>
+          </a:xfrm>
+          <a:prstGeom prst="rect">
+            <a:avLst/>
+          </a:prstGeom>
+          <a:noFill/>
+        </p:spPr>
+        <p:txBody>
+          <a:bodyPr wrap="square" rtlCol="0">
+            <a:spAutoFit/>
+          </a:bodyPr>
+          <a:lstStyle/>
+          <a:p>
+            <a:r>
+              <a:rPr lang="fr-FR" dirty="0"/>
+              <a:t>div</a:t>
+            </a:r>
+          </a:p>
+        </p:txBody>
+      </p:sp>
+      <p:sp>
+        <p:nvSpPr>
+          <p:cNvPr id="56" name="ZoneTexte 55">
+            <a:extLst>
+              <a:ext uri="{FF2B5EF4-FFF2-40B4-BE49-F238E27FC236}">
+                <a16:creationId xmlns:a16="http://schemas.microsoft.com/office/drawing/2014/main" id="{173EEB6D-E397-4D56-9301-30E0E21106D2}"/>
+              </a:ext>
+            </a:extLst>
+          </p:cNvPr>
+          <p:cNvSpPr txBox="1"/>
+          <p:nvPr/>
+        </p:nvSpPr>
+        <p:spPr>
+          <a:xfrm>
+            <a:off x="1479809" y="11657439"/>
+            <a:ext cx="609600" cy="369332"/>
+          </a:xfrm>
+          <a:prstGeom prst="rect">
+            <a:avLst/>
+          </a:prstGeom>
+          <a:noFill/>
+        </p:spPr>
+        <p:txBody>
+          <a:bodyPr wrap="square" rtlCol="0">
+            <a:spAutoFit/>
+          </a:bodyPr>
+          <a:lstStyle/>
+          <a:p>
+            <a:r>
+              <a:rPr lang="fr-FR" dirty="0"/>
+              <a:t>div</a:t>
+            </a:r>
+          </a:p>
+        </p:txBody>
+      </p:sp>
+      <p:sp>
+        <p:nvSpPr>
+          <p:cNvPr id="57" name="ZoneTexte 56">
+            <a:extLst>
+              <a:ext uri="{FF2B5EF4-FFF2-40B4-BE49-F238E27FC236}">
+                <a16:creationId xmlns:a16="http://schemas.microsoft.com/office/drawing/2014/main" id="{3F28DD31-6A40-4A7A-8F92-0072D8F5C19C}"/>
+              </a:ext>
+            </a:extLst>
+          </p:cNvPr>
+          <p:cNvSpPr txBox="1"/>
+          <p:nvPr/>
+        </p:nvSpPr>
+        <p:spPr>
+          <a:xfrm>
+            <a:off x="1106149" y="9131022"/>
+            <a:ext cx="441662" cy="369332"/>
+          </a:xfrm>
+          <a:prstGeom prst="rect">
+            <a:avLst/>
+          </a:prstGeom>
+          <a:noFill/>
+        </p:spPr>
+        <p:txBody>
+          <a:bodyPr wrap="square" rtlCol="0">
+            <a:spAutoFit/>
+          </a:bodyPr>
+          <a:lstStyle/>
+          <a:p>
+            <a:r>
+              <a:rPr lang="fr-FR" dirty="0">
+                <a:solidFill>
+                  <a:schemeClr val="bg1"/>
+                </a:solidFill>
+              </a:rPr>
+              <a:t>4</a:t>
+            </a:r>
+          </a:p>
+        </p:txBody>
+      </p:sp>
+    </p:spTree>
+    <p:extLst>
+      <p:ext uri="{BB962C8B-B14F-4D97-AF65-F5344CB8AC3E}">
+        <p14:creationId xmlns:p14="http://schemas.microsoft.com/office/powerpoint/2010/main" val="1011502979"/>
+      </p:ext>
+    </p:extLst>
+  </p:cSld>
+  <p:clrMapOvr>
+    <a:masterClrMapping/>
+  </p:clrMapOvr>
+</p:sld>
+</file>
+
+<file path=ppt/slides/slide3.xml><?xml version="1.0" encoding="utf-8"?>
+<p:sld xmlns:a="http://schemas.openxmlformats.org/drawingml/2006/main" xmlns:r="http://schemas.openxmlformats.org/officeDocument/2006/relationships" xmlns:p="http://schemas.openxmlformats.org/presentationml/2006/main">
+  <p:cSld>
+    <p:spTree>
+      <p:nvGrpSpPr>
+        <p:cNvPr id="1" name=""/>
+        <p:cNvGrpSpPr/>
+        <p:nvPr/>
+      </p:nvGrpSpPr>
+      <p:grpSpPr>
+        <a:xfrm>
+          <a:off x="0" y="0"/>
+          <a:ext cx="0" cy="0"/>
+          <a:chOff x="0" y="0"/>
+          <a:chExt cx="0" cy="0"/>
+        </a:xfrm>
+      </p:grpSpPr>
+    </p:spTree>
+    <p:extLst>
+      <p:ext uri="{BB962C8B-B14F-4D97-AF65-F5344CB8AC3E}">
+        <p14:creationId xmlns:p14="http://schemas.microsoft.com/office/powerpoint/2010/main" val="2317916621"/>
+      </p:ext>
+    </p:extLst>
+  </p:cSld>
+  <p:clrMapOvr>
+    <a:masterClrMapping/>
+  </p:clrMapOvr>
+</p:sld>
+</file>
+
 <file path=ppt/theme/theme1.xml><?xml version="1.0" encoding="utf-8"?>
 <a:theme xmlns:a="http://schemas.openxmlformats.org/drawingml/2006/main" name="Thème Office">
   <a:themeElements>
-    <a:clrScheme name="Office">
+    <a:clrScheme name="Thème Office">
       <a:dk1>
         <a:sysClr val="windowText" lastClr="000000"/>
       </a:dk1>
@@ -3391,7 +6089,7 @@
         <a:srgbClr val="954F72"/>
       </a:folHlink>
     </a:clrScheme>
-    <a:fontScheme name="Office">
+    <a:fontScheme name="Thème Office">
       <a:majorFont>
         <a:latin typeface="Calibri Light" panose="020F0302020204030204"/>
         <a:ea typeface=""/>
@@ -3426,23 +6124,6 @@
         <a:font script="Viet" typeface="Times New Roman"/>
         <a:font script="Uigh" typeface="Microsoft Uighur"/>
         <a:font script="Geor" typeface="Sylfaen"/>
-        <a:font script="Armn" typeface="Arial"/>
-        <a:font script="Bugi" typeface="Leelawadee UI"/>
-        <a:font script="Bopo" typeface="Microsoft JhengHei"/>
-        <a:font script="Java" typeface="Javanese Text"/>
-        <a:font script="Lisu" typeface="Segoe UI"/>
-        <a:font script="Mymr" typeface="Myanmar Text"/>
-        <a:font script="Nkoo" typeface="Ebrima"/>
-        <a:font script="Olck" typeface="Nirmala UI"/>
-        <a:font script="Osma" typeface="Ebrima"/>
-        <a:font script="Phag" typeface="Phagspa"/>
-        <a:font script="Syrn" typeface="Estrangelo Edessa"/>
-        <a:font script="Syrj" typeface="Estrangelo Edessa"/>
-        <a:font script="Syre" typeface="Estrangelo Edessa"/>
-        <a:font script="Sora" typeface="Nirmala UI"/>
-        <a:font script="Tale" typeface="Microsoft Tai Le"/>
-        <a:font script="Talu" typeface="Microsoft New Tai Lue"/>
-        <a:font script="Tfng" typeface="Ebrima"/>
       </a:majorFont>
       <a:minorFont>
         <a:latin typeface="Calibri" panose="020F0502020204030204"/>
@@ -3478,26 +6159,9 @@
         <a:font script="Viet" typeface="Arial"/>
         <a:font script="Uigh" typeface="Microsoft Uighur"/>
         <a:font script="Geor" typeface="Sylfaen"/>
-        <a:font script="Armn" typeface="Arial"/>
-        <a:font script="Bugi" typeface="Leelawadee UI"/>
-        <a:font script="Bopo" typeface="Microsoft JhengHei"/>
-        <a:font script="Java" typeface="Javanese Text"/>
-        <a:font script="Lisu" typeface="Segoe UI"/>
-        <a:font script="Mymr" typeface="Myanmar Text"/>
-        <a:font script="Nkoo" typeface="Ebrima"/>
-        <a:font script="Olck" typeface="Nirmala UI"/>
-        <a:font script="Osma" typeface="Ebrima"/>
-        <a:font script="Phag" typeface="Phagspa"/>
-        <a:font script="Syrn" typeface="Estrangelo Edessa"/>
-        <a:font script="Syrj" typeface="Estrangelo Edessa"/>
-        <a:font script="Syre" typeface="Estrangelo Edessa"/>
-        <a:font script="Sora" typeface="Nirmala UI"/>
-        <a:font script="Tale" typeface="Microsoft Tai Le"/>
-        <a:font script="Talu" typeface="Microsoft New Tai Lue"/>
-        <a:font script="Tfng" typeface="Ebrima"/>
       </a:minorFont>
     </a:fontScheme>
-    <a:fmtScheme name="Office">
+    <a:fmtScheme name="Thème Office">
       <a:fillStyleLst>
         <a:solidFill>
           <a:schemeClr val="phClr"/>
